--- a/PosterDesign.pptx
+++ b/PosterDesign.pptx
@@ -6,7 +6,6 @@
   </p:sldMasterIdLst>
   <p:sldIdLst>
     <p:sldId id="256" r:id="rId2"/>
-    <p:sldId id="257" r:id="rId3"/>
   </p:sldIdLst>
   <p:sldSz cx="43891200" cy="32918400"/>
   <p:notesSz cx="6858000" cy="9144000"/>
@@ -3048,8 +3047,8 @@
         </p:nvSpPr>
         <p:spPr>
           <a:xfrm>
-            <a:off x="1170709" y="4323483"/>
-            <a:ext cx="15046037" cy="11972508"/>
+            <a:off x="1039091" y="3678863"/>
+            <a:ext cx="32031709" cy="3170099"/>
           </a:xfrm>
           <a:prstGeom prst="rect">
             <a:avLst/>
@@ -3063,63 +3062,75 @@
           <a:lstStyle/>
           <a:p>
             <a:r>
+              <a:rPr lang="en-US" sz="2400" dirty="0">
+                <a:latin typeface="Arial" panose="020B0604020202020204" pitchFamily="34" charset="0"/>
+                <a:cs typeface="Arial" panose="020B0604020202020204" pitchFamily="34" charset="0"/>
+              </a:rPr>
+              <a:t>One of the biggest questions in astronomy and astrophysics is “How do galaxies form?”  Due to the large time scales involved, the only way to learn about the galactic formation is through studying galaxies outside the Milky Way through observation and simulation. The accretion disk of matter surrounding supermassive black holes in the center of certain galaxies produce more light than all of the stars within the galaxy, called active galactic nuclei (AGN).  When modeling gas clouds in the narrow line region (NLR), researchers produce a spectral energy distribution (SED) representing the spectrum of light generated by the AGN.  The can be empirically parametrized into a double broken power-law model using spectral indices, α</a:t>
+            </a:r>
+            <a:r>
+              <a:rPr lang="en-US" sz="2400" baseline="-25000" dirty="0">
+                <a:latin typeface="Arial" panose="020B0604020202020204" pitchFamily="34" charset="0"/>
+                <a:cs typeface="Arial" panose="020B0604020202020204" pitchFamily="34" charset="0"/>
+              </a:rPr>
+              <a:t>x</a:t>
+            </a:r>
+            <a:r>
+              <a:rPr lang="en-US" sz="2400" dirty="0">
+                <a:latin typeface="Arial" panose="020B0604020202020204" pitchFamily="34" charset="0"/>
+                <a:cs typeface="Arial" panose="020B0604020202020204" pitchFamily="34" charset="0"/>
+              </a:rPr>
+              <a:t>, α­­</a:t>
+            </a:r>
+            <a:r>
+              <a:rPr lang="en-US" sz="2400" baseline="-25000" dirty="0">
+                <a:latin typeface="Arial" panose="020B0604020202020204" pitchFamily="34" charset="0"/>
+                <a:cs typeface="Arial" panose="020B0604020202020204" pitchFamily="34" charset="0"/>
+              </a:rPr>
+              <a:t>ox, </a:t>
+            </a:r>
+            <a:r>
+              <a:rPr lang="en-US" sz="2400" dirty="0">
+                <a:latin typeface="Arial" panose="020B0604020202020204" pitchFamily="34" charset="0"/>
+                <a:cs typeface="Arial" panose="020B0604020202020204" pitchFamily="34" charset="0"/>
+              </a:rPr>
+              <a:t>and α</a:t>
+            </a:r>
+            <a:r>
+              <a:rPr lang="en-US" sz="2400" baseline="-25000" dirty="0" err="1">
+                <a:latin typeface="Arial" panose="020B0604020202020204" pitchFamily="34" charset="0"/>
+                <a:cs typeface="Arial" panose="020B0604020202020204" pitchFamily="34" charset="0"/>
+              </a:rPr>
+              <a:t>uv</a:t>
+            </a:r>
+            <a:r>
+              <a:rPr lang="en-US" sz="2400" dirty="0">
+                <a:latin typeface="Arial" panose="020B0604020202020204" pitchFamily="34" charset="0"/>
+                <a:cs typeface="Arial" panose="020B0604020202020204" pitchFamily="34" charset="0"/>
+              </a:rPr>
+              <a:t>, which determine the slope of the curve at different wavelengths of light.  One aim of our research is to synthesize a regression model with data from previous studies that will compute all the spectral indices based on one index.  We statistically confirm our regression analysis with a Chi Square and by plotting the residuals of our regression.  Using the mean values of the spectral indices provided by past research, we run an incident spectral energy distributions in the program Cloudy.  Preliminary results so far have shown that our regression model is statistically significant</a:t>
+            </a:r>
+            <a:r>
+              <a:rPr lang="en-US" sz="2400">
+                <a:latin typeface="Arial" panose="020B0604020202020204" pitchFamily="34" charset="0"/>
+                <a:cs typeface="Arial" panose="020B0604020202020204" pitchFamily="34" charset="0"/>
+              </a:rPr>
+              <a:t>, and </a:t>
+            </a:r>
+            <a:r>
+              <a:rPr lang="en-US" sz="2400" dirty="0">
+                <a:latin typeface="Arial" panose="020B0604020202020204" pitchFamily="34" charset="0"/>
+                <a:cs typeface="Arial" panose="020B0604020202020204" pitchFamily="34" charset="0"/>
+              </a:rPr>
+              <a:t>we have constrained the incident SED. The spectral indices are varied based on the regression model and the SEDs are supplied to Cloudy to simulate gas clouds in the narrow line region. We fit our model to emission line ratios produced by the simulated gas cloud as a consistency check for understanding the SED and elaborate on future work that can elucidate whether or not a more complex NLR model provide a more accurate prediction of emission line ratio observations than models using a single power law</a:t>
+            </a:r>
+            <a:r>
               <a:rPr lang="en-US" sz="3200" dirty="0">
                 <a:latin typeface="Arial" panose="020B0604020202020204" pitchFamily="34" charset="0"/>
                 <a:cs typeface="Arial" panose="020B0604020202020204" pitchFamily="34" charset="0"/>
               </a:rPr>
-              <a:t>One of the biggest questions in astronomy and astrophysics is “How do galaxies form?”  Due to the large time scales involved, the only way to learn about the galactic formation is through studying galaxies outside the Milky Way through observation and simulation. The accretion disk of matter surrounding supermassive black holes in the center of certain galaxies produce more light than all of the stars within the galaxy, called active galactic nuclei (AGN).  When modeling gas clouds in the narrow line region (NLR), researchers produce a spectral energy distribution (SED) representing the spectrum of light generated by the AGN.  The can be empirically parametrized into a double broken power-law model using spectral indices, α</a:t>
-            </a:r>
-            <a:r>
-              <a:rPr lang="en-US" sz="3200" baseline="-25000" dirty="0">
-                <a:latin typeface="Arial" panose="020B0604020202020204" pitchFamily="34" charset="0"/>
-                <a:cs typeface="Arial" panose="020B0604020202020204" pitchFamily="34" charset="0"/>
-              </a:rPr>
-              <a:t>x</a:t>
-            </a:r>
-            <a:r>
-              <a:rPr lang="en-US" sz="3200" dirty="0">
-                <a:latin typeface="Arial" panose="020B0604020202020204" pitchFamily="34" charset="0"/>
-                <a:cs typeface="Arial" panose="020B0604020202020204" pitchFamily="34" charset="0"/>
-              </a:rPr>
-              <a:t>, α­­</a:t>
-            </a:r>
-            <a:r>
-              <a:rPr lang="en-US" sz="3200" baseline="-25000" dirty="0">
-                <a:latin typeface="Arial" panose="020B0604020202020204" pitchFamily="34" charset="0"/>
-                <a:cs typeface="Arial" panose="020B0604020202020204" pitchFamily="34" charset="0"/>
-              </a:rPr>
-              <a:t>ox, </a:t>
-            </a:r>
-            <a:r>
-              <a:rPr lang="en-US" sz="3200" dirty="0">
-                <a:latin typeface="Arial" panose="020B0604020202020204" pitchFamily="34" charset="0"/>
-                <a:cs typeface="Arial" panose="020B0604020202020204" pitchFamily="34" charset="0"/>
-              </a:rPr>
-              <a:t>and α</a:t>
-            </a:r>
-            <a:r>
-              <a:rPr lang="en-US" sz="3200" baseline="-25000" dirty="0" err="1">
-                <a:latin typeface="Arial" panose="020B0604020202020204" pitchFamily="34" charset="0"/>
-                <a:cs typeface="Arial" panose="020B0604020202020204" pitchFamily="34" charset="0"/>
-              </a:rPr>
-              <a:t>uv</a:t>
-            </a:r>
-            <a:r>
-              <a:rPr lang="en-US" sz="3200" dirty="0">
-                <a:latin typeface="Arial" panose="020B0604020202020204" pitchFamily="34" charset="0"/>
-                <a:cs typeface="Arial" panose="020B0604020202020204" pitchFamily="34" charset="0"/>
-              </a:rPr>
-              <a:t>, which determine the slope of the curve at different wavelengths of light.  One aim of our research is to synthesize a regression model with data from previous studies that will compute all the spectral indices based on one index.  We statistically confirm our regression analysis with a chi square test.  Using the mean values of the spectral indices provided by past research, we craft an SED in the program Cloudy.  Preliminary results so far have shown that our regression model is statistically significant, and thus we have constrained the incident SED. The spectral indices are varied based on the regression model and the SEDs are supplied to Cloudy to simulate gas clouds in the narrow line region. We fit our model to emission line ratios produced by the simulated gas cloud as a consistency check for understanding the SED and elaborate on future work that can elucidate whether or not a more complex NLR model provide a more accurate prediction of emission line ratio observations than models using a single power law. </a:t>
-            </a:r>
-          </a:p>
-          <a:p>
-            <a:r>
-              <a:rPr lang="en-US" dirty="0"/>
-              <a:t> </a:t>
-            </a:r>
-          </a:p>
-          <a:p>
-            <a:endParaRPr lang="en-US" dirty="0"/>
+              <a:t>. </a:t>
+            </a:r>
           </a:p>
         </p:txBody>
       </p:sp>
@@ -3131,8 +3142,8 @@
         </p:nvSpPr>
         <p:spPr>
           <a:xfrm>
-            <a:off x="1039091" y="3532909"/>
-            <a:ext cx="15170728" cy="707886"/>
+            <a:off x="1039091" y="2892155"/>
+            <a:ext cx="10370128" cy="707886"/>
           </a:xfrm>
           <a:prstGeom prst="rect">
             <a:avLst/>
@@ -3145,9 +3156,11 @@
           </a:bodyPr>
           <a:lstStyle/>
           <a:p>
-            <a:pPr algn="ctr"/>
-            <a:r>
-              <a:rPr lang="en-US" sz="4000" b="1" dirty="0">
+            <a:r>
+              <a:rPr lang="en-US" sz="4000" b="1" u="sng" dirty="0">
+                <a:solidFill>
+                  <a:srgbClr val="73000A"/>
+                </a:solidFill>
                 <a:latin typeface="Arial" panose="020B0604020202020204" pitchFamily="34" charset="0"/>
                 <a:cs typeface="Arial" panose="020B0604020202020204" pitchFamily="34" charset="0"/>
               </a:rPr>
@@ -3164,8 +3177,8 @@
         </p:nvSpPr>
         <p:spPr>
           <a:xfrm>
-            <a:off x="1039091" y="16459200"/>
-            <a:ext cx="14339454" cy="1261884"/>
+            <a:off x="1117025" y="7869173"/>
+            <a:ext cx="14339454" cy="15604272"/>
           </a:xfrm>
           <a:prstGeom prst="rect">
             <a:avLst/>
@@ -3180,7 +3193,10 @@
           <a:p>
             <a:pPr algn="ctr"/>
             <a:r>
-              <a:rPr lang="en-US" sz="4000" b="1" dirty="0">
+              <a:rPr lang="en-US" sz="4000" b="1" u="sng" dirty="0">
+                <a:solidFill>
+                  <a:srgbClr val="73000A"/>
+                </a:solidFill>
                 <a:latin typeface="Arial" panose="020B0604020202020204" pitchFamily="34" charset="0"/>
                 <a:cs typeface="Arial" panose="020B0604020202020204" pitchFamily="34" charset="0"/>
               </a:rPr>
@@ -3188,13 +3204,481 @@
             </a:r>
           </a:p>
           <a:p>
-            <a:r>
-              <a:rPr lang="en-US" sz="3600" dirty="0">
-                <a:latin typeface="Arial" panose="020B0604020202020204" pitchFamily="34" charset="0"/>
-                <a:cs typeface="Arial" panose="020B0604020202020204" pitchFamily="34" charset="0"/>
-              </a:rPr>
-              <a:t>Insert Background here.</a:t>
-            </a:r>
+            <a:pPr marL="342900" indent="-342900">
+              <a:buFont typeface="Arial" panose="020B0604020202020204" pitchFamily="34" charset="0"/>
+              <a:buChar char="•"/>
+            </a:pPr>
+            <a:r>
+              <a:rPr lang="en-US" sz="2800" dirty="0">
+                <a:latin typeface="Arial" panose="020B0604020202020204" pitchFamily="34" charset="0"/>
+                <a:cs typeface="Arial" panose="020B0604020202020204" pitchFamily="34" charset="0"/>
+              </a:rPr>
+              <a:t>Active Galactic Nuclei (AGN) are generally structured according to the width of the emission lines observed in each region.  </a:t>
+            </a:r>
+          </a:p>
+          <a:p>
+            <a:pPr marL="342900" indent="-342900">
+              <a:buFont typeface="Arial" panose="020B0604020202020204" pitchFamily="34" charset="0"/>
+              <a:buChar char="•"/>
+            </a:pPr>
+            <a:endParaRPr lang="en-US" sz="2800" dirty="0">
+              <a:latin typeface="Arial" panose="020B0604020202020204" pitchFamily="34" charset="0"/>
+              <a:cs typeface="Arial" panose="020B0604020202020204" pitchFamily="34" charset="0"/>
+            </a:endParaRPr>
+          </a:p>
+          <a:p>
+            <a:pPr marL="342900" indent="-342900">
+              <a:buFont typeface="Arial" panose="020B0604020202020204" pitchFamily="34" charset="0"/>
+              <a:buChar char="•"/>
+            </a:pPr>
+            <a:endParaRPr lang="en-US" sz="2400" dirty="0">
+              <a:latin typeface="Arial" panose="020B0604020202020204" pitchFamily="34" charset="0"/>
+              <a:cs typeface="Arial" panose="020B0604020202020204" pitchFamily="34" charset="0"/>
+            </a:endParaRPr>
+          </a:p>
+          <a:p>
+            <a:pPr marL="342900" indent="-342900">
+              <a:buFont typeface="Arial" panose="020B0604020202020204" pitchFamily="34" charset="0"/>
+              <a:buChar char="•"/>
+            </a:pPr>
+            <a:endParaRPr lang="en-US" sz="2400" dirty="0">
+              <a:latin typeface="Arial" panose="020B0604020202020204" pitchFamily="34" charset="0"/>
+              <a:cs typeface="Arial" panose="020B0604020202020204" pitchFamily="34" charset="0"/>
+            </a:endParaRPr>
+          </a:p>
+          <a:p>
+            <a:pPr marL="342900" indent="-342900">
+              <a:buFont typeface="Arial" panose="020B0604020202020204" pitchFamily="34" charset="0"/>
+              <a:buChar char="•"/>
+            </a:pPr>
+            <a:endParaRPr lang="en-US" sz="2400" dirty="0">
+              <a:latin typeface="Arial" panose="020B0604020202020204" pitchFamily="34" charset="0"/>
+              <a:cs typeface="Arial" panose="020B0604020202020204" pitchFamily="34" charset="0"/>
+            </a:endParaRPr>
+          </a:p>
+          <a:p>
+            <a:pPr marL="342900" indent="-342900">
+              <a:buFont typeface="Arial" panose="020B0604020202020204" pitchFamily="34" charset="0"/>
+              <a:buChar char="•"/>
+            </a:pPr>
+            <a:endParaRPr lang="en-US" sz="2400" dirty="0">
+              <a:latin typeface="Arial" panose="020B0604020202020204" pitchFamily="34" charset="0"/>
+              <a:cs typeface="Arial" panose="020B0604020202020204" pitchFamily="34" charset="0"/>
+            </a:endParaRPr>
+          </a:p>
+          <a:p>
+            <a:pPr marL="342900" indent="-342900">
+              <a:buFont typeface="Arial" panose="020B0604020202020204" pitchFamily="34" charset="0"/>
+              <a:buChar char="•"/>
+            </a:pPr>
+            <a:endParaRPr lang="en-US" sz="2400" dirty="0">
+              <a:latin typeface="Arial" panose="020B0604020202020204" pitchFamily="34" charset="0"/>
+              <a:cs typeface="Arial" panose="020B0604020202020204" pitchFamily="34" charset="0"/>
+            </a:endParaRPr>
+          </a:p>
+          <a:p>
+            <a:pPr marL="342900" indent="-342900">
+              <a:buFont typeface="Arial" panose="020B0604020202020204" pitchFamily="34" charset="0"/>
+              <a:buChar char="•"/>
+            </a:pPr>
+            <a:endParaRPr lang="en-US" sz="2400" dirty="0">
+              <a:latin typeface="Arial" panose="020B0604020202020204" pitchFamily="34" charset="0"/>
+              <a:cs typeface="Arial" panose="020B0604020202020204" pitchFamily="34" charset="0"/>
+            </a:endParaRPr>
+          </a:p>
+          <a:p>
+            <a:pPr marL="342900" indent="-342900">
+              <a:buFont typeface="Arial" panose="020B0604020202020204" pitchFamily="34" charset="0"/>
+              <a:buChar char="•"/>
+            </a:pPr>
+            <a:endParaRPr lang="en-US" sz="2400" dirty="0">
+              <a:latin typeface="Arial" panose="020B0604020202020204" pitchFamily="34" charset="0"/>
+              <a:cs typeface="Arial" panose="020B0604020202020204" pitchFamily="34" charset="0"/>
+            </a:endParaRPr>
+          </a:p>
+          <a:p>
+            <a:pPr marL="342900" indent="-342900">
+              <a:buFont typeface="Arial" panose="020B0604020202020204" pitchFamily="34" charset="0"/>
+              <a:buChar char="•"/>
+            </a:pPr>
+            <a:endParaRPr lang="en-US" sz="2400" dirty="0">
+              <a:latin typeface="Arial" panose="020B0604020202020204" pitchFamily="34" charset="0"/>
+              <a:cs typeface="Arial" panose="020B0604020202020204" pitchFamily="34" charset="0"/>
+            </a:endParaRPr>
+          </a:p>
+          <a:p>
+            <a:pPr marL="342900" indent="-342900">
+              <a:buFont typeface="Arial" panose="020B0604020202020204" pitchFamily="34" charset="0"/>
+              <a:buChar char="•"/>
+            </a:pPr>
+            <a:endParaRPr lang="en-US" sz="2400" dirty="0">
+              <a:latin typeface="Arial" panose="020B0604020202020204" pitchFamily="34" charset="0"/>
+              <a:cs typeface="Arial" panose="020B0604020202020204" pitchFamily="34" charset="0"/>
+            </a:endParaRPr>
+          </a:p>
+          <a:p>
+            <a:pPr marL="342900" indent="-342900">
+              <a:buFont typeface="Arial" panose="020B0604020202020204" pitchFamily="34" charset="0"/>
+              <a:buChar char="•"/>
+            </a:pPr>
+            <a:endParaRPr lang="en-US" sz="2400" dirty="0">
+              <a:latin typeface="Arial" panose="020B0604020202020204" pitchFamily="34" charset="0"/>
+              <a:cs typeface="Arial" panose="020B0604020202020204" pitchFamily="34" charset="0"/>
+            </a:endParaRPr>
+          </a:p>
+          <a:p>
+            <a:pPr marL="342900" indent="-342900">
+              <a:buFont typeface="Arial" panose="020B0604020202020204" pitchFamily="34" charset="0"/>
+              <a:buChar char="•"/>
+            </a:pPr>
+            <a:endParaRPr lang="en-US" sz="2400" dirty="0">
+              <a:latin typeface="Arial" panose="020B0604020202020204" pitchFamily="34" charset="0"/>
+              <a:cs typeface="Arial" panose="020B0604020202020204" pitchFamily="34" charset="0"/>
+            </a:endParaRPr>
+          </a:p>
+          <a:p>
+            <a:pPr marL="342900" indent="-342900">
+              <a:buFont typeface="Arial" panose="020B0604020202020204" pitchFamily="34" charset="0"/>
+              <a:buChar char="•"/>
+            </a:pPr>
+            <a:endParaRPr lang="en-US" sz="2400" dirty="0">
+              <a:latin typeface="Arial" panose="020B0604020202020204" pitchFamily="34" charset="0"/>
+              <a:cs typeface="Arial" panose="020B0604020202020204" pitchFamily="34" charset="0"/>
+            </a:endParaRPr>
+          </a:p>
+          <a:p>
+            <a:pPr marL="342900" indent="-342900">
+              <a:buFont typeface="Arial" panose="020B0604020202020204" pitchFamily="34" charset="0"/>
+              <a:buChar char="•"/>
+            </a:pPr>
+            <a:endParaRPr lang="en-US" sz="2400" dirty="0">
+              <a:latin typeface="Arial" panose="020B0604020202020204" pitchFamily="34" charset="0"/>
+              <a:cs typeface="Arial" panose="020B0604020202020204" pitchFamily="34" charset="0"/>
+            </a:endParaRPr>
+          </a:p>
+          <a:p>
+            <a:pPr marL="342900" indent="-342900">
+              <a:buFont typeface="Arial" panose="020B0604020202020204" pitchFamily="34" charset="0"/>
+              <a:buChar char="•"/>
+            </a:pPr>
+            <a:endParaRPr lang="en-US" sz="2400" dirty="0">
+              <a:latin typeface="Arial" panose="020B0604020202020204" pitchFamily="34" charset="0"/>
+              <a:cs typeface="Arial" panose="020B0604020202020204" pitchFamily="34" charset="0"/>
+            </a:endParaRPr>
+          </a:p>
+          <a:p>
+            <a:pPr marL="342900" indent="-342900">
+              <a:buFont typeface="Arial" panose="020B0604020202020204" pitchFamily="34" charset="0"/>
+              <a:buChar char="•"/>
+            </a:pPr>
+            <a:endParaRPr lang="en-US" sz="2400" dirty="0">
+              <a:latin typeface="Arial" panose="020B0604020202020204" pitchFamily="34" charset="0"/>
+              <a:cs typeface="Arial" panose="020B0604020202020204" pitchFamily="34" charset="0"/>
+            </a:endParaRPr>
+          </a:p>
+          <a:p>
+            <a:pPr marL="342900" indent="-342900">
+              <a:buFont typeface="Arial" panose="020B0604020202020204" pitchFamily="34" charset="0"/>
+              <a:buChar char="•"/>
+            </a:pPr>
+            <a:endParaRPr lang="en-US" sz="2400" dirty="0">
+              <a:latin typeface="Arial" panose="020B0604020202020204" pitchFamily="34" charset="0"/>
+              <a:cs typeface="Arial" panose="020B0604020202020204" pitchFamily="34" charset="0"/>
+            </a:endParaRPr>
+          </a:p>
+          <a:p>
+            <a:pPr marL="342900" indent="-342900">
+              <a:buFont typeface="Arial" panose="020B0604020202020204" pitchFamily="34" charset="0"/>
+              <a:buChar char="•"/>
+            </a:pPr>
+            <a:endParaRPr lang="en-US" sz="2400" dirty="0">
+              <a:latin typeface="Arial" panose="020B0604020202020204" pitchFamily="34" charset="0"/>
+              <a:cs typeface="Arial" panose="020B0604020202020204" pitchFamily="34" charset="0"/>
+            </a:endParaRPr>
+          </a:p>
+          <a:p>
+            <a:pPr marL="342900" indent="-342900">
+              <a:buFont typeface="Arial" panose="020B0604020202020204" pitchFamily="34" charset="0"/>
+              <a:buChar char="•"/>
+            </a:pPr>
+            <a:r>
+              <a:rPr lang="en-US" sz="2800" dirty="0">
+                <a:latin typeface="Arial" panose="020B0604020202020204" pitchFamily="34" charset="0"/>
+                <a:cs typeface="Arial" panose="020B0604020202020204" pitchFamily="34" charset="0"/>
+              </a:rPr>
+              <a:t>Emission lines from the ionization and de-ionization of different elements used to learn about the AGN, through simulations with programs such as CLOUDY and MAPPINGSIII.</a:t>
+            </a:r>
+          </a:p>
+          <a:p>
+            <a:pPr marL="342900" indent="-342900">
+              <a:buFont typeface="Arial" panose="020B0604020202020204" pitchFamily="34" charset="0"/>
+              <a:buChar char="•"/>
+            </a:pPr>
+            <a:r>
+              <a:rPr lang="en-US" sz="2800" dirty="0">
+                <a:latin typeface="Arial" panose="020B0604020202020204" pitchFamily="34" charset="0"/>
+                <a:cs typeface="Arial" panose="020B0604020202020204" pitchFamily="34" charset="0"/>
+              </a:rPr>
+              <a:t>Models of the incident radiation curve from the accretion disk in Cloudy are computed from using the spectral slope indices </a:t>
+            </a:r>
+            <a:r>
+              <a:rPr lang="el-GR" sz="2800" dirty="0">
+                <a:latin typeface="Arial" panose="020B0604020202020204" pitchFamily="34" charset="0"/>
+                <a:cs typeface="Arial" panose="020B0604020202020204" pitchFamily="34" charset="0"/>
+              </a:rPr>
+              <a:t>α</a:t>
+            </a:r>
+            <a:r>
+              <a:rPr lang="en-US" sz="2800" baseline="-25000" dirty="0">
+                <a:latin typeface="Arial" panose="020B0604020202020204" pitchFamily="34" charset="0"/>
+                <a:cs typeface="Arial" panose="020B0604020202020204" pitchFamily="34" charset="0"/>
+              </a:rPr>
+              <a:t>x </a:t>
+            </a:r>
+            <a:r>
+              <a:rPr lang="en-US" sz="2800" dirty="0">
+                <a:latin typeface="Arial" panose="020B0604020202020204" pitchFamily="34" charset="0"/>
+                <a:cs typeface="Arial" panose="020B0604020202020204" pitchFamily="34" charset="0"/>
+              </a:rPr>
+              <a:t>, corresponding to the x-ray spectrum (100 eV- 100,000 eV), </a:t>
+            </a:r>
+            <a:r>
+              <a:rPr lang="el-GR" sz="2800" dirty="0">
+                <a:latin typeface="Arial" panose="020B0604020202020204" pitchFamily="34" charset="0"/>
+                <a:cs typeface="Arial" panose="020B0604020202020204" pitchFamily="34" charset="0"/>
+              </a:rPr>
+              <a:t>α</a:t>
+            </a:r>
+            <a:r>
+              <a:rPr lang="en-US" sz="2800" baseline="-25000" dirty="0" err="1">
+                <a:latin typeface="Arial" panose="020B0604020202020204" pitchFamily="34" charset="0"/>
+                <a:cs typeface="Arial" panose="020B0604020202020204" pitchFamily="34" charset="0"/>
+              </a:rPr>
+              <a:t>uv</a:t>
+            </a:r>
+            <a:r>
+              <a:rPr lang="en-US" sz="2800" dirty="0">
+                <a:latin typeface="Arial" panose="020B0604020202020204" pitchFamily="34" charset="0"/>
+                <a:cs typeface="Arial" panose="020B0604020202020204" pitchFamily="34" charset="0"/>
+              </a:rPr>
+              <a:t>, corresponding to the ultraviolet spectrum (10 eV-100 eV</a:t>
+            </a:r>
+            <a:r>
+              <a:rPr lang="en-US" sz="2800" baseline="30000" dirty="0">
+                <a:latin typeface="Arial" panose="020B0604020202020204" pitchFamily="34" charset="0"/>
+                <a:cs typeface="Arial" panose="020B0604020202020204" pitchFamily="34" charset="0"/>
+              </a:rPr>
+              <a:t>)3,</a:t>
+            </a:r>
+            <a:r>
+              <a:rPr lang="en-US" sz="2800" dirty="0">
+                <a:latin typeface="Arial" panose="020B0604020202020204" pitchFamily="34" charset="0"/>
+                <a:cs typeface="Arial" panose="020B0604020202020204" pitchFamily="34" charset="0"/>
+              </a:rPr>
+              <a:t> and </a:t>
+            </a:r>
+            <a:r>
+              <a:rPr lang="el-GR" sz="2800" dirty="0">
+                <a:latin typeface="Arial" panose="020B0604020202020204" pitchFamily="34" charset="0"/>
+                <a:cs typeface="Arial" panose="020B0604020202020204" pitchFamily="34" charset="0"/>
+              </a:rPr>
+              <a:t>α</a:t>
+            </a:r>
+            <a:r>
+              <a:rPr lang="en-US" sz="2800" baseline="-25000" dirty="0">
+                <a:latin typeface="Arial" panose="020B0604020202020204" pitchFamily="34" charset="0"/>
+                <a:cs typeface="Arial" panose="020B0604020202020204" pitchFamily="34" charset="0"/>
+              </a:rPr>
+              <a:t>ox </a:t>
+            </a:r>
+            <a:r>
+              <a:rPr lang="en-US" sz="2800" dirty="0">
+                <a:latin typeface="Arial" panose="020B0604020202020204" pitchFamily="34" charset="0"/>
+                <a:cs typeface="Arial" panose="020B0604020202020204" pitchFamily="34" charset="0"/>
+              </a:rPr>
+              <a:t> is the ratio of x-rays to optical light.</a:t>
+            </a:r>
+          </a:p>
+          <a:p>
+            <a:pPr marL="342900" indent="-342900">
+              <a:buFont typeface="Arial" panose="020B0604020202020204" pitchFamily="34" charset="0"/>
+              <a:buChar char="•"/>
+            </a:pPr>
+            <a:r>
+              <a:rPr lang="en-US" sz="2800" dirty="0">
+                <a:latin typeface="Arial" panose="020B0604020202020204" pitchFamily="34" charset="0"/>
+                <a:cs typeface="Arial" panose="020B0604020202020204" pitchFamily="34" charset="0"/>
+              </a:rPr>
+              <a:t>Research has shown that a correlation exists between </a:t>
+            </a:r>
+            <a:r>
+              <a:rPr lang="el-GR" sz="2800" dirty="0">
+                <a:latin typeface="Arial" panose="020B0604020202020204" pitchFamily="34" charset="0"/>
+                <a:cs typeface="Arial" panose="020B0604020202020204" pitchFamily="34" charset="0"/>
+              </a:rPr>
+              <a:t>α</a:t>
+            </a:r>
+            <a:r>
+              <a:rPr lang="en-US" sz="2800" baseline="-25000" dirty="0">
+                <a:latin typeface="Arial" panose="020B0604020202020204" pitchFamily="34" charset="0"/>
+                <a:cs typeface="Arial" panose="020B0604020202020204" pitchFamily="34" charset="0"/>
+              </a:rPr>
+              <a:t>x</a:t>
+            </a:r>
+            <a:r>
+              <a:rPr lang="en-US" sz="2800" dirty="0">
+                <a:latin typeface="Arial" panose="020B0604020202020204" pitchFamily="34" charset="0"/>
+                <a:cs typeface="Arial" panose="020B0604020202020204" pitchFamily="34" charset="0"/>
+              </a:rPr>
+              <a:t> and </a:t>
+            </a:r>
+            <a:r>
+              <a:rPr lang="el-GR" sz="2800" dirty="0">
+                <a:latin typeface="Arial" panose="020B0604020202020204" pitchFamily="34" charset="0"/>
+                <a:cs typeface="Arial" panose="020B0604020202020204" pitchFamily="34" charset="0"/>
+              </a:rPr>
+              <a:t>α</a:t>
+            </a:r>
+            <a:r>
+              <a:rPr lang="en-US" sz="2800" baseline="-25000" dirty="0" err="1">
+                <a:latin typeface="Arial" panose="020B0604020202020204" pitchFamily="34" charset="0"/>
+                <a:cs typeface="Arial" panose="020B0604020202020204" pitchFamily="34" charset="0"/>
+              </a:rPr>
+              <a:t>uv</a:t>
+            </a:r>
+            <a:r>
+              <a:rPr lang="en-US" sz="2800" baseline="-25000" dirty="0">
+                <a:latin typeface="Arial" panose="020B0604020202020204" pitchFamily="34" charset="0"/>
+                <a:cs typeface="Arial" panose="020B0604020202020204" pitchFamily="34" charset="0"/>
+              </a:rPr>
+              <a:t> </a:t>
+            </a:r>
+            <a:r>
+              <a:rPr lang="en-US" sz="2800" dirty="0">
+                <a:latin typeface="Arial" panose="020B0604020202020204" pitchFamily="34" charset="0"/>
+                <a:cs typeface="Arial" panose="020B0604020202020204" pitchFamily="34" charset="0"/>
+              </a:rPr>
+              <a:t> and between </a:t>
+            </a:r>
+            <a:r>
+              <a:rPr lang="el-GR" sz="2800" dirty="0">
+                <a:latin typeface="Arial" panose="020B0604020202020204" pitchFamily="34" charset="0"/>
+                <a:cs typeface="Arial" panose="020B0604020202020204" pitchFamily="34" charset="0"/>
+              </a:rPr>
+              <a:t>α</a:t>
+            </a:r>
+            <a:r>
+              <a:rPr lang="en-US" sz="2800" baseline="-25000" dirty="0">
+                <a:latin typeface="Arial" panose="020B0604020202020204" pitchFamily="34" charset="0"/>
+                <a:cs typeface="Arial" panose="020B0604020202020204" pitchFamily="34" charset="0"/>
+              </a:rPr>
+              <a:t>x</a:t>
+            </a:r>
+            <a:r>
+              <a:rPr lang="en-US" sz="2800" dirty="0">
+                <a:latin typeface="Arial" panose="020B0604020202020204" pitchFamily="34" charset="0"/>
+                <a:cs typeface="Arial" panose="020B0604020202020204" pitchFamily="34" charset="0"/>
+              </a:rPr>
+              <a:t> and </a:t>
+            </a:r>
+            <a:r>
+              <a:rPr lang="el-GR" sz="2800" dirty="0">
+                <a:latin typeface="Arial" panose="020B0604020202020204" pitchFamily="34" charset="0"/>
+                <a:cs typeface="Arial" panose="020B0604020202020204" pitchFamily="34" charset="0"/>
+              </a:rPr>
+              <a:t>α</a:t>
+            </a:r>
+            <a:r>
+              <a:rPr lang="en-US" sz="2800" baseline="-25000" dirty="0">
+                <a:latin typeface="Arial" panose="020B0604020202020204" pitchFamily="34" charset="0"/>
+                <a:cs typeface="Arial" panose="020B0604020202020204" pitchFamily="34" charset="0"/>
+              </a:rPr>
+              <a:t>ox</a:t>
+            </a:r>
+            <a:r>
+              <a:rPr lang="en-US" sz="2800" baseline="30000" dirty="0">
+                <a:latin typeface="Arial" panose="020B0604020202020204" pitchFamily="34" charset="0"/>
+                <a:cs typeface="Arial" panose="020B0604020202020204" pitchFamily="34" charset="0"/>
+              </a:rPr>
+              <a:t>2</a:t>
+            </a:r>
+            <a:r>
+              <a:rPr lang="en-US" sz="2800" baseline="-25000" dirty="0">
+                <a:latin typeface="Arial" panose="020B0604020202020204" pitchFamily="34" charset="0"/>
+                <a:cs typeface="Arial" panose="020B0604020202020204" pitchFamily="34" charset="0"/>
+              </a:rPr>
+              <a:t>.</a:t>
+            </a:r>
+            <a:r>
+              <a:rPr lang="en-US" sz="2800" dirty="0">
+                <a:latin typeface="Arial" panose="020B0604020202020204" pitchFamily="34" charset="0"/>
+                <a:cs typeface="Arial" panose="020B0604020202020204" pitchFamily="34" charset="0"/>
+              </a:rPr>
+              <a:t> </a:t>
+            </a:r>
+          </a:p>
+          <a:p>
+            <a:pPr marL="342900" indent="-342900">
+              <a:buFont typeface="Arial" panose="020B0604020202020204" pitchFamily="34" charset="0"/>
+              <a:buChar char="•"/>
+            </a:pPr>
+            <a:r>
+              <a:rPr lang="en-US" sz="2800" dirty="0">
+                <a:latin typeface="Arial" panose="020B0604020202020204" pitchFamily="34" charset="0"/>
+                <a:cs typeface="Arial" panose="020B0604020202020204" pitchFamily="34" charset="0"/>
+              </a:rPr>
+              <a:t>This leads to the question:</a:t>
+            </a:r>
+          </a:p>
+          <a:p>
+            <a:pPr marL="342900" indent="-342900">
+              <a:buFont typeface="Arial" panose="020B0604020202020204" pitchFamily="34" charset="0"/>
+              <a:buChar char="•"/>
+            </a:pPr>
+            <a:endParaRPr lang="en-US" sz="2800" dirty="0">
+              <a:latin typeface="Arial" panose="020B0604020202020204" pitchFamily="34" charset="0"/>
+              <a:cs typeface="Arial" panose="020B0604020202020204" pitchFamily="34" charset="0"/>
+            </a:endParaRPr>
+          </a:p>
+          <a:p>
+            <a:pPr lvl="1"/>
+            <a:r>
+              <a:rPr lang="en-US" sz="3200" b="1" dirty="0">
+                <a:latin typeface="Arial" panose="020B0604020202020204" pitchFamily="34" charset="0"/>
+                <a:cs typeface="Arial" panose="020B0604020202020204" pitchFamily="34" charset="0"/>
+              </a:rPr>
+              <a:t>How does constraining the spectral indices with regression models of past data affect simulations of the Spectral Energy Distribution (SED) across the AGN sequence?</a:t>
+            </a:r>
+          </a:p>
+          <a:p>
+            <a:pPr marL="342900" indent="-342900">
+              <a:buFont typeface="Arial" panose="020B0604020202020204" pitchFamily="34" charset="0"/>
+              <a:buChar char="•"/>
+            </a:pPr>
+            <a:endParaRPr lang="en-US" sz="2400" dirty="0">
+              <a:latin typeface="Arial" panose="020B0604020202020204" pitchFamily="34" charset="0"/>
+              <a:cs typeface="Arial" panose="020B0604020202020204" pitchFamily="34" charset="0"/>
+            </a:endParaRPr>
+          </a:p>
+          <a:p>
+            <a:pPr marL="342900" indent="-342900">
+              <a:buFont typeface="Arial" panose="020B0604020202020204" pitchFamily="34" charset="0"/>
+              <a:buChar char="•"/>
+            </a:pPr>
+            <a:endParaRPr lang="en-US" sz="2400" dirty="0">
+              <a:latin typeface="Arial" panose="020B0604020202020204" pitchFamily="34" charset="0"/>
+              <a:cs typeface="Arial" panose="020B0604020202020204" pitchFamily="34" charset="0"/>
+            </a:endParaRPr>
+          </a:p>
+          <a:p>
+            <a:pPr marL="342900" indent="-342900">
+              <a:buFont typeface="Arial" panose="020B0604020202020204" pitchFamily="34" charset="0"/>
+              <a:buChar char="•"/>
+            </a:pPr>
+            <a:endParaRPr lang="en-US" sz="2400" dirty="0">
+              <a:latin typeface="Arial" panose="020B0604020202020204" pitchFamily="34" charset="0"/>
+              <a:cs typeface="Arial" panose="020B0604020202020204" pitchFamily="34" charset="0"/>
+            </a:endParaRPr>
           </a:p>
         </p:txBody>
       </p:sp>
@@ -3220,7 +3704,7 @@
         </p:blipFill>
         <p:spPr>
           <a:xfrm>
-            <a:off x="16209819" y="13962238"/>
+            <a:off x="16528759" y="9179432"/>
             <a:ext cx="12970031" cy="9343904"/>
           </a:xfrm>
           <a:prstGeom prst="rect">
@@ -3236,8 +3720,8 @@
         </p:nvSpPr>
         <p:spPr>
           <a:xfrm>
-            <a:off x="17373600" y="3532909"/>
-            <a:ext cx="9753600" cy="1200329"/>
+            <a:off x="17166648" y="7779214"/>
+            <a:ext cx="12352195" cy="13142059"/>
           </a:xfrm>
           <a:prstGeom prst="rect">
             <a:avLst/>
@@ -3250,23 +3734,319 @@
           </a:bodyPr>
           <a:lstStyle/>
           <a:p>
-            <a:pPr algn="ctr"/>
-            <a:r>
-              <a:rPr lang="en-US" sz="3600" b="1" dirty="0">
-                <a:latin typeface="Arial" panose="020B0604020202020204" pitchFamily="34" charset="0"/>
-                <a:cs typeface="Arial" panose="020B0604020202020204" pitchFamily="34" charset="0"/>
-              </a:rPr>
-              <a:t>Methods</a:t>
-            </a:r>
-          </a:p>
-          <a:p>
-            <a:r>
-              <a:rPr lang="en-US" sz="3600" dirty="0">
-                <a:latin typeface="Arial" panose="020B0604020202020204" pitchFamily="34" charset="0"/>
-                <a:cs typeface="Arial" panose="020B0604020202020204" pitchFamily="34" charset="0"/>
-              </a:rPr>
-              <a:t>Methods go here</a:t>
-            </a:r>
+            <a:pPr marL="571500" indent="-571500">
+              <a:buFont typeface="Arial" panose="020B0604020202020204" pitchFamily="34" charset="0"/>
+              <a:buChar char="•"/>
+            </a:pPr>
+            <a:r>
+              <a:rPr lang="en-US" sz="2800" dirty="0">
+                <a:latin typeface="Arial" panose="020B0604020202020204" pitchFamily="34" charset="0"/>
+                <a:cs typeface="Arial" panose="020B0604020202020204" pitchFamily="34" charset="0"/>
+              </a:rPr>
+              <a:t>Temperature of the blackbody T</a:t>
+            </a:r>
+            <a:r>
+              <a:rPr lang="en-US" sz="2800" baseline="-25000" dirty="0">
+                <a:latin typeface="Arial" panose="020B0604020202020204" pitchFamily="34" charset="0"/>
+                <a:cs typeface="Arial" panose="020B0604020202020204" pitchFamily="34" charset="0"/>
+              </a:rPr>
+              <a:t>BB </a:t>
+            </a:r>
+            <a:r>
+              <a:rPr lang="en-US" sz="2800" dirty="0">
+                <a:latin typeface="Arial" panose="020B0604020202020204" pitchFamily="34" charset="0"/>
+                <a:cs typeface="Arial" panose="020B0604020202020204" pitchFamily="34" charset="0"/>
+              </a:rPr>
+              <a:t> determined from ()</a:t>
+            </a:r>
+          </a:p>
+          <a:p>
+            <a:pPr marL="571500" indent="-571500">
+              <a:buFont typeface="Arial" panose="020B0604020202020204" pitchFamily="34" charset="0"/>
+              <a:buChar char="•"/>
+            </a:pPr>
+            <a:r>
+              <a:rPr lang="en-US" sz="2800" dirty="0">
+                <a:latin typeface="Arial" panose="020B0604020202020204" pitchFamily="34" charset="0"/>
+                <a:cs typeface="Arial" panose="020B0604020202020204" pitchFamily="34" charset="0"/>
+              </a:rPr>
+              <a:t>Incident radiation curve given by</a:t>
+            </a:r>
+            <a:r>
+              <a:rPr lang="en-US" sz="2800" baseline="30000" dirty="0">
+                <a:latin typeface="Arial" panose="020B0604020202020204" pitchFamily="34" charset="0"/>
+                <a:cs typeface="Arial" panose="020B0604020202020204" pitchFamily="34" charset="0"/>
+              </a:rPr>
+              <a:t>3</a:t>
+            </a:r>
+            <a:r>
+              <a:rPr lang="en-US" sz="2800" dirty="0">
+                <a:latin typeface="Arial" panose="020B0604020202020204" pitchFamily="34" charset="0"/>
+                <a:cs typeface="Arial" panose="020B0604020202020204" pitchFamily="34" charset="0"/>
+              </a:rPr>
+              <a:t>:</a:t>
+            </a:r>
+          </a:p>
+          <a:p>
+            <a:pPr marL="571500" indent="-571500">
+              <a:buFont typeface="Arial" panose="020B0604020202020204" pitchFamily="34" charset="0"/>
+              <a:buChar char="•"/>
+            </a:pPr>
+            <a:endParaRPr lang="en-US" sz="2800" dirty="0">
+              <a:latin typeface="Arial" panose="020B0604020202020204" pitchFamily="34" charset="0"/>
+              <a:cs typeface="Arial" panose="020B0604020202020204" pitchFamily="34" charset="0"/>
+            </a:endParaRPr>
+          </a:p>
+          <a:p>
+            <a:endParaRPr lang="en-US" sz="2800" dirty="0">
+              <a:latin typeface="Arial" panose="020B0604020202020204" pitchFamily="34" charset="0"/>
+              <a:cs typeface="Arial" panose="020B0604020202020204" pitchFamily="34" charset="0"/>
+            </a:endParaRPr>
+          </a:p>
+          <a:p>
+            <a:pPr marL="571500" indent="-571500">
+              <a:buFont typeface="Arial" panose="020B0604020202020204" pitchFamily="34" charset="0"/>
+              <a:buChar char="•"/>
+            </a:pPr>
+            <a:endParaRPr lang="en-US" sz="2800" dirty="0">
+              <a:latin typeface="Arial" panose="020B0604020202020204" pitchFamily="34" charset="0"/>
+              <a:cs typeface="Arial" panose="020B0604020202020204" pitchFamily="34" charset="0"/>
+            </a:endParaRPr>
+          </a:p>
+          <a:p>
+            <a:pPr marL="571500" indent="-571500">
+              <a:buFont typeface="Arial" panose="020B0604020202020204" pitchFamily="34" charset="0"/>
+              <a:buChar char="•"/>
+            </a:pPr>
+            <a:endParaRPr lang="en-US" sz="2800" dirty="0">
+              <a:latin typeface="Arial" panose="020B0604020202020204" pitchFamily="34" charset="0"/>
+              <a:cs typeface="Arial" panose="020B0604020202020204" pitchFamily="34" charset="0"/>
+            </a:endParaRPr>
+          </a:p>
+          <a:p>
+            <a:pPr marL="571500" indent="-571500">
+              <a:buFont typeface="Arial" panose="020B0604020202020204" pitchFamily="34" charset="0"/>
+              <a:buChar char="•"/>
+            </a:pPr>
+            <a:endParaRPr lang="en-US" sz="2800" dirty="0">
+              <a:latin typeface="Arial" panose="020B0604020202020204" pitchFamily="34" charset="0"/>
+              <a:cs typeface="Arial" panose="020B0604020202020204" pitchFamily="34" charset="0"/>
+            </a:endParaRPr>
+          </a:p>
+          <a:p>
+            <a:pPr marL="571500" indent="-571500">
+              <a:buFont typeface="Arial" panose="020B0604020202020204" pitchFamily="34" charset="0"/>
+              <a:buChar char="•"/>
+            </a:pPr>
+            <a:endParaRPr lang="en-US" sz="2800" dirty="0">
+              <a:latin typeface="Arial" panose="020B0604020202020204" pitchFamily="34" charset="0"/>
+              <a:cs typeface="Arial" panose="020B0604020202020204" pitchFamily="34" charset="0"/>
+            </a:endParaRPr>
+          </a:p>
+          <a:p>
+            <a:pPr marL="571500" indent="-571500">
+              <a:buFont typeface="Arial" panose="020B0604020202020204" pitchFamily="34" charset="0"/>
+              <a:buChar char="•"/>
+            </a:pPr>
+            <a:endParaRPr lang="en-US" sz="2800" dirty="0">
+              <a:latin typeface="Arial" panose="020B0604020202020204" pitchFamily="34" charset="0"/>
+              <a:cs typeface="Arial" panose="020B0604020202020204" pitchFamily="34" charset="0"/>
+            </a:endParaRPr>
+          </a:p>
+          <a:p>
+            <a:pPr marL="571500" indent="-571500">
+              <a:buFont typeface="Arial" panose="020B0604020202020204" pitchFamily="34" charset="0"/>
+              <a:buChar char="•"/>
+            </a:pPr>
+            <a:endParaRPr lang="en-US" sz="2800" dirty="0">
+              <a:latin typeface="Arial" panose="020B0604020202020204" pitchFamily="34" charset="0"/>
+              <a:cs typeface="Arial" panose="020B0604020202020204" pitchFamily="34" charset="0"/>
+            </a:endParaRPr>
+          </a:p>
+          <a:p>
+            <a:pPr marL="571500" indent="-571500">
+              <a:buFont typeface="Arial" panose="020B0604020202020204" pitchFamily="34" charset="0"/>
+              <a:buChar char="•"/>
+            </a:pPr>
+            <a:endParaRPr lang="en-US" sz="2800" dirty="0">
+              <a:latin typeface="Arial" panose="020B0604020202020204" pitchFamily="34" charset="0"/>
+              <a:cs typeface="Arial" panose="020B0604020202020204" pitchFamily="34" charset="0"/>
+            </a:endParaRPr>
+          </a:p>
+          <a:p>
+            <a:pPr marL="571500" indent="-571500">
+              <a:buFont typeface="Arial" panose="020B0604020202020204" pitchFamily="34" charset="0"/>
+              <a:buChar char="•"/>
+            </a:pPr>
+            <a:endParaRPr lang="en-US" sz="2800" dirty="0">
+              <a:latin typeface="Arial" panose="020B0604020202020204" pitchFamily="34" charset="0"/>
+              <a:cs typeface="Arial" panose="020B0604020202020204" pitchFamily="34" charset="0"/>
+            </a:endParaRPr>
+          </a:p>
+          <a:p>
+            <a:pPr marL="571500" indent="-571500">
+              <a:buFont typeface="Arial" panose="020B0604020202020204" pitchFamily="34" charset="0"/>
+              <a:buChar char="•"/>
+            </a:pPr>
+            <a:endParaRPr lang="en-US" sz="2800" dirty="0">
+              <a:latin typeface="Arial" panose="020B0604020202020204" pitchFamily="34" charset="0"/>
+              <a:cs typeface="Arial" panose="020B0604020202020204" pitchFamily="34" charset="0"/>
+            </a:endParaRPr>
+          </a:p>
+          <a:p>
+            <a:pPr marL="571500" indent="-571500">
+              <a:buFont typeface="Arial" panose="020B0604020202020204" pitchFamily="34" charset="0"/>
+              <a:buChar char="•"/>
+            </a:pPr>
+            <a:endParaRPr lang="en-US" sz="2800" dirty="0">
+              <a:latin typeface="Arial" panose="020B0604020202020204" pitchFamily="34" charset="0"/>
+              <a:cs typeface="Arial" panose="020B0604020202020204" pitchFamily="34" charset="0"/>
+            </a:endParaRPr>
+          </a:p>
+          <a:p>
+            <a:pPr marL="571500" indent="-571500">
+              <a:buFont typeface="Arial" panose="020B0604020202020204" pitchFamily="34" charset="0"/>
+              <a:buChar char="•"/>
+            </a:pPr>
+            <a:endParaRPr lang="en-US" sz="2800" dirty="0">
+              <a:latin typeface="Arial" panose="020B0604020202020204" pitchFamily="34" charset="0"/>
+              <a:cs typeface="Arial" panose="020B0604020202020204" pitchFamily="34" charset="0"/>
+            </a:endParaRPr>
+          </a:p>
+          <a:p>
+            <a:pPr marL="571500" indent="-571500">
+              <a:buFont typeface="Arial" panose="020B0604020202020204" pitchFamily="34" charset="0"/>
+              <a:buChar char="•"/>
+            </a:pPr>
+            <a:endParaRPr lang="en-US" sz="2800" dirty="0">
+              <a:latin typeface="Arial" panose="020B0604020202020204" pitchFamily="34" charset="0"/>
+              <a:cs typeface="Arial" panose="020B0604020202020204" pitchFamily="34" charset="0"/>
+            </a:endParaRPr>
+          </a:p>
+          <a:p>
+            <a:pPr marL="571500" indent="-571500">
+              <a:buFont typeface="Arial" panose="020B0604020202020204" pitchFamily="34" charset="0"/>
+              <a:buChar char="•"/>
+            </a:pPr>
+            <a:endParaRPr lang="en-US" sz="2800" dirty="0">
+              <a:latin typeface="Arial" panose="020B0604020202020204" pitchFamily="34" charset="0"/>
+              <a:cs typeface="Arial" panose="020B0604020202020204" pitchFamily="34" charset="0"/>
+            </a:endParaRPr>
+          </a:p>
+          <a:p>
+            <a:pPr marL="571500" indent="-571500">
+              <a:buFont typeface="Arial" panose="020B0604020202020204" pitchFamily="34" charset="0"/>
+              <a:buChar char="•"/>
+            </a:pPr>
+            <a:endParaRPr lang="en-US" sz="2800" dirty="0">
+              <a:latin typeface="Arial" panose="020B0604020202020204" pitchFamily="34" charset="0"/>
+              <a:cs typeface="Arial" panose="020B0604020202020204" pitchFamily="34" charset="0"/>
+            </a:endParaRPr>
+          </a:p>
+          <a:p>
+            <a:pPr marL="571500" indent="-571500">
+              <a:buFont typeface="Arial" panose="020B0604020202020204" pitchFamily="34" charset="0"/>
+              <a:buChar char="•"/>
+            </a:pPr>
+            <a:endParaRPr lang="en-US" sz="2800" dirty="0">
+              <a:latin typeface="Arial" panose="020B0604020202020204" pitchFamily="34" charset="0"/>
+              <a:cs typeface="Arial" panose="020B0604020202020204" pitchFamily="34" charset="0"/>
+            </a:endParaRPr>
+          </a:p>
+          <a:p>
+            <a:pPr marL="571500" indent="-571500">
+              <a:buFont typeface="Arial" panose="020B0604020202020204" pitchFamily="34" charset="0"/>
+              <a:buChar char="•"/>
+            </a:pPr>
+            <a:endParaRPr lang="en-US" sz="2800" dirty="0">
+              <a:latin typeface="Arial" panose="020B0604020202020204" pitchFamily="34" charset="0"/>
+              <a:cs typeface="Arial" panose="020B0604020202020204" pitchFamily="34" charset="0"/>
+            </a:endParaRPr>
+          </a:p>
+          <a:p>
+            <a:pPr marL="571500" indent="-571500">
+              <a:buFont typeface="Arial" panose="020B0604020202020204" pitchFamily="34" charset="0"/>
+              <a:buChar char="•"/>
+            </a:pPr>
+            <a:endParaRPr lang="en-US" sz="2800" dirty="0">
+              <a:latin typeface="Arial" panose="020B0604020202020204" pitchFamily="34" charset="0"/>
+              <a:cs typeface="Arial" panose="020B0604020202020204" pitchFamily="34" charset="0"/>
+            </a:endParaRPr>
+          </a:p>
+          <a:p>
+            <a:pPr marL="571500" indent="-571500">
+              <a:buFont typeface="Arial" panose="020B0604020202020204" pitchFamily="34" charset="0"/>
+              <a:buChar char="•"/>
+            </a:pPr>
+            <a:endParaRPr lang="en-US" sz="2800" dirty="0">
+              <a:latin typeface="Arial" panose="020B0604020202020204" pitchFamily="34" charset="0"/>
+              <a:cs typeface="Arial" panose="020B0604020202020204" pitchFamily="34" charset="0"/>
+            </a:endParaRPr>
+          </a:p>
+          <a:p>
+            <a:pPr marL="571500" indent="-571500">
+              <a:buFont typeface="Arial" panose="020B0604020202020204" pitchFamily="34" charset="0"/>
+              <a:buChar char="•"/>
+            </a:pPr>
+            <a:endParaRPr lang="en-US" sz="2800" dirty="0">
+              <a:latin typeface="Arial" panose="020B0604020202020204" pitchFamily="34" charset="0"/>
+              <a:cs typeface="Arial" panose="020B0604020202020204" pitchFamily="34" charset="0"/>
+            </a:endParaRPr>
+          </a:p>
+          <a:p>
+            <a:pPr marL="571500" indent="-571500">
+              <a:buFont typeface="Arial" panose="020B0604020202020204" pitchFamily="34" charset="0"/>
+              <a:buChar char="•"/>
+            </a:pPr>
+            <a:endParaRPr lang="en-US" sz="2800" dirty="0">
+              <a:latin typeface="Arial" panose="020B0604020202020204" pitchFamily="34" charset="0"/>
+              <a:cs typeface="Arial" panose="020B0604020202020204" pitchFamily="34" charset="0"/>
+            </a:endParaRPr>
+          </a:p>
+          <a:p>
+            <a:pPr marL="571500" indent="-571500">
+              <a:buFont typeface="Arial" panose="020B0604020202020204" pitchFamily="34" charset="0"/>
+              <a:buChar char="•"/>
+            </a:pPr>
+            <a:endParaRPr lang="en-US" sz="2800" dirty="0">
+              <a:latin typeface="Arial" panose="020B0604020202020204" pitchFamily="34" charset="0"/>
+              <a:cs typeface="Arial" panose="020B0604020202020204" pitchFamily="34" charset="0"/>
+            </a:endParaRPr>
+          </a:p>
+          <a:p>
+            <a:endParaRPr lang="en-US" sz="2800" dirty="0">
+              <a:latin typeface="Arial" panose="020B0604020202020204" pitchFamily="34" charset="0"/>
+              <a:cs typeface="Arial" panose="020B0604020202020204" pitchFamily="34" charset="0"/>
+            </a:endParaRPr>
+          </a:p>
+          <a:p>
+            <a:pPr marL="571500" indent="-571500">
+              <a:buFont typeface="Arial" panose="020B0604020202020204" pitchFamily="34" charset="0"/>
+              <a:buChar char="•"/>
+            </a:pPr>
+            <a:r>
+              <a:rPr lang="en-US" sz="2800" dirty="0">
+                <a:latin typeface="Arial" panose="020B0604020202020204" pitchFamily="34" charset="0"/>
+                <a:cs typeface="Arial" panose="020B0604020202020204" pitchFamily="34" charset="0"/>
+              </a:rPr>
+              <a:t>Using Cloudy, model the AGN cloud and produce emission lines.</a:t>
+            </a:r>
+          </a:p>
+          <a:p>
+            <a:pPr marL="571500" indent="-571500">
+              <a:buFont typeface="Arial" panose="020B0604020202020204" pitchFamily="34" charset="0"/>
+              <a:buChar char="•"/>
+            </a:pPr>
+            <a:endParaRPr lang="en-US" sz="2800" dirty="0">
+              <a:latin typeface="Arial" panose="020B0604020202020204" pitchFamily="34" charset="0"/>
+              <a:cs typeface="Arial" panose="020B0604020202020204" pitchFamily="34" charset="0"/>
+            </a:endParaRPr>
+          </a:p>
+          <a:p>
+            <a:endParaRPr lang="en-US" sz="3600" dirty="0">
+              <a:latin typeface="Arial" panose="020B0604020202020204" pitchFamily="34" charset="0"/>
+              <a:cs typeface="Arial" panose="020B0604020202020204" pitchFamily="34" charset="0"/>
+            </a:endParaRPr>
           </a:p>
         </p:txBody>
       </p:sp>
@@ -3278,8 +4058,8 @@
         </p:nvSpPr>
         <p:spPr>
           <a:xfrm>
-            <a:off x="17754600" y="26670000"/>
-            <a:ext cx="11811000" cy="2369880"/>
+            <a:off x="17166648" y="20473637"/>
+            <a:ext cx="11811000" cy="3293209"/>
           </a:xfrm>
           <a:prstGeom prst="rect">
             <a:avLst/>
@@ -3294,7 +4074,10 @@
           <a:p>
             <a:pPr algn="ctr"/>
             <a:r>
-              <a:rPr lang="en-US" sz="4000" b="1" dirty="0">
+              <a:rPr lang="en-US" sz="4000" b="1" u="sng" dirty="0">
+                <a:solidFill>
+                  <a:srgbClr val="73000A"/>
+                </a:solidFill>
                 <a:latin typeface="Arial" panose="020B0604020202020204" pitchFamily="34" charset="0"/>
                 <a:cs typeface="Arial" panose="020B0604020202020204" pitchFamily="34" charset="0"/>
               </a:rPr>
@@ -3302,37 +4085,119 @@
             </a:r>
           </a:p>
           <a:p>
-            <a:r>
-              <a:rPr lang="en-US" sz="3600" dirty="0">
-                <a:latin typeface="Arial" panose="020B0604020202020204" pitchFamily="34" charset="0"/>
-                <a:cs typeface="Arial" panose="020B0604020202020204" pitchFamily="34" charset="0"/>
-              </a:rPr>
-              <a:t>Discuss Chi-Square Value</a:t>
-            </a:r>
-          </a:p>
-          <a:p>
-            <a:r>
-              <a:rPr lang="en-US" sz="3600" dirty="0">
-                <a:latin typeface="Arial" panose="020B0604020202020204" pitchFamily="34" charset="0"/>
-                <a:cs typeface="Arial" panose="020B0604020202020204" pitchFamily="34" charset="0"/>
-              </a:rPr>
-              <a:t>Include Residual plots?</a:t>
-            </a:r>
-          </a:p>
-          <a:p>
-            <a:r>
-              <a:rPr lang="en-US" sz="3600" dirty="0">
-                <a:latin typeface="Arial" panose="020B0604020202020204" pitchFamily="34" charset="0"/>
-                <a:cs typeface="Arial" panose="020B0604020202020204" pitchFamily="34" charset="0"/>
-              </a:rPr>
-              <a:t>Groves images</a:t>
-            </a:r>
+            <a:pPr marL="571500" indent="-571500">
+              <a:buFont typeface="Arial" panose="020B0604020202020204" pitchFamily="34" charset="0"/>
+              <a:buChar char="•"/>
+            </a:pPr>
+            <a:r>
+              <a:rPr lang="en-US" sz="2800" dirty="0">
+                <a:latin typeface="Arial" panose="020B0604020202020204" pitchFamily="34" charset="0"/>
+                <a:cs typeface="Arial" panose="020B0604020202020204" pitchFamily="34" charset="0"/>
+              </a:rPr>
+              <a:t>We produce residual plots of our observed values of </a:t>
+            </a:r>
+            <a:r>
+              <a:rPr lang="en-US" sz="2800" dirty="0" err="1">
+                <a:latin typeface="Arial" panose="020B0604020202020204" pitchFamily="34" charset="0"/>
+                <a:cs typeface="Arial" panose="020B0604020202020204" pitchFamily="34" charset="0"/>
+              </a:rPr>
+              <a:t>alphax</a:t>
+            </a:r>
+            <a:r>
+              <a:rPr lang="en-US" sz="2800" dirty="0">
+                <a:latin typeface="Arial" panose="020B0604020202020204" pitchFamily="34" charset="0"/>
+                <a:cs typeface="Arial" panose="020B0604020202020204" pitchFamily="34" charset="0"/>
+              </a:rPr>
+              <a:t> vs expected </a:t>
+            </a:r>
+            <a:r>
+              <a:rPr lang="en-US" sz="2800" dirty="0" err="1">
+                <a:latin typeface="Arial" panose="020B0604020202020204" pitchFamily="34" charset="0"/>
+                <a:cs typeface="Arial" panose="020B0604020202020204" pitchFamily="34" charset="0"/>
+              </a:rPr>
+              <a:t>alphax</a:t>
+            </a:r>
+            <a:r>
+              <a:rPr lang="en-US" sz="2800" dirty="0">
+                <a:latin typeface="Arial" panose="020B0604020202020204" pitchFamily="34" charset="0"/>
+                <a:cs typeface="Arial" panose="020B0604020202020204" pitchFamily="34" charset="0"/>
+              </a:rPr>
+              <a:t> and observed </a:t>
+            </a:r>
+            <a:r>
+              <a:rPr lang="en-US" sz="2800" dirty="0" err="1">
+                <a:latin typeface="Arial" panose="020B0604020202020204" pitchFamily="34" charset="0"/>
+                <a:cs typeface="Arial" panose="020B0604020202020204" pitchFamily="34" charset="0"/>
+              </a:rPr>
+              <a:t>alphauv</a:t>
+            </a:r>
+            <a:r>
+              <a:rPr lang="en-US" sz="2800" dirty="0">
+                <a:latin typeface="Arial" panose="020B0604020202020204" pitchFamily="34" charset="0"/>
+                <a:cs typeface="Arial" panose="020B0604020202020204" pitchFamily="34" charset="0"/>
+              </a:rPr>
+              <a:t> vs expected </a:t>
+            </a:r>
+            <a:r>
+              <a:rPr lang="en-US" sz="2800" dirty="0" err="1">
+                <a:latin typeface="Arial" panose="020B0604020202020204" pitchFamily="34" charset="0"/>
+                <a:cs typeface="Arial" panose="020B0604020202020204" pitchFamily="34" charset="0"/>
+              </a:rPr>
+              <a:t>alphauv</a:t>
+            </a:r>
+            <a:r>
+              <a:rPr lang="en-US" sz="2800" dirty="0">
+                <a:latin typeface="Arial" panose="020B0604020202020204" pitchFamily="34" charset="0"/>
+                <a:cs typeface="Arial" panose="020B0604020202020204" pitchFamily="34" charset="0"/>
+              </a:rPr>
+              <a:t>.</a:t>
+            </a:r>
+          </a:p>
+          <a:p>
+            <a:pPr marL="571500" indent="-571500">
+              <a:buFont typeface="Arial" panose="020B0604020202020204" pitchFamily="34" charset="0"/>
+              <a:buChar char="•"/>
+            </a:pPr>
+            <a:endParaRPr lang="en-US" sz="2800" dirty="0">
+              <a:latin typeface="Arial" panose="020B0604020202020204" pitchFamily="34" charset="0"/>
+              <a:cs typeface="Arial" panose="020B0604020202020204" pitchFamily="34" charset="0"/>
+            </a:endParaRPr>
+          </a:p>
+          <a:p>
+            <a:pPr marL="571500" indent="-571500">
+              <a:buFont typeface="Arial" panose="020B0604020202020204" pitchFamily="34" charset="0"/>
+              <a:buChar char="•"/>
+            </a:pPr>
+            <a:endParaRPr lang="en-US" sz="2800" dirty="0">
+              <a:latin typeface="Arial" panose="020B0604020202020204" pitchFamily="34" charset="0"/>
+              <a:cs typeface="Arial" panose="020B0604020202020204" pitchFamily="34" charset="0"/>
+            </a:endParaRPr>
+          </a:p>
+          <a:p>
+            <a:pPr marL="571500" indent="-571500">
+              <a:buFont typeface="Arial" panose="020B0604020202020204" pitchFamily="34" charset="0"/>
+              <a:buChar char="•"/>
+            </a:pPr>
+            <a:endParaRPr lang="en-US" sz="2800" dirty="0">
+              <a:latin typeface="Arial" panose="020B0604020202020204" pitchFamily="34" charset="0"/>
+              <a:cs typeface="Arial" panose="020B0604020202020204" pitchFamily="34" charset="0"/>
+            </a:endParaRPr>
+          </a:p>
+          <a:p>
+            <a:pPr marL="571500" indent="-571500">
+              <a:buFont typeface="Arial" panose="020B0604020202020204" pitchFamily="34" charset="0"/>
+              <a:buChar char="•"/>
+            </a:pPr>
+            <a:endParaRPr lang="en-US" sz="2800" dirty="0">
+              <a:latin typeface="Arial" panose="020B0604020202020204" pitchFamily="34" charset="0"/>
+              <a:cs typeface="Arial" panose="020B0604020202020204" pitchFamily="34" charset="0"/>
+            </a:endParaRPr>
           </a:p>
         </p:txBody>
       </p:sp>
       <p:pic>
         <p:nvPicPr>
-          <p:cNvPr id="16" name="Picture 15"/>
+          <p:cNvPr id="3" name="Picture 2"/>
           <p:cNvPicPr>
             <a:picLocks noChangeAspect="1"/>
           </p:cNvPicPr>
@@ -3352,8 +4217,8 @@
         </p:blipFill>
         <p:spPr>
           <a:xfrm>
-            <a:off x="27889201" y="13239471"/>
-            <a:ext cx="13712410" cy="7713230"/>
+            <a:off x="2328125" y="9448033"/>
+            <a:ext cx="9906000" cy="6276612"/>
           </a:xfrm>
           <a:prstGeom prst="rect">
             <a:avLst/>
@@ -3362,7 +4227,7 @@
       </p:pic>
       <p:pic>
         <p:nvPicPr>
-          <p:cNvPr id="17" name="Picture 16"/>
+          <p:cNvPr id="6" name="Picture 5"/>
           <p:cNvPicPr>
             <a:picLocks noChangeAspect="1"/>
           </p:cNvPicPr>
@@ -3382,48 +4247,961 @@
         </p:blipFill>
         <p:spPr>
           <a:xfrm>
-            <a:off x="27889200" y="4563375"/>
-            <a:ext cx="13712410" cy="7713230"/>
+            <a:off x="33680400" y="748145"/>
+            <a:ext cx="8298263" cy="6191426"/>
           </a:xfrm>
           <a:prstGeom prst="rect">
             <a:avLst/>
           </a:prstGeom>
         </p:spPr>
       </p:pic>
+      <p:pic>
+        <p:nvPicPr>
+          <p:cNvPr id="14" name="Picture 13"/>
+          <p:cNvPicPr>
+            <a:picLocks noChangeAspect="1"/>
+          </p:cNvPicPr>
+          <p:nvPr/>
+        </p:nvPicPr>
+        <p:blipFill>
+          <a:blip r:embed="rId5">
+            <a:extLst>
+              <a:ext uri="{28A0092B-C50C-407E-A947-70E740481C1C}">
+                <a14:useLocalDpi xmlns:a14="http://schemas.microsoft.com/office/drawing/2010/main" val="0"/>
+              </a:ext>
+            </a:extLst>
+          </a:blip>
+          <a:stretch>
+            <a:fillRect/>
+          </a:stretch>
+        </p:blipFill>
+        <p:spPr>
+          <a:xfrm>
+            <a:off x="4343400" y="23318772"/>
+            <a:ext cx="5257800" cy="1181100"/>
+          </a:xfrm>
+          <a:prstGeom prst="rect">
+            <a:avLst/>
+          </a:prstGeom>
+        </p:spPr>
+      </p:pic>
+      <p:pic>
+        <p:nvPicPr>
+          <p:cNvPr id="18" name="Picture 17"/>
+          <p:cNvPicPr>
+            <a:picLocks noChangeAspect="1"/>
+          </p:cNvPicPr>
+          <p:nvPr/>
+        </p:nvPicPr>
+        <p:blipFill>
+          <a:blip r:embed="rId6">
+            <a:extLst>
+              <a:ext uri="{28A0092B-C50C-407E-A947-70E740481C1C}">
+                <a14:useLocalDpi xmlns:a14="http://schemas.microsoft.com/office/drawing/2010/main" val="0"/>
+              </a:ext>
+            </a:extLst>
+          </a:blip>
+          <a:stretch>
+            <a:fillRect/>
+          </a:stretch>
+        </p:blipFill>
+        <p:spPr>
+          <a:xfrm>
+            <a:off x="18704811" y="8794872"/>
+            <a:ext cx="7686921" cy="607282"/>
+          </a:xfrm>
+          <a:prstGeom prst="rect">
+            <a:avLst/>
+          </a:prstGeom>
+        </p:spPr>
+      </p:pic>
+      <p:pic>
+        <p:nvPicPr>
+          <p:cNvPr id="19" name="Picture 18"/>
+          <p:cNvPicPr>
+            <a:picLocks noChangeAspect="1"/>
+          </p:cNvPicPr>
+          <p:nvPr/>
+        </p:nvPicPr>
+        <p:blipFill>
+          <a:blip r:embed="rId7">
+            <a:extLst>
+              <a:ext uri="{28A0092B-C50C-407E-A947-70E740481C1C}">
+                <a14:useLocalDpi xmlns:a14="http://schemas.microsoft.com/office/drawing/2010/main" val="0"/>
+              </a:ext>
+            </a:extLst>
+          </a:blip>
+          <a:stretch>
+            <a:fillRect/>
+          </a:stretch>
+        </p:blipFill>
+        <p:spPr>
+          <a:xfrm>
+            <a:off x="30687818" y="16257892"/>
+            <a:ext cx="9753600" cy="7315200"/>
+          </a:xfrm>
+          <a:prstGeom prst="rect">
+            <a:avLst/>
+          </a:prstGeom>
+        </p:spPr>
+      </p:pic>
+      <p:pic>
+        <p:nvPicPr>
+          <p:cNvPr id="20" name="Picture 19"/>
+          <p:cNvPicPr>
+            <a:picLocks noChangeAspect="1"/>
+          </p:cNvPicPr>
+          <p:nvPr/>
+        </p:nvPicPr>
+        <p:blipFill>
+          <a:blip r:embed="rId8">
+            <a:extLst>
+              <a:ext uri="{28A0092B-C50C-407E-A947-70E740481C1C}">
+                <a14:useLocalDpi xmlns:a14="http://schemas.microsoft.com/office/drawing/2010/main" val="0"/>
+              </a:ext>
+            </a:extLst>
+          </a:blip>
+          <a:stretch>
+            <a:fillRect/>
+          </a:stretch>
+        </p:blipFill>
+        <p:spPr>
+          <a:xfrm>
+            <a:off x="30687818" y="9680339"/>
+            <a:ext cx="9753600" cy="7315200"/>
+          </a:xfrm>
+          <a:prstGeom prst="rect">
+            <a:avLst/>
+          </a:prstGeom>
+        </p:spPr>
+      </p:pic>
+      <p:sp>
+        <p:nvSpPr>
+          <p:cNvPr id="21" name="TextBox 20"/>
+          <p:cNvSpPr txBox="1"/>
+          <p:nvPr/>
+        </p:nvSpPr>
+        <p:spPr>
+          <a:xfrm>
+            <a:off x="1752600" y="26474495"/>
+            <a:ext cx="11963400" cy="4154984"/>
+          </a:xfrm>
+          <a:prstGeom prst="rect">
+            <a:avLst/>
+          </a:prstGeom>
+          <a:noFill/>
+        </p:spPr>
+        <p:txBody>
+          <a:bodyPr wrap="square" rtlCol="0">
+            <a:spAutoFit/>
+          </a:bodyPr>
+          <a:lstStyle/>
+          <a:p>
+            <a:r>
+              <a:rPr lang="en-US" sz="4000" b="1" u="sng" dirty="0">
+                <a:solidFill>
+                  <a:srgbClr val="73000A"/>
+                </a:solidFill>
+                <a:latin typeface="Arial" panose="020B0604020202020204" pitchFamily="34" charset="0"/>
+                <a:cs typeface="Arial" panose="020B0604020202020204" pitchFamily="34" charset="0"/>
+              </a:rPr>
+              <a:t>References</a:t>
+            </a:r>
+          </a:p>
+          <a:p>
+            <a:r>
+              <a:rPr lang="en-US" sz="2800" dirty="0" err="1">
+                <a:latin typeface="Arial" panose="020B0604020202020204" pitchFamily="34" charset="0"/>
+                <a:cs typeface="Arial" panose="020B0604020202020204" pitchFamily="34" charset="0"/>
+              </a:rPr>
+              <a:t>Grupe</a:t>
+            </a:r>
+            <a:r>
+              <a:rPr lang="en-US" sz="2800" dirty="0">
+                <a:latin typeface="Arial" panose="020B0604020202020204" pitchFamily="34" charset="0"/>
+                <a:cs typeface="Arial" panose="020B0604020202020204" pitchFamily="34" charset="0"/>
+              </a:rPr>
+              <a:t>, D., </a:t>
+            </a:r>
+            <a:r>
+              <a:rPr lang="en-US" sz="2800" dirty="0" err="1">
+                <a:latin typeface="Arial" panose="020B0604020202020204" pitchFamily="34" charset="0"/>
+                <a:cs typeface="Arial" panose="020B0604020202020204" pitchFamily="34" charset="0"/>
+              </a:rPr>
+              <a:t>Komassa</a:t>
+            </a:r>
+            <a:r>
+              <a:rPr lang="en-US" sz="2800" dirty="0">
+                <a:latin typeface="Arial" panose="020B0604020202020204" pitchFamily="34" charset="0"/>
+                <a:cs typeface="Arial" panose="020B0604020202020204" pitchFamily="34" charset="0"/>
+              </a:rPr>
+              <a:t>, S., </a:t>
+            </a:r>
+            <a:r>
+              <a:rPr lang="en-US" sz="2800" dirty="0" err="1">
+                <a:latin typeface="Arial" panose="020B0604020202020204" pitchFamily="34" charset="0"/>
+                <a:cs typeface="Arial" panose="020B0604020202020204" pitchFamily="34" charset="0"/>
+              </a:rPr>
+              <a:t>Leighly</a:t>
+            </a:r>
+            <a:r>
+              <a:rPr lang="en-US" sz="2800" dirty="0">
+                <a:latin typeface="Arial" panose="020B0604020202020204" pitchFamily="34" charset="0"/>
+                <a:cs typeface="Arial" panose="020B0604020202020204" pitchFamily="34" charset="0"/>
+              </a:rPr>
+              <a:t>, K., Page, K., 2010, </a:t>
+            </a:r>
+            <a:r>
+              <a:rPr lang="en-US" sz="2800" dirty="0" err="1">
+                <a:latin typeface="Arial" panose="020B0604020202020204" pitchFamily="34" charset="0"/>
+                <a:cs typeface="Arial" panose="020B0604020202020204" pitchFamily="34" charset="0"/>
+              </a:rPr>
+              <a:t>ApJS</a:t>
+            </a:r>
+            <a:r>
+              <a:rPr lang="en-US" sz="2800" dirty="0">
+                <a:latin typeface="Arial" panose="020B0604020202020204" pitchFamily="34" charset="0"/>
+                <a:cs typeface="Arial" panose="020B0604020202020204" pitchFamily="34" charset="0"/>
+              </a:rPr>
+              <a:t>, 187, 64</a:t>
+            </a:r>
+          </a:p>
+          <a:p>
+            <a:r>
+              <a:rPr lang="en-US" sz="2800" dirty="0">
+                <a:latin typeface="Arial" panose="020B0604020202020204" pitchFamily="34" charset="0"/>
+                <a:cs typeface="Arial" panose="020B0604020202020204" pitchFamily="34" charset="0"/>
+              </a:rPr>
+              <a:t>Groves, B., </a:t>
+            </a:r>
+            <a:r>
+              <a:rPr lang="en-US" sz="2800" dirty="0" err="1">
+                <a:latin typeface="Arial" panose="020B0604020202020204" pitchFamily="34" charset="0"/>
+                <a:cs typeface="Arial" panose="020B0604020202020204" pitchFamily="34" charset="0"/>
+              </a:rPr>
+              <a:t>Dopita</a:t>
+            </a:r>
+            <a:r>
+              <a:rPr lang="en-US" sz="2800" dirty="0">
+                <a:latin typeface="Arial" panose="020B0604020202020204" pitchFamily="34" charset="0"/>
+                <a:cs typeface="Arial" panose="020B0604020202020204" pitchFamily="34" charset="0"/>
+              </a:rPr>
+              <a:t>, Michael., Sutherland, R. 2004, </a:t>
+            </a:r>
+            <a:r>
+              <a:rPr lang="en-US" sz="2800" dirty="0" err="1">
+                <a:latin typeface="Arial" panose="020B0604020202020204" pitchFamily="34" charset="0"/>
+                <a:cs typeface="Arial" panose="020B0604020202020204" pitchFamily="34" charset="0"/>
+              </a:rPr>
+              <a:t>ApJS</a:t>
+            </a:r>
+            <a:r>
+              <a:rPr lang="en-US" sz="2800" dirty="0">
+                <a:latin typeface="Arial" panose="020B0604020202020204" pitchFamily="34" charset="0"/>
+                <a:cs typeface="Arial" panose="020B0604020202020204" pitchFamily="34" charset="0"/>
+              </a:rPr>
+              <a:t>, 153, 75</a:t>
+            </a:r>
+          </a:p>
+          <a:p>
+            <a:r>
+              <a:rPr lang="en-US" sz="2800" dirty="0" err="1">
+                <a:latin typeface="Arial" panose="020B0604020202020204" pitchFamily="34" charset="0"/>
+                <a:cs typeface="Arial" panose="020B0604020202020204" pitchFamily="34" charset="0"/>
+              </a:rPr>
+              <a:t>Ryden</a:t>
+            </a:r>
+            <a:r>
+              <a:rPr lang="en-US" sz="2800" dirty="0">
+                <a:latin typeface="Arial" panose="020B0604020202020204" pitchFamily="34" charset="0"/>
+                <a:cs typeface="Arial" panose="020B0604020202020204" pitchFamily="34" charset="0"/>
+              </a:rPr>
+              <a:t>, B., Peterson, B., 2010, Foundations of Astrophysics, (Addison-Wesley)</a:t>
+            </a:r>
+          </a:p>
+          <a:p>
+            <a:r>
+              <a:rPr lang="en-US" sz="2800" dirty="0" err="1">
+                <a:latin typeface="Arial" panose="020B0604020202020204" pitchFamily="34" charset="0"/>
+                <a:cs typeface="Arial" panose="020B0604020202020204" pitchFamily="34" charset="0"/>
+              </a:rPr>
+              <a:t>Ferland</a:t>
+            </a:r>
+            <a:r>
+              <a:rPr lang="en-US" sz="2800" dirty="0">
+                <a:latin typeface="Arial" panose="020B0604020202020204" pitchFamily="34" charset="0"/>
+                <a:cs typeface="Arial" panose="020B0604020202020204" pitchFamily="34" charset="0"/>
+              </a:rPr>
+              <a:t>, G. J.; Porter, R. L.; van Hoof, P. A. M.; Williams, R. J. R.; Abel, N. P.; </a:t>
+            </a:r>
+            <a:r>
+              <a:rPr lang="en-US" sz="2800" dirty="0" err="1">
+                <a:latin typeface="Arial" panose="020B0604020202020204" pitchFamily="34" charset="0"/>
+                <a:cs typeface="Arial" panose="020B0604020202020204" pitchFamily="34" charset="0"/>
+              </a:rPr>
+              <a:t>Lykins</a:t>
+            </a:r>
+            <a:r>
+              <a:rPr lang="en-US" sz="2800" dirty="0">
+                <a:latin typeface="Arial" panose="020B0604020202020204" pitchFamily="34" charset="0"/>
+                <a:cs typeface="Arial" panose="020B0604020202020204" pitchFamily="34" charset="0"/>
+              </a:rPr>
+              <a:t>, M. L.; Shaw, G.; </a:t>
+            </a:r>
+            <a:r>
+              <a:rPr lang="en-US" sz="2800" dirty="0" err="1">
+                <a:latin typeface="Arial" panose="020B0604020202020204" pitchFamily="34" charset="0"/>
+                <a:cs typeface="Arial" panose="020B0604020202020204" pitchFamily="34" charset="0"/>
+              </a:rPr>
+              <a:t>Henney</a:t>
+            </a:r>
+            <a:r>
+              <a:rPr lang="en-US" sz="2800" dirty="0">
+                <a:latin typeface="Arial" panose="020B0604020202020204" pitchFamily="34" charset="0"/>
+                <a:cs typeface="Arial" panose="020B0604020202020204" pitchFamily="34" charset="0"/>
+              </a:rPr>
+              <a:t>, W. J.; Stancil, P. C., 2013, </a:t>
+            </a:r>
+            <a:r>
+              <a:rPr lang="en-US" sz="2800" dirty="0" err="1">
+                <a:latin typeface="Arial" panose="020B0604020202020204" pitchFamily="34" charset="0"/>
+                <a:cs typeface="Arial" panose="020B0604020202020204" pitchFamily="34" charset="0"/>
+              </a:rPr>
+              <a:t>RevMexAA</a:t>
+            </a:r>
+            <a:r>
+              <a:rPr lang="en-US" sz="2800" dirty="0">
+                <a:latin typeface="Arial" panose="020B0604020202020204" pitchFamily="34" charset="0"/>
+                <a:cs typeface="Arial" panose="020B0604020202020204" pitchFamily="34" charset="0"/>
+              </a:rPr>
+              <a:t>, 49, 137 </a:t>
+            </a:r>
+          </a:p>
+          <a:p>
+            <a:r>
+              <a:rPr lang="en-US" sz="2800" dirty="0">
+                <a:latin typeface="Arial" panose="020B0604020202020204" pitchFamily="34" charset="0"/>
+                <a:cs typeface="Arial" panose="020B0604020202020204" pitchFamily="34" charset="0"/>
+              </a:rPr>
+              <a:t> </a:t>
+            </a:r>
+          </a:p>
+        </p:txBody>
+      </p:sp>
+      <p:sp>
+        <p:nvSpPr>
+          <p:cNvPr id="22" name="TextBox 21"/>
+          <p:cNvSpPr txBox="1"/>
+          <p:nvPr/>
+        </p:nvSpPr>
+        <p:spPr>
+          <a:xfrm>
+            <a:off x="31114554" y="23573092"/>
+            <a:ext cx="8537749" cy="7663636"/>
+          </a:xfrm>
+          <a:prstGeom prst="rect">
+            <a:avLst/>
+          </a:prstGeom>
+          <a:noFill/>
+        </p:spPr>
+        <p:txBody>
+          <a:bodyPr wrap="square" rtlCol="0">
+            <a:spAutoFit/>
+          </a:bodyPr>
+          <a:lstStyle/>
+          <a:p>
+            <a:r>
+              <a:rPr lang="en-US" sz="4000" b="1" u="sng" dirty="0">
+                <a:solidFill>
+                  <a:srgbClr val="73000A"/>
+                </a:solidFill>
+                <a:latin typeface="Arial" panose="020B0604020202020204" pitchFamily="34" charset="0"/>
+                <a:cs typeface="Arial" panose="020B0604020202020204" pitchFamily="34" charset="0"/>
+              </a:rPr>
+              <a:t>Conclusions</a:t>
+            </a:r>
+          </a:p>
+          <a:p>
+            <a:pPr marL="457200" indent="-457200">
+              <a:buFont typeface="Arial" panose="020B0604020202020204" pitchFamily="34" charset="0"/>
+              <a:buChar char="•"/>
+            </a:pPr>
+            <a:r>
+              <a:rPr lang="en-US" sz="3200" dirty="0">
+                <a:latin typeface="Arial" panose="020B0604020202020204" pitchFamily="34" charset="0"/>
+                <a:cs typeface="Arial" panose="020B0604020202020204" pitchFamily="34" charset="0"/>
+              </a:rPr>
+              <a:t>Our regression model is statistically significant.</a:t>
+            </a:r>
+          </a:p>
+          <a:p>
+            <a:pPr marL="457200" indent="-457200">
+              <a:buFont typeface="Arial" panose="020B0604020202020204" pitchFamily="34" charset="0"/>
+              <a:buChar char="•"/>
+            </a:pPr>
+            <a:r>
+              <a:rPr lang="en-US" sz="3200" dirty="0">
+                <a:latin typeface="Arial" panose="020B0604020202020204" pitchFamily="34" charset="0"/>
+                <a:cs typeface="Arial" panose="020B0604020202020204" pitchFamily="34" charset="0"/>
+              </a:rPr>
+              <a:t>Our line ratios match closely with those produced by Groves.</a:t>
+            </a:r>
+          </a:p>
+          <a:p>
+            <a:pPr marL="457200" indent="-457200">
+              <a:buFont typeface="Arial" panose="020B0604020202020204" pitchFamily="34" charset="0"/>
+              <a:buChar char="•"/>
+            </a:pPr>
+            <a:r>
+              <a:rPr lang="en-US" sz="3200" dirty="0">
+                <a:latin typeface="Arial" panose="020B0604020202020204" pitchFamily="34" charset="0"/>
+                <a:cs typeface="Arial" panose="020B0604020202020204" pitchFamily="34" charset="0"/>
+              </a:rPr>
+              <a:t>We can model our SED by constraining the spectral indices. </a:t>
+            </a:r>
+          </a:p>
+          <a:p>
+            <a:pPr marL="457200" indent="-457200">
+              <a:buFont typeface="Arial" panose="020B0604020202020204" pitchFamily="34" charset="0"/>
+              <a:buChar char="•"/>
+            </a:pPr>
+            <a:endParaRPr lang="en-US" sz="3200" dirty="0">
+              <a:latin typeface="Arial" panose="020B0604020202020204" pitchFamily="34" charset="0"/>
+              <a:cs typeface="Arial" panose="020B0604020202020204" pitchFamily="34" charset="0"/>
+            </a:endParaRPr>
+          </a:p>
+          <a:p>
+            <a:r>
+              <a:rPr lang="en-US" sz="4000" b="1" u="sng" dirty="0">
+                <a:solidFill>
+                  <a:srgbClr val="73000A"/>
+                </a:solidFill>
+                <a:latin typeface="Arial" panose="020B0604020202020204" pitchFamily="34" charset="0"/>
+                <a:cs typeface="Arial" panose="020B0604020202020204" pitchFamily="34" charset="0"/>
+              </a:rPr>
+              <a:t>Future</a:t>
+            </a:r>
+            <a:r>
+              <a:rPr lang="en-US" sz="4000" b="1" u="sng" dirty="0">
+                <a:solidFill>
+                  <a:srgbClr val="C00000"/>
+                </a:solidFill>
+                <a:latin typeface="Arial" panose="020B0604020202020204" pitchFamily="34" charset="0"/>
+                <a:cs typeface="Arial" panose="020B0604020202020204" pitchFamily="34" charset="0"/>
+              </a:rPr>
+              <a:t> </a:t>
+            </a:r>
+            <a:r>
+              <a:rPr lang="en-US" sz="4000" b="1" u="sng" dirty="0">
+                <a:solidFill>
+                  <a:srgbClr val="73000A"/>
+                </a:solidFill>
+                <a:latin typeface="Arial" panose="020B0604020202020204" pitchFamily="34" charset="0"/>
+                <a:cs typeface="Arial" panose="020B0604020202020204" pitchFamily="34" charset="0"/>
+              </a:rPr>
+              <a:t>Work</a:t>
+            </a:r>
+          </a:p>
+          <a:p>
+            <a:pPr marL="457200" indent="-457200">
+              <a:buFont typeface="Arial" panose="020B0604020202020204" pitchFamily="34" charset="0"/>
+              <a:buChar char="•"/>
+            </a:pPr>
+            <a:r>
+              <a:rPr lang="en-US" sz="3200" dirty="0">
+                <a:latin typeface="Arial" panose="020B0604020202020204" pitchFamily="34" charset="0"/>
+                <a:cs typeface="Arial" panose="020B0604020202020204" pitchFamily="34" charset="0"/>
+              </a:rPr>
+              <a:t>Vary the spectral indices of the incident radiation curve according to our regression models.</a:t>
+            </a:r>
+          </a:p>
+          <a:p>
+            <a:pPr marL="457200" indent="-457200">
+              <a:buFont typeface="Arial" panose="020B0604020202020204" pitchFamily="34" charset="0"/>
+              <a:buChar char="•"/>
+            </a:pPr>
+            <a:endParaRPr lang="en-US" sz="3200" dirty="0">
+              <a:latin typeface="Arial" panose="020B0604020202020204" pitchFamily="34" charset="0"/>
+              <a:cs typeface="Arial" panose="020B0604020202020204" pitchFamily="34" charset="0"/>
+            </a:endParaRPr>
+          </a:p>
+          <a:p>
+            <a:pPr marL="457200" indent="-457200">
+              <a:buFont typeface="Arial" panose="020B0604020202020204" pitchFamily="34" charset="0"/>
+              <a:buChar char="•"/>
+            </a:pPr>
+            <a:endParaRPr lang="en-US" sz="3200" dirty="0">
+              <a:latin typeface="Arial" panose="020B0604020202020204" pitchFamily="34" charset="0"/>
+              <a:cs typeface="Arial" panose="020B0604020202020204" pitchFamily="34" charset="0"/>
+            </a:endParaRPr>
+          </a:p>
+          <a:p>
+            <a:endParaRPr lang="en-US" sz="2800" dirty="0">
+              <a:latin typeface="Arial" panose="020B0604020202020204" pitchFamily="34" charset="0"/>
+              <a:cs typeface="Arial" panose="020B0604020202020204" pitchFamily="34" charset="0"/>
+            </a:endParaRPr>
+          </a:p>
+        </p:txBody>
+      </p:sp>
+      <p:sp>
+        <p:nvSpPr>
+          <p:cNvPr id="24" name="TextBox 23"/>
+          <p:cNvSpPr txBox="1"/>
+          <p:nvPr/>
+        </p:nvSpPr>
+        <p:spPr>
+          <a:xfrm>
+            <a:off x="30524082" y="8015606"/>
+            <a:ext cx="10370126" cy="1754326"/>
+          </a:xfrm>
+          <a:prstGeom prst="rect">
+            <a:avLst/>
+          </a:prstGeom>
+          <a:noFill/>
+        </p:spPr>
+        <p:txBody>
+          <a:bodyPr wrap="square" rtlCol="0">
+            <a:spAutoFit/>
+          </a:bodyPr>
+          <a:lstStyle/>
+          <a:p>
+            <a:pPr marL="285750" indent="-285750">
+              <a:buFont typeface="Arial" panose="020B0604020202020204" pitchFamily="34" charset="0"/>
+              <a:buChar char="•"/>
+            </a:pPr>
+            <a:r>
+              <a:rPr lang="en-US" sz="2800" dirty="0">
+                <a:latin typeface="Arial" panose="020B0604020202020204" pitchFamily="34" charset="0"/>
+                <a:cs typeface="Arial" panose="020B0604020202020204" pitchFamily="34" charset="0"/>
+              </a:rPr>
+              <a:t>From our simulations varying the blackbody temperature, we plot the line ratios produced by CLOUDY over the data produced by Groves et al. 2004.</a:t>
+            </a:r>
+          </a:p>
+          <a:p>
+            <a:pPr marL="285750" indent="-285750">
+              <a:buFont typeface="Arial" panose="020B0604020202020204" pitchFamily="34" charset="0"/>
+              <a:buChar char="•"/>
+            </a:pPr>
+            <a:endParaRPr lang="en-US" sz="2400" dirty="0">
+              <a:latin typeface="Arial" panose="020B0604020202020204" pitchFamily="34" charset="0"/>
+              <a:cs typeface="Arial" panose="020B0604020202020204" pitchFamily="34" charset="0"/>
+            </a:endParaRPr>
+          </a:p>
+        </p:txBody>
+      </p:sp>
+      <p:sp>
+        <p:nvSpPr>
+          <p:cNvPr id="25" name="Rectangle 24"/>
+          <p:cNvSpPr/>
+          <p:nvPr/>
+        </p:nvSpPr>
+        <p:spPr>
+          <a:xfrm>
+            <a:off x="5707449" y="14857130"/>
+            <a:ext cx="6734664" cy="369332"/>
+          </a:xfrm>
+          <a:prstGeom prst="rect">
+            <a:avLst/>
+          </a:prstGeom>
+        </p:spPr>
+        <p:txBody>
+          <a:bodyPr wrap="none">
+            <a:spAutoFit/>
+          </a:bodyPr>
+          <a:lstStyle/>
+          <a:p>
+            <a:r>
+              <a:rPr lang="en-US" dirty="0"/>
+              <a:t>http://www.isdc.unige.ch/~ricci/Website/Active_Galactic_Nuclei.html</a:t>
+            </a:r>
+          </a:p>
+        </p:txBody>
+      </p:sp>
+      <p:sp>
+        <p:nvSpPr>
+          <p:cNvPr id="28" name="Rectangle 27"/>
+          <p:cNvSpPr/>
+          <p:nvPr/>
+        </p:nvSpPr>
+        <p:spPr>
+          <a:xfrm>
+            <a:off x="33734829" y="7430538"/>
+            <a:ext cx="7950703" cy="369332"/>
+          </a:xfrm>
+          <a:prstGeom prst="rect">
+            <a:avLst/>
+          </a:prstGeom>
+        </p:spPr>
+        <p:txBody>
+          <a:bodyPr wrap="none">
+            <a:spAutoFit/>
+          </a:bodyPr>
+          <a:lstStyle/>
+          <a:p>
+            <a:r>
+              <a:rPr lang="en-US" dirty="0">
+                <a:solidFill>
+                  <a:schemeClr val="bg1"/>
+                </a:solidFill>
+              </a:rPr>
+              <a:t>http://www.nasa.gov/mission_pages/chandra/multimedia/galaxy-centaurusA.html</a:t>
+            </a:r>
+          </a:p>
+        </p:txBody>
+      </p:sp>
+      <p:pic>
+        <p:nvPicPr>
+          <p:cNvPr id="29" name="Picture 28"/>
+          <p:cNvPicPr>
+            <a:picLocks noChangeAspect="1"/>
+          </p:cNvPicPr>
+          <p:nvPr/>
+        </p:nvPicPr>
+        <p:blipFill>
+          <a:blip r:embed="rId9">
+            <a:extLst>
+              <a:ext uri="{28A0092B-C50C-407E-A947-70E740481C1C}">
+                <a14:useLocalDpi xmlns:a14="http://schemas.microsoft.com/office/drawing/2010/main" val="0"/>
+              </a:ext>
+            </a:extLst>
+          </a:blip>
+          <a:stretch>
+            <a:fillRect/>
+          </a:stretch>
+        </p:blipFill>
+        <p:spPr>
+          <a:xfrm>
+            <a:off x="16490034" y="22321491"/>
+            <a:ext cx="12843660" cy="9584580"/>
+          </a:xfrm>
+          <a:prstGeom prst="rect">
+            <a:avLst/>
+          </a:prstGeom>
+        </p:spPr>
+      </p:pic>
+      <p:sp>
+        <p:nvSpPr>
+          <p:cNvPr id="30" name="TextBox 29"/>
+          <p:cNvSpPr txBox="1"/>
+          <p:nvPr/>
+        </p:nvSpPr>
+        <p:spPr>
+          <a:xfrm>
+            <a:off x="1117025" y="21766298"/>
+            <a:ext cx="14339452" cy="4001095"/>
+          </a:xfrm>
+          <a:prstGeom prst="rect">
+            <a:avLst/>
+          </a:prstGeom>
+          <a:noFill/>
+        </p:spPr>
+        <p:txBody>
+          <a:bodyPr wrap="square" rtlCol="0">
+            <a:spAutoFit/>
+          </a:bodyPr>
+          <a:lstStyle/>
+          <a:p>
+            <a:pPr lvl="0" algn="ctr"/>
+            <a:r>
+              <a:rPr lang="en-US" sz="4000" b="1" u="sng" dirty="0">
+                <a:solidFill>
+                  <a:srgbClr val="73000A"/>
+                </a:solidFill>
+                <a:latin typeface="Arial" panose="020B0604020202020204" pitchFamily="34" charset="0"/>
+                <a:cs typeface="Arial" panose="020B0604020202020204" pitchFamily="34" charset="0"/>
+              </a:rPr>
+              <a:t>Methods</a:t>
+            </a:r>
+          </a:p>
+          <a:p>
+            <a:pPr marL="571500" lvl="0" indent="-571500">
+              <a:buFont typeface="Arial" panose="020B0604020202020204" pitchFamily="34" charset="0"/>
+              <a:buChar char="•"/>
+            </a:pPr>
+            <a:r>
+              <a:rPr lang="en-US" sz="2800" dirty="0">
+                <a:solidFill>
+                  <a:prstClr val="black"/>
+                </a:solidFill>
+                <a:latin typeface="Arial" panose="020B0604020202020204" pitchFamily="34" charset="0"/>
+                <a:cs typeface="Arial" panose="020B0604020202020204" pitchFamily="34" charset="0"/>
+              </a:rPr>
+              <a:t>Data from </a:t>
+            </a:r>
+            <a:r>
+              <a:rPr lang="en-US" sz="2800" dirty="0" err="1">
+                <a:solidFill>
+                  <a:prstClr val="black"/>
+                </a:solidFill>
+                <a:latin typeface="Arial" panose="020B0604020202020204" pitchFamily="34" charset="0"/>
+                <a:cs typeface="Arial" panose="020B0604020202020204" pitchFamily="34" charset="0"/>
+              </a:rPr>
+              <a:t>Grupe</a:t>
+            </a:r>
+            <a:r>
+              <a:rPr lang="en-US" sz="2800" dirty="0">
+                <a:solidFill>
+                  <a:prstClr val="black"/>
+                </a:solidFill>
+                <a:latin typeface="Arial" panose="020B0604020202020204" pitchFamily="34" charset="0"/>
+                <a:cs typeface="Arial" panose="020B0604020202020204" pitchFamily="34" charset="0"/>
+              </a:rPr>
+              <a:t> et al. 2010 is fit to a linear regression model scripted in Python.</a:t>
+            </a:r>
+          </a:p>
+          <a:p>
+            <a:pPr marL="571500" lvl="0" indent="-571500">
+              <a:buFont typeface="Arial" panose="020B0604020202020204" pitchFamily="34" charset="0"/>
+              <a:buChar char="•"/>
+            </a:pPr>
+            <a:r>
+              <a:rPr lang="en-US" sz="2800" dirty="0">
+                <a:solidFill>
+                  <a:prstClr val="black"/>
+                </a:solidFill>
+                <a:latin typeface="Arial" panose="020B0604020202020204" pitchFamily="34" charset="0"/>
+                <a:cs typeface="Arial" panose="020B0604020202020204" pitchFamily="34" charset="0"/>
+              </a:rPr>
+              <a:t>Use Chi-Square test to determine goodness of fit for a 2-D model using the equation:</a:t>
+            </a:r>
+          </a:p>
+          <a:p>
+            <a:pPr marL="571500" lvl="0" indent="-571500">
+              <a:buFont typeface="Arial" panose="020B0604020202020204" pitchFamily="34" charset="0"/>
+              <a:buChar char="•"/>
+            </a:pPr>
+            <a:endParaRPr lang="en-US" sz="2800" dirty="0">
+              <a:solidFill>
+                <a:prstClr val="black"/>
+              </a:solidFill>
+              <a:latin typeface="Arial" panose="020B0604020202020204" pitchFamily="34" charset="0"/>
+              <a:cs typeface="Arial" panose="020B0604020202020204" pitchFamily="34" charset="0"/>
+            </a:endParaRPr>
+          </a:p>
+          <a:p>
+            <a:pPr marL="571500" lvl="0" indent="-571500">
+              <a:buFont typeface="Arial" panose="020B0604020202020204" pitchFamily="34" charset="0"/>
+              <a:buChar char="•"/>
+            </a:pPr>
+            <a:endParaRPr lang="en-US" sz="2800" dirty="0">
+              <a:solidFill>
+                <a:prstClr val="black"/>
+              </a:solidFill>
+              <a:latin typeface="Arial" panose="020B0604020202020204" pitchFamily="34" charset="0"/>
+              <a:cs typeface="Arial" panose="020B0604020202020204" pitchFamily="34" charset="0"/>
+            </a:endParaRPr>
+          </a:p>
+          <a:p>
+            <a:pPr lvl="0"/>
+            <a:endParaRPr lang="en-US" sz="2800" dirty="0">
+              <a:solidFill>
+                <a:prstClr val="black"/>
+              </a:solidFill>
+              <a:latin typeface="Arial" panose="020B0604020202020204" pitchFamily="34" charset="0"/>
+              <a:cs typeface="Arial" panose="020B0604020202020204" pitchFamily="34" charset="0"/>
+            </a:endParaRPr>
+          </a:p>
+          <a:p>
+            <a:pPr marL="457200" lvl="0" indent="-457200">
+              <a:buFont typeface="Arial" panose="020B0604020202020204" pitchFamily="34" charset="0"/>
+              <a:buChar char="•"/>
+            </a:pPr>
+            <a:r>
+              <a:rPr lang="en-US" sz="2800" dirty="0">
+                <a:solidFill>
+                  <a:prstClr val="black"/>
+                </a:solidFill>
+                <a:latin typeface="Arial" panose="020B0604020202020204" pitchFamily="34" charset="0"/>
+                <a:cs typeface="Arial" panose="020B0604020202020204" pitchFamily="34" charset="0"/>
+              </a:rPr>
+              <a:t> Supply the incident spectral energy   distribution, element abundances, dust grains, and initial  density to CLOUDY. </a:t>
+            </a:r>
+          </a:p>
+          <a:p>
+            <a:endParaRPr lang="en-US" dirty="0"/>
+          </a:p>
+        </p:txBody>
+      </p:sp>
+      <p:sp>
+        <p:nvSpPr>
+          <p:cNvPr id="31" name="TextBox 30"/>
+          <p:cNvSpPr txBox="1"/>
+          <p:nvPr/>
+        </p:nvSpPr>
+        <p:spPr>
+          <a:xfrm>
+            <a:off x="31063551" y="30061052"/>
+            <a:ext cx="11492344" cy="1569660"/>
+          </a:xfrm>
+          <a:prstGeom prst="rect">
+            <a:avLst/>
+          </a:prstGeom>
+          <a:noFill/>
+        </p:spPr>
+        <p:txBody>
+          <a:bodyPr wrap="square" rtlCol="0">
+            <a:spAutoFit/>
+          </a:bodyPr>
+          <a:lstStyle/>
+          <a:p>
+            <a:r>
+              <a:rPr lang="en-US" sz="4000" b="1" u="sng" dirty="0">
+                <a:solidFill>
+                  <a:srgbClr val="73000A"/>
+                </a:solidFill>
+                <a:latin typeface="Arial" panose="020B0604020202020204" pitchFamily="34" charset="0"/>
+                <a:cs typeface="Arial" panose="020B0604020202020204" pitchFamily="34" charset="0"/>
+              </a:rPr>
+              <a:t>Acknowledgements</a:t>
+            </a:r>
+          </a:p>
+          <a:p>
+            <a:r>
+              <a:rPr lang="en-US" sz="2800" dirty="0">
+                <a:latin typeface="Arial" panose="020B0604020202020204" pitchFamily="34" charset="0"/>
+                <a:cs typeface="Arial" panose="020B0604020202020204" pitchFamily="34" charset="0"/>
+              </a:rPr>
+              <a:t>I would like to thank the Elon College Fellows program and my research mentor Dr. Chris Richardson.  </a:t>
+            </a:r>
+          </a:p>
+        </p:txBody>
+      </p:sp>
+      <p:cxnSp>
+        <p:nvCxnSpPr>
+          <p:cNvPr id="37" name="Straight Connector 36"/>
+          <p:cNvCxnSpPr/>
+          <p:nvPr/>
+        </p:nvCxnSpPr>
+        <p:spPr>
+          <a:xfrm flipH="1" flipV="1">
+            <a:off x="15577700" y="7442573"/>
+            <a:ext cx="20053" cy="23582859"/>
+          </a:xfrm>
+          <a:prstGeom prst="line">
+            <a:avLst/>
+          </a:prstGeom>
+          <a:ln>
+            <a:solidFill>
+              <a:srgbClr val="73000A"/>
+            </a:solidFill>
+          </a:ln>
+        </p:spPr>
+        <p:style>
+          <a:lnRef idx="1">
+            <a:schemeClr val="accent2"/>
+          </a:lnRef>
+          <a:fillRef idx="0">
+            <a:schemeClr val="accent2"/>
+          </a:fillRef>
+          <a:effectRef idx="0">
+            <a:schemeClr val="accent2"/>
+          </a:effectRef>
+          <a:fontRef idx="minor">
+            <a:schemeClr val="tx1"/>
+          </a:fontRef>
+        </p:style>
+      </p:cxnSp>
+      <p:cxnSp>
+        <p:nvCxnSpPr>
+          <p:cNvPr id="41" name="Straight Connector 40"/>
+          <p:cNvCxnSpPr/>
+          <p:nvPr/>
+        </p:nvCxnSpPr>
+        <p:spPr>
+          <a:xfrm flipH="1" flipV="1">
+            <a:off x="30155792" y="7430539"/>
+            <a:ext cx="85661" cy="23582861"/>
+          </a:xfrm>
+          <a:prstGeom prst="line">
+            <a:avLst/>
+          </a:prstGeom>
+          <a:ln>
+            <a:solidFill>
+              <a:srgbClr val="73000A"/>
+            </a:solidFill>
+          </a:ln>
+        </p:spPr>
+        <p:style>
+          <a:lnRef idx="1">
+            <a:schemeClr val="accent2"/>
+          </a:lnRef>
+          <a:fillRef idx="0">
+            <a:schemeClr val="accent2"/>
+          </a:fillRef>
+          <a:effectRef idx="0">
+            <a:schemeClr val="accent2"/>
+          </a:effectRef>
+          <a:fontRef idx="minor">
+            <a:schemeClr val="tx1"/>
+          </a:fontRef>
+        </p:style>
+      </p:cxnSp>
+      <p:pic>
+        <p:nvPicPr>
+          <p:cNvPr id="49" name="Picture 48"/>
+          <p:cNvPicPr>
+            <a:picLocks noChangeAspect="1"/>
+          </p:cNvPicPr>
+          <p:nvPr/>
+        </p:nvPicPr>
+        <p:blipFill>
+          <a:blip r:embed="rId10">
+            <a:extLst>
+              <a:ext uri="{28A0092B-C50C-407E-A947-70E740481C1C}">
+                <a14:useLocalDpi xmlns:a14="http://schemas.microsoft.com/office/drawing/2010/main" val="0"/>
+              </a:ext>
+            </a:extLst>
+          </a:blip>
+          <a:stretch>
+            <a:fillRect/>
+          </a:stretch>
+        </p:blipFill>
+        <p:spPr>
+          <a:xfrm>
+            <a:off x="1736558" y="616233"/>
+            <a:ext cx="8638536" cy="2275922"/>
+          </a:xfrm>
+          <a:prstGeom prst="rect">
+            <a:avLst/>
+          </a:prstGeom>
+        </p:spPr>
+      </p:pic>
+      <p:sp>
+        <p:nvSpPr>
+          <p:cNvPr id="52" name="Rectangle 51"/>
+          <p:cNvSpPr/>
+          <p:nvPr/>
+        </p:nvSpPr>
+        <p:spPr>
+          <a:xfrm>
+            <a:off x="33770924" y="6329720"/>
+            <a:ext cx="7950703" cy="369332"/>
+          </a:xfrm>
+          <a:prstGeom prst="rect">
+            <a:avLst/>
+          </a:prstGeom>
+        </p:spPr>
+        <p:txBody>
+          <a:bodyPr wrap="none">
+            <a:spAutoFit/>
+          </a:bodyPr>
+          <a:lstStyle/>
+          <a:p>
+            <a:r>
+              <a:rPr lang="en-US" dirty="0">
+                <a:solidFill>
+                  <a:schemeClr val="bg1"/>
+                </a:solidFill>
+              </a:rPr>
+              <a:t>http://www.nasa.gov/mission_pages/chandra/multimedia/galaxy-centaurusA.html</a:t>
+            </a:r>
+          </a:p>
+        </p:txBody>
+      </p:sp>
     </p:spTree>
     <p:extLst>
       <p:ext uri="{BB962C8B-B14F-4D97-AF65-F5344CB8AC3E}">
         <p14:creationId xmlns:p14="http://schemas.microsoft.com/office/powerpoint/2010/main" val="3920595269"/>
-      </p:ext>
-    </p:extLst>
-  </p:cSld>
-  <p:clrMapOvr>
-    <a:masterClrMapping/>
-  </p:clrMapOvr>
-</p:sld>
-</file>
-
-<file path=ppt/slides/slide2.xml><?xml version="1.0" encoding="utf-8"?>
-<p:sld xmlns:a="http://schemas.openxmlformats.org/drawingml/2006/main" xmlns:r="http://schemas.openxmlformats.org/officeDocument/2006/relationships" xmlns:p="http://schemas.openxmlformats.org/presentationml/2006/main">
-  <p:cSld>
-    <p:spTree>
-      <p:nvGrpSpPr>
-        <p:cNvPr id="1" name=""/>
-        <p:cNvGrpSpPr/>
-        <p:nvPr/>
-      </p:nvGrpSpPr>
-      <p:grpSpPr>
-        <a:xfrm>
-          <a:off x="0" y="0"/>
-          <a:ext cx="0" cy="0"/>
-          <a:chOff x="0" y="0"/>
-          <a:chExt cx="0" cy="0"/>
-        </a:xfrm>
-      </p:grpSpPr>
-    </p:spTree>
-    <p:extLst>
-      <p:ext uri="{BB962C8B-B14F-4D97-AF65-F5344CB8AC3E}">
-        <p14:creationId xmlns:p14="http://schemas.microsoft.com/office/powerpoint/2010/main" val="3584961942"/>
       </p:ext>
     </p:extLst>
   </p:cSld>

--- a/PosterDesign.pptx
+++ b/PosterDesign.pptx
@@ -123,6 +123,41 @@
 </p:presentation>
 </file>
 
+<file path=ppt/commentAuthors.xml><?xml version="1.0" encoding="utf-8"?>
+<p:cmAuthorLst xmlns:a="http://schemas.openxmlformats.org/drawingml/2006/main" xmlns:r="http://schemas.openxmlformats.org/officeDocument/2006/relationships" xmlns:p="http://schemas.openxmlformats.org/presentationml/2006/main">
+  <p:cmAuthor id="1" name="Chris Greene" initials="CG" lastIdx="3" clrIdx="0">
+    <p:extLst>
+      <p:ext uri="{19B8F6BF-5375-455C-9EA6-DF929625EA0E}">
+        <p15:presenceInfo xmlns:p15="http://schemas.microsoft.com/office/powerpoint/2012/main" userId="8b86b64d3c0e382f" providerId="Windows Live"/>
+      </p:ext>
+    </p:extLst>
+  </p:cmAuthor>
+</p:cmAuthorLst>
+</file>
+
+<file path=ppt/comments/comment1.xml><?xml version="1.0" encoding="utf-8"?>
+<p:cmLst xmlns:a="http://schemas.openxmlformats.org/drawingml/2006/main" xmlns:r="http://schemas.openxmlformats.org/officeDocument/2006/relationships" xmlns:p="http://schemas.openxmlformats.org/presentationml/2006/main">
+  <p:cm authorId="1" dt="2016-04-19T08:21:22.036" idx="2">
+    <p:pos x="1885" y="1859"/>
+    <p:text>The poster guidelines from the SURF website said to include the abstract, so I left it as is.</p:text>
+    <p:extLst>
+      <p:ext uri="{C676402C-5697-4E1C-873F-D02D1690AC5C}">
+        <p15:threadingInfo xmlns:p15="http://schemas.microsoft.com/office/powerpoint/2012/main" timeZoneBias="240"/>
+      </p:ext>
+    </p:extLst>
+  </p:cm>
+  <p:cm authorId="1" dt="2016-04-19T15:37:55.320" idx="3">
+    <p:pos x="17976" y="14094"/>
+    <p:text>I realized what I had done wrong with the residual plot.  If you still think we don't need it I can take it out.</p:text>
+    <p:extLst>
+      <p:ext uri="{C676402C-5697-4E1C-873F-D02D1690AC5C}">
+        <p15:threadingInfo xmlns:p15="http://schemas.microsoft.com/office/powerpoint/2012/main" timeZoneBias="240"/>
+      </p:ext>
+    </p:extLst>
+  </p:cm>
+</p:cmLst>
+</file>
+
 <file path=ppt/slideLayouts/slideLayout1.xml><?xml version="1.0" encoding="utf-8"?>
 <p:sldLayout xmlns:a="http://schemas.openxmlformats.org/drawingml/2006/main" xmlns:r="http://schemas.openxmlformats.org/officeDocument/2006/relationships" xmlns:p="http://schemas.openxmlformats.org/presentationml/2006/main" type="title" preserve="1">
   <p:cSld name="Title Slide">
@@ -254,7 +289,7 @@
           <a:p>
             <a:fld id="{26F4659F-BCAD-4F49-8558-2B5CFF0DE5F8}" type="datetimeFigureOut">
               <a:rPr lang="en-US" smtClean="0"/>
-              <a:t>4/18/2016</a:t>
+              <a:t>4/19/2016</a:t>
             </a:fld>
             <a:endParaRPr lang="en-US"/>
           </a:p>
@@ -424,7 +459,7 @@
           <a:p>
             <a:fld id="{26F4659F-BCAD-4F49-8558-2B5CFF0DE5F8}" type="datetimeFigureOut">
               <a:rPr lang="en-US" smtClean="0"/>
-              <a:t>4/18/2016</a:t>
+              <a:t>4/19/2016</a:t>
             </a:fld>
             <a:endParaRPr lang="en-US"/>
           </a:p>
@@ -604,7 +639,7 @@
           <a:p>
             <a:fld id="{26F4659F-BCAD-4F49-8558-2B5CFF0DE5F8}" type="datetimeFigureOut">
               <a:rPr lang="en-US" smtClean="0"/>
-              <a:t>4/18/2016</a:t>
+              <a:t>4/19/2016</a:t>
             </a:fld>
             <a:endParaRPr lang="en-US"/>
           </a:p>
@@ -774,7 +809,7 @@
           <a:p>
             <a:fld id="{26F4659F-BCAD-4F49-8558-2B5CFF0DE5F8}" type="datetimeFigureOut">
               <a:rPr lang="en-US" smtClean="0"/>
-              <a:t>4/18/2016</a:t>
+              <a:t>4/19/2016</a:t>
             </a:fld>
             <a:endParaRPr lang="en-US"/>
           </a:p>
@@ -1018,7 +1053,7 @@
           <a:p>
             <a:fld id="{26F4659F-BCAD-4F49-8558-2B5CFF0DE5F8}" type="datetimeFigureOut">
               <a:rPr lang="en-US" smtClean="0"/>
-              <a:t>4/18/2016</a:t>
+              <a:t>4/19/2016</a:t>
             </a:fld>
             <a:endParaRPr lang="en-US"/>
           </a:p>
@@ -1250,7 +1285,7 @@
           <a:p>
             <a:fld id="{26F4659F-BCAD-4F49-8558-2B5CFF0DE5F8}" type="datetimeFigureOut">
               <a:rPr lang="en-US" smtClean="0"/>
-              <a:t>4/18/2016</a:t>
+              <a:t>4/19/2016</a:t>
             </a:fld>
             <a:endParaRPr lang="en-US"/>
           </a:p>
@@ -1617,7 +1652,7 @@
           <a:p>
             <a:fld id="{26F4659F-BCAD-4F49-8558-2B5CFF0DE5F8}" type="datetimeFigureOut">
               <a:rPr lang="en-US" smtClean="0"/>
-              <a:t>4/18/2016</a:t>
+              <a:t>4/19/2016</a:t>
             </a:fld>
             <a:endParaRPr lang="en-US"/>
           </a:p>
@@ -1735,7 +1770,7 @@
           <a:p>
             <a:fld id="{26F4659F-BCAD-4F49-8558-2B5CFF0DE5F8}" type="datetimeFigureOut">
               <a:rPr lang="en-US" smtClean="0"/>
-              <a:t>4/18/2016</a:t>
+              <a:t>4/19/2016</a:t>
             </a:fld>
             <a:endParaRPr lang="en-US"/>
           </a:p>
@@ -1830,7 +1865,7 @@
           <a:p>
             <a:fld id="{26F4659F-BCAD-4F49-8558-2B5CFF0DE5F8}" type="datetimeFigureOut">
               <a:rPr lang="en-US" smtClean="0"/>
-              <a:t>4/18/2016</a:t>
+              <a:t>4/19/2016</a:t>
             </a:fld>
             <a:endParaRPr lang="en-US"/>
           </a:p>
@@ -2107,7 +2142,7 @@
           <a:p>
             <a:fld id="{26F4659F-BCAD-4F49-8558-2B5CFF0DE5F8}" type="datetimeFigureOut">
               <a:rPr lang="en-US" smtClean="0"/>
-              <a:t>4/18/2016</a:t>
+              <a:t>4/19/2016</a:t>
             </a:fld>
             <a:endParaRPr lang="en-US"/>
           </a:p>
@@ -2364,7 +2399,7 @@
           <a:p>
             <a:fld id="{26F4659F-BCAD-4F49-8558-2B5CFF0DE5F8}" type="datetimeFigureOut">
               <a:rPr lang="en-US" smtClean="0"/>
-              <a:t>4/18/2016</a:t>
+              <a:t>4/19/2016</a:t>
             </a:fld>
             <a:endParaRPr lang="en-US"/>
           </a:p>
@@ -2577,7 +2612,7 @@
           <a:p>
             <a:fld id="{26F4659F-BCAD-4F49-8558-2B5CFF0DE5F8}" type="datetimeFigureOut">
               <a:rPr lang="en-US" smtClean="0"/>
-              <a:t>4/18/2016</a:t>
+              <a:t>4/19/2016</a:t>
             </a:fld>
             <a:endParaRPr lang="en-US"/>
           </a:p>
@@ -2990,8 +3025,8 @@
         </p:nvSpPr>
         <p:spPr>
           <a:xfrm>
-            <a:off x="4655127" y="748145"/>
-            <a:ext cx="35786291" cy="1446550"/>
+            <a:off x="3962400" y="749630"/>
+            <a:ext cx="35786291" cy="2123658"/>
           </a:xfrm>
           <a:prstGeom prst="rect">
             <a:avLst/>
@@ -3007,6 +3042,9 @@
             <a:pPr algn="ctr"/>
             <a:r>
               <a:rPr lang="en-US" sz="4400" b="1" dirty="0">
+                <a:solidFill>
+                  <a:srgbClr val="73000A"/>
+                </a:solidFill>
                 <a:latin typeface="Arial" panose="020B0604020202020204" pitchFamily="34" charset="0"/>
                 <a:cs typeface="Arial" panose="020B0604020202020204" pitchFamily="34" charset="0"/>
               </a:rPr>
@@ -3014,6 +3052,9 @@
             </a:r>
             <a:r>
               <a:rPr lang="en-US" sz="4400" b="1" dirty="0" err="1">
+                <a:solidFill>
+                  <a:srgbClr val="73000A"/>
+                </a:solidFill>
                 <a:latin typeface="Arial" panose="020B0604020202020204" pitchFamily="34" charset="0"/>
                 <a:cs typeface="Arial" panose="020B0604020202020204" pitchFamily="34" charset="0"/>
               </a:rPr>
@@ -3021,6 +3062,9 @@
             </a:r>
             <a:r>
               <a:rPr lang="en-US" sz="4400" b="1" dirty="0">
+                <a:solidFill>
+                  <a:srgbClr val="73000A"/>
+                </a:solidFill>
                 <a:latin typeface="Arial" panose="020B0604020202020204" pitchFamily="34" charset="0"/>
                 <a:cs typeface="Arial" panose="020B0604020202020204" pitchFamily="34" charset="0"/>
               </a:rPr>
@@ -3031,10 +3075,26 @@
             <a:pPr algn="ctr"/>
             <a:r>
               <a:rPr lang="en-US" sz="4400" b="1" dirty="0">
-                <a:latin typeface="Arial" panose="020B0604020202020204" pitchFamily="34" charset="0"/>
-                <a:cs typeface="Arial" panose="020B0604020202020204" pitchFamily="34" charset="0"/>
-              </a:rPr>
-              <a:t>Christopher Greene (Faculty Mentor: Dr. Chris Richardson)-Department of PHY</a:t>
+                <a:solidFill>
+                  <a:srgbClr val="73000A"/>
+                </a:solidFill>
+                <a:latin typeface="Arial" panose="020B0604020202020204" pitchFamily="34" charset="0"/>
+                <a:cs typeface="Arial" panose="020B0604020202020204" pitchFamily="34" charset="0"/>
+              </a:rPr>
+              <a:t>Christopher Greene (Faculty Mentor: Dr. Chris Richardson)</a:t>
+            </a:r>
+          </a:p>
+          <a:p>
+            <a:pPr algn="ctr"/>
+            <a:r>
+              <a:rPr lang="en-US" sz="4400" b="1" dirty="0">
+                <a:solidFill>
+                  <a:srgbClr val="73000A"/>
+                </a:solidFill>
+                <a:latin typeface="Arial" panose="020B0604020202020204" pitchFamily="34" charset="0"/>
+                <a:cs typeface="Arial" panose="020B0604020202020204" pitchFamily="34" charset="0"/>
+              </a:rPr>
+              <a:t>Department of Physics</a:t>
             </a:r>
           </a:p>
         </p:txBody>
@@ -3048,7 +3108,7 @@
         <p:spPr>
           <a:xfrm>
             <a:off x="1039091" y="3678863"/>
-            <a:ext cx="32031709" cy="3170099"/>
+            <a:ext cx="40532579" cy="1938992"/>
           </a:xfrm>
           <a:prstGeom prst="rect">
             <a:avLst/>
@@ -3108,29 +3168,12 @@
                 <a:latin typeface="Arial" panose="020B0604020202020204" pitchFamily="34" charset="0"/>
                 <a:cs typeface="Arial" panose="020B0604020202020204" pitchFamily="34" charset="0"/>
               </a:rPr>
-              <a:t>, which determine the slope of the curve at different wavelengths of light.  One aim of our research is to synthesize a regression model with data from previous studies that will compute all the spectral indices based on one index.  We statistically confirm our regression analysis with a Chi Square and by plotting the residuals of our regression.  Using the mean values of the spectral indices provided by past research, we run an incident spectral energy distributions in the program Cloudy.  Preliminary results so far have shown that our regression model is statistically significant</a:t>
-            </a:r>
-            <a:r>
-              <a:rPr lang="en-US" sz="2400">
-                <a:latin typeface="Arial" panose="020B0604020202020204" pitchFamily="34" charset="0"/>
-                <a:cs typeface="Arial" panose="020B0604020202020204" pitchFamily="34" charset="0"/>
-              </a:rPr>
-              <a:t>, and </a:t>
-            </a:r>
-            <a:r>
-              <a:rPr lang="en-US" sz="2400" dirty="0">
-                <a:latin typeface="Arial" panose="020B0604020202020204" pitchFamily="34" charset="0"/>
-                <a:cs typeface="Arial" panose="020B0604020202020204" pitchFamily="34" charset="0"/>
-              </a:rPr>
-              <a:t>we have constrained the incident SED. The spectral indices are varied based on the regression model and the SEDs are supplied to Cloudy to simulate gas clouds in the narrow line region. We fit our model to emission line ratios produced by the simulated gas cloud as a consistency check for understanding the SED and elaborate on future work that can elucidate whether or not a more complex NLR model provide a more accurate prediction of emission line ratio observations than models using a single power law</a:t>
-            </a:r>
-            <a:r>
-              <a:rPr lang="en-US" sz="3200" dirty="0">
-                <a:latin typeface="Arial" panose="020B0604020202020204" pitchFamily="34" charset="0"/>
-                <a:cs typeface="Arial" panose="020B0604020202020204" pitchFamily="34" charset="0"/>
-              </a:rPr>
-              <a:t>. </a:t>
-            </a:r>
+              <a:t>, which determine the slope of the curve at different wavelengths of light.  One aim of our research is to synthesize a regression model with data from previous studies that will compute all the spectral indices based on one index.  We statistically test our model by plotting the residuals of our regression.  Using the mean values of the spectral indices provided by past research, we run an incident spectral energy distributions in the program CLOUDY. CLOUDY produces a set of emission lines that we superimpose onto plots of past data to determine the accuracy of our model. </a:t>
+            </a:r>
+            <a:endParaRPr lang="en-US" sz="3200" dirty="0">
+              <a:latin typeface="Arial" panose="020B0604020202020204" pitchFamily="34" charset="0"/>
+              <a:cs typeface="Arial" panose="020B0604020202020204" pitchFamily="34" charset="0"/>
+            </a:endParaRPr>
           </a:p>
         </p:txBody>
       </p:sp>
@@ -3177,8 +3220,8 @@
         </p:nvSpPr>
         <p:spPr>
           <a:xfrm>
-            <a:off x="1117025" y="7869173"/>
-            <a:ext cx="14339454" cy="15604272"/>
+            <a:off x="1057989" y="6139104"/>
+            <a:ext cx="14339454" cy="18805148"/>
           </a:xfrm>
           <a:prstGeom prst="rect">
             <a:avLst/>
@@ -3204,7 +3247,7 @@
             </a:r>
           </a:p>
           <a:p>
-            <a:pPr marL="342900" indent="-342900">
+            <a:pPr marL="457200" indent="-457200">
               <a:buFont typeface="Arial" panose="020B0604020202020204" pitchFamily="34" charset="0"/>
               <a:buChar char="•"/>
             </a:pPr>
@@ -3213,11 +3256,50 @@
                 <a:latin typeface="Arial" panose="020B0604020202020204" pitchFamily="34" charset="0"/>
                 <a:cs typeface="Arial" panose="020B0604020202020204" pitchFamily="34" charset="0"/>
               </a:rPr>
-              <a:t>Active Galactic Nuclei (AGN) are generally structured according to the width of the emission lines observed in each region.  </a:t>
-            </a:r>
-          </a:p>
-          <a:p>
-            <a:pPr marL="342900" indent="-342900">
+              <a:t>Study of Active Galactic Nuclei (AGN) allows us to understand more fully the processes involved in galactic evolution. </a:t>
+            </a:r>
+          </a:p>
+          <a:p>
+            <a:pPr marL="457200" indent="-457200">
+              <a:buFont typeface="Arial" panose="020B0604020202020204" pitchFamily="34" charset="0"/>
+              <a:buChar char="•"/>
+            </a:pPr>
+            <a:r>
+              <a:rPr lang="en-US" sz="2800" dirty="0">
+                <a:latin typeface="Arial" panose="020B0604020202020204" pitchFamily="34" charset="0"/>
+                <a:cs typeface="Arial" panose="020B0604020202020204" pitchFamily="34" charset="0"/>
+              </a:rPr>
+              <a:t>Many researchers believe that some AGN are formed when two galaxies merge.</a:t>
+            </a:r>
+          </a:p>
+          <a:p>
+            <a:pPr marL="457200" indent="-457200">
+              <a:buFont typeface="Arial" panose="020B0604020202020204" pitchFamily="34" charset="0"/>
+              <a:buChar char="•"/>
+            </a:pPr>
+            <a:r>
+              <a:rPr lang="en-US" sz="2800" dirty="0">
+                <a:latin typeface="Arial" panose="020B0604020202020204" pitchFamily="34" charset="0"/>
+                <a:cs typeface="Arial" panose="020B0604020202020204" pitchFamily="34" charset="0"/>
+              </a:rPr>
+              <a:t>In about 4 billion years the Milky Way galaxy and the Andromeda galaxy will begin merging, studying AGN may tell us what will happen after the merger. </a:t>
+            </a:r>
+          </a:p>
+          <a:p>
+            <a:pPr marL="457200" indent="-457200">
+              <a:buFont typeface="Arial" panose="020B0604020202020204" pitchFamily="34" charset="0"/>
+              <a:buChar char="•"/>
+            </a:pPr>
+            <a:r>
+              <a:rPr lang="en-US" sz="2800" dirty="0">
+                <a:latin typeface="Arial" panose="020B0604020202020204" pitchFamily="34" charset="0"/>
+                <a:cs typeface="Arial" panose="020B0604020202020204" pitchFamily="34" charset="0"/>
+              </a:rPr>
+              <a:t>AGN are generally structured according to the width of the emission lines observed in each region.  </a:t>
+            </a:r>
+          </a:p>
+          <a:p>
+            <a:pPr marL="457200" indent="-457200">
               <a:buFont typeface="Arial" panose="020B0604020202020204" pitchFamily="34" charset="0"/>
               <a:buChar char="•"/>
             </a:pPr>
@@ -3227,177 +3309,157 @@
             </a:endParaRPr>
           </a:p>
           <a:p>
-            <a:pPr marL="342900" indent="-342900">
-              <a:buFont typeface="Arial" panose="020B0604020202020204" pitchFamily="34" charset="0"/>
-              <a:buChar char="•"/>
-            </a:pPr>
-            <a:endParaRPr lang="en-US" sz="2400" dirty="0">
-              <a:latin typeface="Arial" panose="020B0604020202020204" pitchFamily="34" charset="0"/>
-              <a:cs typeface="Arial" panose="020B0604020202020204" pitchFamily="34" charset="0"/>
-            </a:endParaRPr>
-          </a:p>
-          <a:p>
-            <a:pPr marL="342900" indent="-342900">
-              <a:buFont typeface="Arial" panose="020B0604020202020204" pitchFamily="34" charset="0"/>
-              <a:buChar char="•"/>
-            </a:pPr>
-            <a:endParaRPr lang="en-US" sz="2400" dirty="0">
-              <a:latin typeface="Arial" panose="020B0604020202020204" pitchFamily="34" charset="0"/>
-              <a:cs typeface="Arial" panose="020B0604020202020204" pitchFamily="34" charset="0"/>
-            </a:endParaRPr>
-          </a:p>
-          <a:p>
-            <a:pPr marL="342900" indent="-342900">
-              <a:buFont typeface="Arial" panose="020B0604020202020204" pitchFamily="34" charset="0"/>
-              <a:buChar char="•"/>
-            </a:pPr>
-            <a:endParaRPr lang="en-US" sz="2400" dirty="0">
-              <a:latin typeface="Arial" panose="020B0604020202020204" pitchFamily="34" charset="0"/>
-              <a:cs typeface="Arial" panose="020B0604020202020204" pitchFamily="34" charset="0"/>
-            </a:endParaRPr>
-          </a:p>
-          <a:p>
-            <a:pPr marL="342900" indent="-342900">
-              <a:buFont typeface="Arial" panose="020B0604020202020204" pitchFamily="34" charset="0"/>
-              <a:buChar char="•"/>
-            </a:pPr>
-            <a:endParaRPr lang="en-US" sz="2400" dirty="0">
-              <a:latin typeface="Arial" panose="020B0604020202020204" pitchFamily="34" charset="0"/>
-              <a:cs typeface="Arial" panose="020B0604020202020204" pitchFamily="34" charset="0"/>
-            </a:endParaRPr>
-          </a:p>
-          <a:p>
-            <a:pPr marL="342900" indent="-342900">
-              <a:buFont typeface="Arial" panose="020B0604020202020204" pitchFamily="34" charset="0"/>
-              <a:buChar char="•"/>
-            </a:pPr>
-            <a:endParaRPr lang="en-US" sz="2400" dirty="0">
-              <a:latin typeface="Arial" panose="020B0604020202020204" pitchFamily="34" charset="0"/>
-              <a:cs typeface="Arial" panose="020B0604020202020204" pitchFamily="34" charset="0"/>
-            </a:endParaRPr>
-          </a:p>
-          <a:p>
-            <a:pPr marL="342900" indent="-342900">
-              <a:buFont typeface="Arial" panose="020B0604020202020204" pitchFamily="34" charset="0"/>
-              <a:buChar char="•"/>
-            </a:pPr>
-            <a:endParaRPr lang="en-US" sz="2400" dirty="0">
-              <a:latin typeface="Arial" panose="020B0604020202020204" pitchFamily="34" charset="0"/>
-              <a:cs typeface="Arial" panose="020B0604020202020204" pitchFamily="34" charset="0"/>
-            </a:endParaRPr>
-          </a:p>
-          <a:p>
-            <a:pPr marL="342900" indent="-342900">
-              <a:buFont typeface="Arial" panose="020B0604020202020204" pitchFamily="34" charset="0"/>
-              <a:buChar char="•"/>
-            </a:pPr>
-            <a:endParaRPr lang="en-US" sz="2400" dirty="0">
-              <a:latin typeface="Arial" panose="020B0604020202020204" pitchFamily="34" charset="0"/>
-              <a:cs typeface="Arial" panose="020B0604020202020204" pitchFamily="34" charset="0"/>
-            </a:endParaRPr>
-          </a:p>
-          <a:p>
-            <a:pPr marL="342900" indent="-342900">
-              <a:buFont typeface="Arial" panose="020B0604020202020204" pitchFamily="34" charset="0"/>
-              <a:buChar char="•"/>
-            </a:pPr>
-            <a:endParaRPr lang="en-US" sz="2400" dirty="0">
-              <a:latin typeface="Arial" panose="020B0604020202020204" pitchFamily="34" charset="0"/>
-              <a:cs typeface="Arial" panose="020B0604020202020204" pitchFamily="34" charset="0"/>
-            </a:endParaRPr>
-          </a:p>
-          <a:p>
-            <a:pPr marL="342900" indent="-342900">
-              <a:buFont typeface="Arial" panose="020B0604020202020204" pitchFamily="34" charset="0"/>
-              <a:buChar char="•"/>
-            </a:pPr>
-            <a:endParaRPr lang="en-US" sz="2400" dirty="0">
-              <a:latin typeface="Arial" panose="020B0604020202020204" pitchFamily="34" charset="0"/>
-              <a:cs typeface="Arial" panose="020B0604020202020204" pitchFamily="34" charset="0"/>
-            </a:endParaRPr>
-          </a:p>
-          <a:p>
-            <a:pPr marL="342900" indent="-342900">
-              <a:buFont typeface="Arial" panose="020B0604020202020204" pitchFamily="34" charset="0"/>
-              <a:buChar char="•"/>
-            </a:pPr>
-            <a:endParaRPr lang="en-US" sz="2400" dirty="0">
-              <a:latin typeface="Arial" panose="020B0604020202020204" pitchFamily="34" charset="0"/>
-              <a:cs typeface="Arial" panose="020B0604020202020204" pitchFamily="34" charset="0"/>
-            </a:endParaRPr>
-          </a:p>
-          <a:p>
-            <a:pPr marL="342900" indent="-342900">
-              <a:buFont typeface="Arial" panose="020B0604020202020204" pitchFamily="34" charset="0"/>
-              <a:buChar char="•"/>
-            </a:pPr>
-            <a:endParaRPr lang="en-US" sz="2400" dirty="0">
-              <a:latin typeface="Arial" panose="020B0604020202020204" pitchFamily="34" charset="0"/>
-              <a:cs typeface="Arial" panose="020B0604020202020204" pitchFamily="34" charset="0"/>
-            </a:endParaRPr>
-          </a:p>
-          <a:p>
-            <a:pPr marL="342900" indent="-342900">
-              <a:buFont typeface="Arial" panose="020B0604020202020204" pitchFamily="34" charset="0"/>
-              <a:buChar char="•"/>
-            </a:pPr>
-            <a:endParaRPr lang="en-US" sz="2400" dirty="0">
-              <a:latin typeface="Arial" panose="020B0604020202020204" pitchFamily="34" charset="0"/>
-              <a:cs typeface="Arial" panose="020B0604020202020204" pitchFamily="34" charset="0"/>
-            </a:endParaRPr>
-          </a:p>
-          <a:p>
-            <a:pPr marL="342900" indent="-342900">
-              <a:buFont typeface="Arial" panose="020B0604020202020204" pitchFamily="34" charset="0"/>
-              <a:buChar char="•"/>
-            </a:pPr>
-            <a:endParaRPr lang="en-US" sz="2400" dirty="0">
-              <a:latin typeface="Arial" panose="020B0604020202020204" pitchFamily="34" charset="0"/>
-              <a:cs typeface="Arial" panose="020B0604020202020204" pitchFamily="34" charset="0"/>
-            </a:endParaRPr>
-          </a:p>
-          <a:p>
-            <a:pPr marL="342900" indent="-342900">
-              <a:buFont typeface="Arial" panose="020B0604020202020204" pitchFamily="34" charset="0"/>
-              <a:buChar char="•"/>
-            </a:pPr>
-            <a:endParaRPr lang="en-US" sz="2400" dirty="0">
-              <a:latin typeface="Arial" panose="020B0604020202020204" pitchFamily="34" charset="0"/>
-              <a:cs typeface="Arial" panose="020B0604020202020204" pitchFamily="34" charset="0"/>
-            </a:endParaRPr>
-          </a:p>
-          <a:p>
-            <a:pPr marL="342900" indent="-342900">
-              <a:buFont typeface="Arial" panose="020B0604020202020204" pitchFamily="34" charset="0"/>
-              <a:buChar char="•"/>
-            </a:pPr>
-            <a:endParaRPr lang="en-US" sz="2400" dirty="0">
-              <a:latin typeface="Arial" panose="020B0604020202020204" pitchFamily="34" charset="0"/>
-              <a:cs typeface="Arial" panose="020B0604020202020204" pitchFamily="34" charset="0"/>
-            </a:endParaRPr>
-          </a:p>
-          <a:p>
-            <a:pPr marL="342900" indent="-342900">
-              <a:buFont typeface="Arial" panose="020B0604020202020204" pitchFamily="34" charset="0"/>
-              <a:buChar char="•"/>
-            </a:pPr>
-            <a:endParaRPr lang="en-US" sz="2400" dirty="0">
-              <a:latin typeface="Arial" panose="020B0604020202020204" pitchFamily="34" charset="0"/>
-              <a:cs typeface="Arial" panose="020B0604020202020204" pitchFamily="34" charset="0"/>
-            </a:endParaRPr>
-          </a:p>
-          <a:p>
-            <a:pPr marL="342900" indent="-342900">
-              <a:buFont typeface="Arial" panose="020B0604020202020204" pitchFamily="34" charset="0"/>
-              <a:buChar char="•"/>
-            </a:pPr>
-            <a:endParaRPr lang="en-US" sz="2400" dirty="0">
-              <a:latin typeface="Arial" panose="020B0604020202020204" pitchFamily="34" charset="0"/>
-              <a:cs typeface="Arial" panose="020B0604020202020204" pitchFamily="34" charset="0"/>
-            </a:endParaRPr>
-          </a:p>
-          <a:p>
-            <a:pPr marL="342900" indent="-342900">
+            <a:pPr marL="457200" indent="-457200">
+              <a:buFont typeface="Arial" panose="020B0604020202020204" pitchFamily="34" charset="0"/>
+              <a:buChar char="•"/>
+            </a:pPr>
+            <a:endParaRPr lang="en-US" sz="2800" dirty="0">
+              <a:latin typeface="Arial" panose="020B0604020202020204" pitchFamily="34" charset="0"/>
+              <a:cs typeface="Arial" panose="020B0604020202020204" pitchFamily="34" charset="0"/>
+            </a:endParaRPr>
+          </a:p>
+          <a:p>
+            <a:pPr marL="457200" indent="-457200">
+              <a:buFont typeface="Arial" panose="020B0604020202020204" pitchFamily="34" charset="0"/>
+              <a:buChar char="•"/>
+            </a:pPr>
+            <a:endParaRPr lang="en-US" sz="2800" dirty="0">
+              <a:latin typeface="Arial" panose="020B0604020202020204" pitchFamily="34" charset="0"/>
+              <a:cs typeface="Arial" panose="020B0604020202020204" pitchFamily="34" charset="0"/>
+            </a:endParaRPr>
+          </a:p>
+          <a:p>
+            <a:pPr marL="457200" indent="-457200">
+              <a:buFont typeface="Arial" panose="020B0604020202020204" pitchFamily="34" charset="0"/>
+              <a:buChar char="•"/>
+            </a:pPr>
+            <a:endParaRPr lang="en-US" sz="2800" dirty="0">
+              <a:latin typeface="Arial" panose="020B0604020202020204" pitchFamily="34" charset="0"/>
+              <a:cs typeface="Arial" panose="020B0604020202020204" pitchFamily="34" charset="0"/>
+            </a:endParaRPr>
+          </a:p>
+          <a:p>
+            <a:pPr marL="457200" indent="-457200">
+              <a:buFont typeface="Arial" panose="020B0604020202020204" pitchFamily="34" charset="0"/>
+              <a:buChar char="•"/>
+            </a:pPr>
+            <a:endParaRPr lang="en-US" sz="2800" dirty="0">
+              <a:latin typeface="Arial" panose="020B0604020202020204" pitchFamily="34" charset="0"/>
+              <a:cs typeface="Arial" panose="020B0604020202020204" pitchFamily="34" charset="0"/>
+            </a:endParaRPr>
+          </a:p>
+          <a:p>
+            <a:pPr marL="457200" indent="-457200">
+              <a:buFont typeface="Arial" panose="020B0604020202020204" pitchFamily="34" charset="0"/>
+              <a:buChar char="•"/>
+            </a:pPr>
+            <a:endParaRPr lang="en-US" sz="2800" dirty="0">
+              <a:latin typeface="Arial" panose="020B0604020202020204" pitchFamily="34" charset="0"/>
+              <a:cs typeface="Arial" panose="020B0604020202020204" pitchFamily="34" charset="0"/>
+            </a:endParaRPr>
+          </a:p>
+          <a:p>
+            <a:pPr marL="457200" indent="-457200">
+              <a:buFont typeface="Arial" panose="020B0604020202020204" pitchFamily="34" charset="0"/>
+              <a:buChar char="•"/>
+            </a:pPr>
+            <a:endParaRPr lang="en-US" sz="2800" dirty="0">
+              <a:latin typeface="Arial" panose="020B0604020202020204" pitchFamily="34" charset="0"/>
+              <a:cs typeface="Arial" panose="020B0604020202020204" pitchFamily="34" charset="0"/>
+            </a:endParaRPr>
+          </a:p>
+          <a:p>
+            <a:pPr marL="457200" indent="-457200">
+              <a:buFont typeface="Arial" panose="020B0604020202020204" pitchFamily="34" charset="0"/>
+              <a:buChar char="•"/>
+            </a:pPr>
+            <a:endParaRPr lang="en-US" sz="2800" dirty="0">
+              <a:latin typeface="Arial" panose="020B0604020202020204" pitchFamily="34" charset="0"/>
+              <a:cs typeface="Arial" panose="020B0604020202020204" pitchFamily="34" charset="0"/>
+            </a:endParaRPr>
+          </a:p>
+          <a:p>
+            <a:pPr marL="457200" indent="-457200">
+              <a:buFont typeface="Arial" panose="020B0604020202020204" pitchFamily="34" charset="0"/>
+              <a:buChar char="•"/>
+            </a:pPr>
+            <a:endParaRPr lang="en-US" sz="2800" dirty="0">
+              <a:latin typeface="Arial" panose="020B0604020202020204" pitchFamily="34" charset="0"/>
+              <a:cs typeface="Arial" panose="020B0604020202020204" pitchFamily="34" charset="0"/>
+            </a:endParaRPr>
+          </a:p>
+          <a:p>
+            <a:pPr marL="457200" indent="-457200">
+              <a:buFont typeface="Arial" panose="020B0604020202020204" pitchFamily="34" charset="0"/>
+              <a:buChar char="•"/>
+            </a:pPr>
+            <a:endParaRPr lang="en-US" sz="2800" dirty="0">
+              <a:latin typeface="Arial" panose="020B0604020202020204" pitchFamily="34" charset="0"/>
+              <a:cs typeface="Arial" panose="020B0604020202020204" pitchFamily="34" charset="0"/>
+            </a:endParaRPr>
+          </a:p>
+          <a:p>
+            <a:pPr marL="457200" indent="-457200">
+              <a:buFont typeface="Arial" panose="020B0604020202020204" pitchFamily="34" charset="0"/>
+              <a:buChar char="•"/>
+            </a:pPr>
+            <a:endParaRPr lang="en-US" sz="2800" dirty="0">
+              <a:latin typeface="Arial" panose="020B0604020202020204" pitchFamily="34" charset="0"/>
+              <a:cs typeface="Arial" panose="020B0604020202020204" pitchFamily="34" charset="0"/>
+            </a:endParaRPr>
+          </a:p>
+          <a:p>
+            <a:pPr marL="457200" indent="-457200">
+              <a:buFont typeface="Arial" panose="020B0604020202020204" pitchFamily="34" charset="0"/>
+              <a:buChar char="•"/>
+            </a:pPr>
+            <a:endParaRPr lang="en-US" sz="2800" dirty="0">
+              <a:latin typeface="Arial" panose="020B0604020202020204" pitchFamily="34" charset="0"/>
+              <a:cs typeface="Arial" panose="020B0604020202020204" pitchFamily="34" charset="0"/>
+            </a:endParaRPr>
+          </a:p>
+          <a:p>
+            <a:pPr marL="457200" indent="-457200">
+              <a:buFont typeface="Arial" panose="020B0604020202020204" pitchFamily="34" charset="0"/>
+              <a:buChar char="•"/>
+            </a:pPr>
+            <a:endParaRPr lang="en-US" sz="2800" dirty="0">
+              <a:latin typeface="Arial" panose="020B0604020202020204" pitchFamily="34" charset="0"/>
+              <a:cs typeface="Arial" panose="020B0604020202020204" pitchFamily="34" charset="0"/>
+            </a:endParaRPr>
+          </a:p>
+          <a:p>
+            <a:pPr marL="457200" indent="-457200">
+              <a:buFont typeface="Arial" panose="020B0604020202020204" pitchFamily="34" charset="0"/>
+              <a:buChar char="•"/>
+            </a:pPr>
+            <a:endParaRPr lang="en-US" sz="2800" dirty="0">
+              <a:latin typeface="Arial" panose="020B0604020202020204" pitchFamily="34" charset="0"/>
+              <a:cs typeface="Arial" panose="020B0604020202020204" pitchFamily="34" charset="0"/>
+            </a:endParaRPr>
+          </a:p>
+          <a:p>
+            <a:pPr marL="457200" indent="-457200">
+              <a:buFont typeface="Arial" panose="020B0604020202020204" pitchFamily="34" charset="0"/>
+              <a:buChar char="•"/>
+            </a:pPr>
+            <a:endParaRPr lang="en-US" sz="2800" dirty="0">
+              <a:latin typeface="Arial" panose="020B0604020202020204" pitchFamily="34" charset="0"/>
+              <a:cs typeface="Arial" panose="020B0604020202020204" pitchFamily="34" charset="0"/>
+            </a:endParaRPr>
+          </a:p>
+          <a:p>
+            <a:pPr marL="457200" indent="-457200">
+              <a:buFont typeface="Arial" panose="020B0604020202020204" pitchFamily="34" charset="0"/>
+              <a:buChar char="•"/>
+            </a:pPr>
+            <a:endParaRPr lang="en-US" sz="2800" dirty="0">
+              <a:latin typeface="Arial" panose="020B0604020202020204" pitchFamily="34" charset="0"/>
+              <a:cs typeface="Arial" panose="020B0604020202020204" pitchFamily="34" charset="0"/>
+            </a:endParaRPr>
+          </a:p>
+          <a:p>
+            <a:pPr marL="457200" indent="-457200">
               <a:buFont typeface="Arial" panose="020B0604020202020204" pitchFamily="34" charset="0"/>
               <a:buChar char="•"/>
             </a:pPr>
@@ -3406,11 +3468,11 @@
                 <a:latin typeface="Arial" panose="020B0604020202020204" pitchFamily="34" charset="0"/>
                 <a:cs typeface="Arial" panose="020B0604020202020204" pitchFamily="34" charset="0"/>
               </a:rPr>
-              <a:t>Emission lines from the ionization and de-ionization of different elements used to learn about the AGN, through simulations with programs such as CLOUDY and MAPPINGSIII.</a:t>
-            </a:r>
-          </a:p>
-          <a:p>
-            <a:pPr marL="342900" indent="-342900">
+              <a:t>Lots of research on the Broad Line Region (BLR), where there are broad emission lines, but not as much on the Narrow Line Region (NLR), where there are narrow emission lines. </a:t>
+            </a:r>
+          </a:p>
+          <a:p>
+            <a:pPr marL="457200" indent="-457200">
               <a:buFont typeface="Arial" panose="020B0604020202020204" pitchFamily="34" charset="0"/>
               <a:buChar char="•"/>
             </a:pPr>
@@ -3419,6 +3481,19 @@
                 <a:latin typeface="Arial" panose="020B0604020202020204" pitchFamily="34" charset="0"/>
                 <a:cs typeface="Arial" panose="020B0604020202020204" pitchFamily="34" charset="0"/>
               </a:rPr>
+              <a:t>Emission lines from the ionization of different elements used to learn about the AGN, through simulations with programs such as CLOUDY and MAPPINGSIII.</a:t>
+            </a:r>
+          </a:p>
+          <a:p>
+            <a:pPr marL="457200" indent="-457200">
+              <a:buFont typeface="Arial" panose="020B0604020202020204" pitchFamily="34" charset="0"/>
+              <a:buChar char="•"/>
+            </a:pPr>
+            <a:r>
+              <a:rPr lang="en-US" sz="2800" dirty="0">
+                <a:latin typeface="Arial" panose="020B0604020202020204" pitchFamily="34" charset="0"/>
+                <a:cs typeface="Arial" panose="020B0604020202020204" pitchFamily="34" charset="0"/>
+              </a:rPr>
               <a:t>Models of the incident radiation curve from the accretion disk in Cloudy are computed from using the spectral slope indices </a:t>
             </a:r>
             <a:r>
@@ -3433,14 +3508,42 @@
                 <a:latin typeface="Arial" panose="020B0604020202020204" pitchFamily="34" charset="0"/>
                 <a:cs typeface="Arial" panose="020B0604020202020204" pitchFamily="34" charset="0"/>
               </a:rPr>
-              <a:t>x </a:t>
+              <a:t>x</a:t>
             </a:r>
             <a:r>
               <a:rPr lang="en-US" sz="2800" dirty="0">
                 <a:latin typeface="Arial" panose="020B0604020202020204" pitchFamily="34" charset="0"/>
                 <a:cs typeface="Arial" panose="020B0604020202020204" pitchFamily="34" charset="0"/>
               </a:rPr>
-              <a:t>, corresponding to the x-ray spectrum (100 eV- 100,000 eV), </a:t>
+              <a:t>, corresponding to the X-ray spectrum (10</a:t>
+            </a:r>
+            <a:r>
+              <a:rPr lang="en-US" sz="2800" baseline="30000" dirty="0">
+                <a:latin typeface="Arial" panose="020B0604020202020204" pitchFamily="34" charset="0"/>
+                <a:cs typeface="Arial" panose="020B0604020202020204" pitchFamily="34" charset="0"/>
+              </a:rPr>
+              <a:t>2</a:t>
+            </a:r>
+            <a:r>
+              <a:rPr lang="en-US" sz="2800" dirty="0">
+                <a:latin typeface="Arial" panose="020B0604020202020204" pitchFamily="34" charset="0"/>
+                <a:cs typeface="Arial" panose="020B0604020202020204" pitchFamily="34" charset="0"/>
+              </a:rPr>
+              <a:t> eV- 10</a:t>
+            </a:r>
+            <a:r>
+              <a:rPr lang="en-US" sz="2800" baseline="30000" dirty="0">
+                <a:latin typeface="Arial" panose="020B0604020202020204" pitchFamily="34" charset="0"/>
+                <a:cs typeface="Arial" panose="020B0604020202020204" pitchFamily="34" charset="0"/>
+              </a:rPr>
+              <a:t>5</a:t>
+            </a:r>
+            <a:r>
+              <a:rPr lang="en-US" sz="2800" dirty="0">
+                <a:latin typeface="Arial" panose="020B0604020202020204" pitchFamily="34" charset="0"/>
+                <a:cs typeface="Arial" panose="020B0604020202020204" pitchFamily="34" charset="0"/>
+              </a:rPr>
+              <a:t> eV), </a:t>
             </a:r>
             <a:r>
               <a:rPr lang="el-GR" sz="2800" dirty="0">
@@ -3461,20 +3564,89 @@
                 <a:latin typeface="Arial" panose="020B0604020202020204" pitchFamily="34" charset="0"/>
                 <a:cs typeface="Arial" panose="020B0604020202020204" pitchFamily="34" charset="0"/>
               </a:rPr>
-              <a:t>, corresponding to the ultraviolet spectrum (10 eV-100 eV</a:t>
+              <a:t> corresponding to the ultraviolet spectrum (10</a:t>
             </a:r>
             <a:r>
               <a:rPr lang="en-US" sz="2800" baseline="30000" dirty="0">
                 <a:latin typeface="Arial" panose="020B0604020202020204" pitchFamily="34" charset="0"/>
                 <a:cs typeface="Arial" panose="020B0604020202020204" pitchFamily="34" charset="0"/>
               </a:rPr>
-              <a:t>)3,</a:t>
+              <a:t>1</a:t>
             </a:r>
             <a:r>
               <a:rPr lang="en-US" sz="2800" dirty="0">
                 <a:latin typeface="Arial" panose="020B0604020202020204" pitchFamily="34" charset="0"/>
                 <a:cs typeface="Arial" panose="020B0604020202020204" pitchFamily="34" charset="0"/>
               </a:rPr>
+              <a:t> eV-10</a:t>
+            </a:r>
+            <a:r>
+              <a:rPr lang="en-US" sz="2800" baseline="30000" dirty="0">
+                <a:latin typeface="Arial" panose="020B0604020202020204" pitchFamily="34" charset="0"/>
+                <a:cs typeface="Arial" panose="020B0604020202020204" pitchFamily="34" charset="0"/>
+              </a:rPr>
+              <a:t>2</a:t>
+            </a:r>
+            <a:r>
+              <a:rPr lang="en-US" sz="2800" dirty="0">
+                <a:latin typeface="Arial" panose="020B0604020202020204" pitchFamily="34" charset="0"/>
+                <a:cs typeface="Arial" panose="020B0604020202020204" pitchFamily="34" charset="0"/>
+              </a:rPr>
+              <a:t> eV), and </a:t>
+            </a:r>
+            <a:r>
+              <a:rPr lang="el-GR" sz="2800" dirty="0">
+                <a:latin typeface="Arial" panose="020B0604020202020204" pitchFamily="34" charset="0"/>
+                <a:cs typeface="Arial" panose="020B0604020202020204" pitchFamily="34" charset="0"/>
+              </a:rPr>
+              <a:t>α</a:t>
+            </a:r>
+            <a:r>
+              <a:rPr lang="en-US" sz="2800" baseline="-25000" dirty="0">
+                <a:latin typeface="Arial" panose="020B0604020202020204" pitchFamily="34" charset="0"/>
+                <a:cs typeface="Arial" panose="020B0604020202020204" pitchFamily="34" charset="0"/>
+              </a:rPr>
+              <a:t>ox</a:t>
+            </a:r>
+            <a:r>
+              <a:rPr lang="en-US" sz="2800" dirty="0">
+                <a:latin typeface="Arial" panose="020B0604020202020204" pitchFamily="34" charset="0"/>
+                <a:cs typeface="Arial" panose="020B0604020202020204" pitchFamily="34" charset="0"/>
+              </a:rPr>
+              <a:t> is the ratio of x-rays to optical light.</a:t>
+            </a:r>
+          </a:p>
+          <a:p>
+            <a:pPr marL="457200" indent="-457200">
+              <a:buFont typeface="Arial" panose="020B0604020202020204" pitchFamily="34" charset="0"/>
+              <a:buChar char="•"/>
+            </a:pPr>
+            <a:r>
+              <a:rPr lang="en-US" sz="2800" dirty="0">
+                <a:latin typeface="Arial" panose="020B0604020202020204" pitchFamily="34" charset="0"/>
+                <a:cs typeface="Arial" panose="020B0604020202020204" pitchFamily="34" charset="0"/>
+              </a:rPr>
+              <a:t>Research has shown that a correlation exists between </a:t>
+            </a:r>
+            <a:r>
+              <a:rPr lang="el-GR" sz="2800" dirty="0">
+                <a:latin typeface="Arial" panose="020B0604020202020204" pitchFamily="34" charset="0"/>
+                <a:cs typeface="Arial" panose="020B0604020202020204" pitchFamily="34" charset="0"/>
+              </a:rPr>
+              <a:t>α</a:t>
+            </a:r>
+            <a:r>
+              <a:rPr lang="en-US" sz="2800" baseline="-25000" dirty="0">
+                <a:latin typeface="Arial" panose="020B0604020202020204" pitchFamily="34" charset="0"/>
+                <a:cs typeface="Arial" panose="020B0604020202020204" pitchFamily="34" charset="0"/>
+              </a:rPr>
+              <a:t>x</a:t>
+            </a:r>
+            <a:r>
+              <a:rPr lang="en-US" sz="2800" dirty="0">
+                <a:latin typeface="Arial" panose="020B0604020202020204" pitchFamily="34" charset="0"/>
+                <a:cs typeface="Arial" panose="020B0604020202020204" pitchFamily="34" charset="0"/>
+              </a:rPr>
               <a:t> and </a:t>
             </a:r>
             <a:r>
@@ -3485,153 +3657,84 @@
               <a:t>α</a:t>
             </a:r>
             <a:r>
+              <a:rPr lang="en-US" sz="2800" baseline="-25000" dirty="0" err="1">
+                <a:latin typeface="Arial" panose="020B0604020202020204" pitchFamily="34" charset="0"/>
+                <a:cs typeface="Arial" panose="020B0604020202020204" pitchFamily="34" charset="0"/>
+              </a:rPr>
+              <a:t>uv</a:t>
+            </a:r>
+            <a:r>
+              <a:rPr lang="en-US" sz="2800" dirty="0">
+                <a:latin typeface="Arial" panose="020B0604020202020204" pitchFamily="34" charset="0"/>
+                <a:cs typeface="Arial" panose="020B0604020202020204" pitchFamily="34" charset="0"/>
+              </a:rPr>
+              <a:t> and between </a:t>
+            </a:r>
+            <a:r>
+              <a:rPr lang="el-GR" sz="2800" dirty="0">
+                <a:latin typeface="Arial" panose="020B0604020202020204" pitchFamily="34" charset="0"/>
+                <a:cs typeface="Arial" panose="020B0604020202020204" pitchFamily="34" charset="0"/>
+              </a:rPr>
+              <a:t>α</a:t>
+            </a:r>
+            <a:r>
               <a:rPr lang="en-US" sz="2800" baseline="-25000" dirty="0">
                 <a:latin typeface="Arial" panose="020B0604020202020204" pitchFamily="34" charset="0"/>
                 <a:cs typeface="Arial" panose="020B0604020202020204" pitchFamily="34" charset="0"/>
               </a:rPr>
-              <a:t>ox </a:t>
+              <a:t>x</a:t>
             </a:r>
             <a:r>
               <a:rPr lang="en-US" sz="2800" dirty="0">
                 <a:latin typeface="Arial" panose="020B0604020202020204" pitchFamily="34" charset="0"/>
                 <a:cs typeface="Arial" panose="020B0604020202020204" pitchFamily="34" charset="0"/>
               </a:rPr>
-              <a:t> is the ratio of x-rays to optical light.</a:t>
-            </a:r>
-          </a:p>
-          <a:p>
-            <a:pPr marL="342900" indent="-342900">
-              <a:buFont typeface="Arial" panose="020B0604020202020204" pitchFamily="34" charset="0"/>
-              <a:buChar char="•"/>
-            </a:pPr>
+              <a:t> and </a:t>
+            </a:r>
+            <a:r>
+              <a:rPr lang="el-GR" sz="2800" dirty="0">
+                <a:latin typeface="Arial" panose="020B0604020202020204" pitchFamily="34" charset="0"/>
+                <a:cs typeface="Arial" panose="020B0604020202020204" pitchFamily="34" charset="0"/>
+              </a:rPr>
+              <a:t>α</a:t>
+            </a:r>
+            <a:r>
+              <a:rPr lang="en-US" sz="2800" baseline="-25000" dirty="0">
+                <a:latin typeface="Arial" panose="020B0604020202020204" pitchFamily="34" charset="0"/>
+                <a:cs typeface="Arial" panose="020B0604020202020204" pitchFamily="34" charset="0"/>
+              </a:rPr>
+              <a:t>ox</a:t>
+            </a:r>
+            <a:r>
+              <a:rPr lang="en-US" sz="2800" baseline="30000" dirty="0">
+                <a:latin typeface="Arial" panose="020B0604020202020204" pitchFamily="34" charset="0"/>
+                <a:cs typeface="Arial" panose="020B0604020202020204" pitchFamily="34" charset="0"/>
+              </a:rPr>
+              <a:t>.</a:t>
+            </a:r>
             <a:r>
               <a:rPr lang="en-US" sz="2800" dirty="0">
                 <a:latin typeface="Arial" panose="020B0604020202020204" pitchFamily="34" charset="0"/>
                 <a:cs typeface="Arial" panose="020B0604020202020204" pitchFamily="34" charset="0"/>
               </a:rPr>
-              <a:t>Research has shown that a correlation exists between </a:t>
-            </a:r>
-            <a:r>
-              <a:rPr lang="el-GR" sz="2800" dirty="0">
-                <a:latin typeface="Arial" panose="020B0604020202020204" pitchFamily="34" charset="0"/>
-                <a:cs typeface="Arial" panose="020B0604020202020204" pitchFamily="34" charset="0"/>
-              </a:rPr>
-              <a:t>α</a:t>
-            </a:r>
-            <a:r>
-              <a:rPr lang="en-US" sz="2800" baseline="-25000" dirty="0">
-                <a:latin typeface="Arial" panose="020B0604020202020204" pitchFamily="34" charset="0"/>
-                <a:cs typeface="Arial" panose="020B0604020202020204" pitchFamily="34" charset="0"/>
-              </a:rPr>
-              <a:t>x</a:t>
-            </a:r>
+              <a:t> </a:t>
+            </a:r>
+          </a:p>
+          <a:p>
+            <a:pPr marL="457200" indent="-457200">
+              <a:buFont typeface="Arial" panose="020B0604020202020204" pitchFamily="34" charset="0"/>
+              <a:buChar char="•"/>
+            </a:pPr>
             <a:r>
               <a:rPr lang="en-US" sz="2800" dirty="0">
                 <a:latin typeface="Arial" panose="020B0604020202020204" pitchFamily="34" charset="0"/>
                 <a:cs typeface="Arial" panose="020B0604020202020204" pitchFamily="34" charset="0"/>
               </a:rPr>
-              <a:t> and </a:t>
-            </a:r>
-            <a:r>
-              <a:rPr lang="el-GR" sz="2800" dirty="0">
-                <a:latin typeface="Arial" panose="020B0604020202020204" pitchFamily="34" charset="0"/>
-                <a:cs typeface="Arial" panose="020B0604020202020204" pitchFamily="34" charset="0"/>
-              </a:rPr>
-              <a:t>α</a:t>
-            </a:r>
-            <a:r>
-              <a:rPr lang="en-US" sz="2800" baseline="-25000" dirty="0" err="1">
-                <a:latin typeface="Arial" panose="020B0604020202020204" pitchFamily="34" charset="0"/>
-                <a:cs typeface="Arial" panose="020B0604020202020204" pitchFamily="34" charset="0"/>
-              </a:rPr>
-              <a:t>uv</a:t>
-            </a:r>
-            <a:r>
-              <a:rPr lang="en-US" sz="2800" baseline="-25000" dirty="0">
-                <a:latin typeface="Arial" panose="020B0604020202020204" pitchFamily="34" charset="0"/>
-                <a:cs typeface="Arial" panose="020B0604020202020204" pitchFamily="34" charset="0"/>
-              </a:rPr>
-              <a:t> </a:t>
-            </a:r>
-            <a:r>
-              <a:rPr lang="en-US" sz="2800" dirty="0">
-                <a:latin typeface="Arial" panose="020B0604020202020204" pitchFamily="34" charset="0"/>
-                <a:cs typeface="Arial" panose="020B0604020202020204" pitchFamily="34" charset="0"/>
-              </a:rPr>
-              <a:t> and between </a:t>
-            </a:r>
-            <a:r>
-              <a:rPr lang="el-GR" sz="2800" dirty="0">
-                <a:latin typeface="Arial" panose="020B0604020202020204" pitchFamily="34" charset="0"/>
-                <a:cs typeface="Arial" panose="020B0604020202020204" pitchFamily="34" charset="0"/>
-              </a:rPr>
-              <a:t>α</a:t>
-            </a:r>
-            <a:r>
-              <a:rPr lang="en-US" sz="2800" baseline="-25000" dirty="0">
-                <a:latin typeface="Arial" panose="020B0604020202020204" pitchFamily="34" charset="0"/>
-                <a:cs typeface="Arial" panose="020B0604020202020204" pitchFamily="34" charset="0"/>
-              </a:rPr>
-              <a:t>x</a:t>
-            </a:r>
-            <a:r>
-              <a:rPr lang="en-US" sz="2800" dirty="0">
-                <a:latin typeface="Arial" panose="020B0604020202020204" pitchFamily="34" charset="0"/>
-                <a:cs typeface="Arial" panose="020B0604020202020204" pitchFamily="34" charset="0"/>
-              </a:rPr>
-              <a:t> and </a:t>
-            </a:r>
-            <a:r>
-              <a:rPr lang="el-GR" sz="2800" dirty="0">
-                <a:latin typeface="Arial" panose="020B0604020202020204" pitchFamily="34" charset="0"/>
-                <a:cs typeface="Arial" panose="020B0604020202020204" pitchFamily="34" charset="0"/>
-              </a:rPr>
-              <a:t>α</a:t>
-            </a:r>
-            <a:r>
-              <a:rPr lang="en-US" sz="2800" baseline="-25000" dirty="0">
-                <a:latin typeface="Arial" panose="020B0604020202020204" pitchFamily="34" charset="0"/>
-                <a:cs typeface="Arial" panose="020B0604020202020204" pitchFamily="34" charset="0"/>
-              </a:rPr>
-              <a:t>ox</a:t>
-            </a:r>
-            <a:r>
-              <a:rPr lang="en-US" sz="2800" baseline="30000" dirty="0">
-                <a:latin typeface="Arial" panose="020B0604020202020204" pitchFamily="34" charset="0"/>
-                <a:cs typeface="Arial" panose="020B0604020202020204" pitchFamily="34" charset="0"/>
-              </a:rPr>
-              <a:t>2</a:t>
-            </a:r>
-            <a:r>
-              <a:rPr lang="en-US" sz="2800" baseline="-25000" dirty="0">
-                <a:latin typeface="Arial" panose="020B0604020202020204" pitchFamily="34" charset="0"/>
-                <a:cs typeface="Arial" panose="020B0604020202020204" pitchFamily="34" charset="0"/>
-              </a:rPr>
-              <a:t>.</a:t>
-            </a:r>
-            <a:r>
-              <a:rPr lang="en-US" sz="2800" dirty="0">
-                <a:latin typeface="Arial" panose="020B0604020202020204" pitchFamily="34" charset="0"/>
-                <a:cs typeface="Arial" panose="020B0604020202020204" pitchFamily="34" charset="0"/>
-              </a:rPr>
-              <a:t> </a:t>
-            </a:r>
-          </a:p>
-          <a:p>
-            <a:pPr marL="342900" indent="-342900">
-              <a:buFont typeface="Arial" panose="020B0604020202020204" pitchFamily="34" charset="0"/>
-              <a:buChar char="•"/>
-            </a:pPr>
-            <a:r>
-              <a:rPr lang="en-US" sz="2800" dirty="0">
-                <a:latin typeface="Arial" panose="020B0604020202020204" pitchFamily="34" charset="0"/>
-                <a:cs typeface="Arial" panose="020B0604020202020204" pitchFamily="34" charset="0"/>
-              </a:rPr>
               <a:t>This leads to the question:</a:t>
             </a:r>
           </a:p>
           <a:p>
-            <a:pPr marL="342900" indent="-342900">
+            <a:pPr marL="457200" indent="-457200">
               <a:buFont typeface="Arial" panose="020B0604020202020204" pitchFamily="34" charset="0"/>
               <a:buChar char="•"/>
             </a:pPr>
@@ -3647,7 +3750,7 @@
                 <a:latin typeface="Arial" panose="020B0604020202020204" pitchFamily="34" charset="0"/>
                 <a:cs typeface="Arial" panose="020B0604020202020204" pitchFamily="34" charset="0"/>
               </a:rPr>
-              <a:t>How does constraining the spectral indices with regression models of past data affect simulations of the Spectral Energy Distribution (SED) across the AGN sequence?</a:t>
+              <a:t>How does constraining the spectral indices with regression models of past data affect simulations of the Spectral Energy Distribution (SED) of the Narrow Line Region of an Active Galactic Nuclei?</a:t>
             </a:r>
           </a:p>
           <a:p>
@@ -3704,7 +3807,7 @@
         </p:blipFill>
         <p:spPr>
           <a:xfrm>
-            <a:off x="16528759" y="9179432"/>
+            <a:off x="17160789" y="9061738"/>
             <a:ext cx="12970031" cy="9343904"/>
           </a:xfrm>
           <a:prstGeom prst="rect">
@@ -3720,8 +3823,8 @@
         </p:nvSpPr>
         <p:spPr>
           <a:xfrm>
-            <a:off x="17166648" y="7779214"/>
-            <a:ext cx="12352195" cy="13142059"/>
+            <a:off x="16943469" y="7064911"/>
+            <a:ext cx="13033818" cy="15296495"/>
           </a:xfrm>
           <a:prstGeom prst="rect">
             <a:avLst/>
@@ -3757,7 +3860,21 @@
                 <a:latin typeface="Arial" panose="020B0604020202020204" pitchFamily="34" charset="0"/>
                 <a:cs typeface="Arial" panose="020B0604020202020204" pitchFamily="34" charset="0"/>
               </a:rPr>
-              <a:t> determined from ()</a:t>
+              <a:t> is set to 10</a:t>
+            </a:r>
+            <a:r>
+              <a:rPr lang="en-US" sz="2800" baseline="30000" dirty="0">
+                <a:latin typeface="Arial" panose="020B0604020202020204" pitchFamily="34" charset="0"/>
+                <a:cs typeface="Arial" panose="020B0604020202020204" pitchFamily="34" charset="0"/>
+              </a:rPr>
+              <a:t>6</a:t>
+            </a:r>
+            <a:r>
+              <a:rPr lang="en-US" sz="2800" dirty="0">
+                <a:latin typeface="Arial" panose="020B0604020202020204" pitchFamily="34" charset="0"/>
+                <a:cs typeface="Arial" panose="020B0604020202020204" pitchFamily="34" charset="0"/>
+              </a:rPr>
+              <a:t> K</a:t>
             </a:r>
           </a:p>
           <a:p>
@@ -3770,7 +3887,304 @@
                 <a:latin typeface="Arial" panose="020B0604020202020204" pitchFamily="34" charset="0"/>
                 <a:cs typeface="Arial" panose="020B0604020202020204" pitchFamily="34" charset="0"/>
               </a:rPr>
-              <a:t>Incident radiation curve given by</a:t>
+              <a:t>Incident radiation curve is calculated:</a:t>
+            </a:r>
+          </a:p>
+          <a:p>
+            <a:pPr marL="571500" indent="-571500">
+              <a:buFont typeface="Arial" panose="020B0604020202020204" pitchFamily="34" charset="0"/>
+              <a:buChar char="•"/>
+            </a:pPr>
+            <a:endParaRPr lang="en-US" sz="2800" dirty="0">
+              <a:latin typeface="Arial" panose="020B0604020202020204" pitchFamily="34" charset="0"/>
+              <a:cs typeface="Arial" panose="020B0604020202020204" pitchFamily="34" charset="0"/>
+            </a:endParaRPr>
+          </a:p>
+          <a:p>
+            <a:endParaRPr lang="en-US" sz="2800" dirty="0">
+              <a:latin typeface="Arial" panose="020B0604020202020204" pitchFamily="34" charset="0"/>
+              <a:cs typeface="Arial" panose="020B0604020202020204" pitchFamily="34" charset="0"/>
+            </a:endParaRPr>
+          </a:p>
+          <a:p>
+            <a:pPr marL="571500" indent="-571500">
+              <a:buFont typeface="Arial" panose="020B0604020202020204" pitchFamily="34" charset="0"/>
+              <a:buChar char="•"/>
+            </a:pPr>
+            <a:endParaRPr lang="en-US" sz="2800" dirty="0">
+              <a:latin typeface="Arial" panose="020B0604020202020204" pitchFamily="34" charset="0"/>
+              <a:cs typeface="Arial" panose="020B0604020202020204" pitchFamily="34" charset="0"/>
+            </a:endParaRPr>
+          </a:p>
+          <a:p>
+            <a:pPr marL="571500" indent="-571500">
+              <a:buFont typeface="Arial" panose="020B0604020202020204" pitchFamily="34" charset="0"/>
+              <a:buChar char="•"/>
+            </a:pPr>
+            <a:endParaRPr lang="en-US" sz="2800" dirty="0">
+              <a:latin typeface="Arial" panose="020B0604020202020204" pitchFamily="34" charset="0"/>
+              <a:cs typeface="Arial" panose="020B0604020202020204" pitchFamily="34" charset="0"/>
+            </a:endParaRPr>
+          </a:p>
+          <a:p>
+            <a:pPr marL="571500" indent="-571500">
+              <a:buFont typeface="Arial" panose="020B0604020202020204" pitchFamily="34" charset="0"/>
+              <a:buChar char="•"/>
+            </a:pPr>
+            <a:endParaRPr lang="en-US" sz="2800" dirty="0">
+              <a:latin typeface="Arial" panose="020B0604020202020204" pitchFamily="34" charset="0"/>
+              <a:cs typeface="Arial" panose="020B0604020202020204" pitchFamily="34" charset="0"/>
+            </a:endParaRPr>
+          </a:p>
+          <a:p>
+            <a:pPr marL="571500" indent="-571500">
+              <a:buFont typeface="Arial" panose="020B0604020202020204" pitchFamily="34" charset="0"/>
+              <a:buChar char="•"/>
+            </a:pPr>
+            <a:endParaRPr lang="en-US" sz="2800" dirty="0">
+              <a:latin typeface="Arial" panose="020B0604020202020204" pitchFamily="34" charset="0"/>
+              <a:cs typeface="Arial" panose="020B0604020202020204" pitchFamily="34" charset="0"/>
+            </a:endParaRPr>
+          </a:p>
+          <a:p>
+            <a:pPr marL="571500" indent="-571500">
+              <a:buFont typeface="Arial" panose="020B0604020202020204" pitchFamily="34" charset="0"/>
+              <a:buChar char="•"/>
+            </a:pPr>
+            <a:endParaRPr lang="en-US" sz="2800" b="1" dirty="0">
+              <a:latin typeface="Arial" panose="020B0604020202020204" pitchFamily="34" charset="0"/>
+              <a:cs typeface="Arial" panose="020B0604020202020204" pitchFamily="34" charset="0"/>
+            </a:endParaRPr>
+          </a:p>
+          <a:p>
+            <a:pPr marL="571500" indent="-571500">
+              <a:buFont typeface="Arial" panose="020B0604020202020204" pitchFamily="34" charset="0"/>
+              <a:buChar char="•"/>
+            </a:pPr>
+            <a:endParaRPr lang="en-US" sz="2800" dirty="0">
+              <a:latin typeface="Arial" panose="020B0604020202020204" pitchFamily="34" charset="0"/>
+              <a:cs typeface="Arial" panose="020B0604020202020204" pitchFamily="34" charset="0"/>
+            </a:endParaRPr>
+          </a:p>
+          <a:p>
+            <a:pPr marL="571500" indent="-571500">
+              <a:buFont typeface="Arial" panose="020B0604020202020204" pitchFamily="34" charset="0"/>
+              <a:buChar char="•"/>
+            </a:pPr>
+            <a:endParaRPr lang="en-US" sz="2800" dirty="0">
+              <a:latin typeface="Arial" panose="020B0604020202020204" pitchFamily="34" charset="0"/>
+              <a:cs typeface="Arial" panose="020B0604020202020204" pitchFamily="34" charset="0"/>
+            </a:endParaRPr>
+          </a:p>
+          <a:p>
+            <a:pPr marL="571500" indent="-571500">
+              <a:buFont typeface="Arial" panose="020B0604020202020204" pitchFamily="34" charset="0"/>
+              <a:buChar char="•"/>
+            </a:pPr>
+            <a:endParaRPr lang="en-US" sz="2800" dirty="0">
+              <a:latin typeface="Arial" panose="020B0604020202020204" pitchFamily="34" charset="0"/>
+              <a:cs typeface="Arial" panose="020B0604020202020204" pitchFamily="34" charset="0"/>
+            </a:endParaRPr>
+          </a:p>
+          <a:p>
+            <a:pPr marL="571500" indent="-571500">
+              <a:buFont typeface="Arial" panose="020B0604020202020204" pitchFamily="34" charset="0"/>
+              <a:buChar char="•"/>
+            </a:pPr>
+            <a:endParaRPr lang="en-US" sz="2800" dirty="0">
+              <a:latin typeface="Arial" panose="020B0604020202020204" pitchFamily="34" charset="0"/>
+              <a:cs typeface="Arial" panose="020B0604020202020204" pitchFamily="34" charset="0"/>
+            </a:endParaRPr>
+          </a:p>
+          <a:p>
+            <a:pPr marL="571500" indent="-571500">
+              <a:buFont typeface="Arial" panose="020B0604020202020204" pitchFamily="34" charset="0"/>
+              <a:buChar char="•"/>
+            </a:pPr>
+            <a:endParaRPr lang="en-US" sz="2800" dirty="0">
+              <a:latin typeface="Arial" panose="020B0604020202020204" pitchFamily="34" charset="0"/>
+              <a:cs typeface="Arial" panose="020B0604020202020204" pitchFamily="34" charset="0"/>
+            </a:endParaRPr>
+          </a:p>
+          <a:p>
+            <a:pPr marL="571500" indent="-571500">
+              <a:buFont typeface="Arial" panose="020B0604020202020204" pitchFamily="34" charset="0"/>
+              <a:buChar char="•"/>
+            </a:pPr>
+            <a:endParaRPr lang="en-US" sz="2800" dirty="0">
+              <a:latin typeface="Arial" panose="020B0604020202020204" pitchFamily="34" charset="0"/>
+              <a:cs typeface="Arial" panose="020B0604020202020204" pitchFamily="34" charset="0"/>
+            </a:endParaRPr>
+          </a:p>
+          <a:p>
+            <a:pPr marL="571500" indent="-571500">
+              <a:buFont typeface="Arial" panose="020B0604020202020204" pitchFamily="34" charset="0"/>
+              <a:buChar char="•"/>
+            </a:pPr>
+            <a:endParaRPr lang="en-US" sz="2800" dirty="0">
+              <a:latin typeface="Arial" panose="020B0604020202020204" pitchFamily="34" charset="0"/>
+              <a:cs typeface="Arial" panose="020B0604020202020204" pitchFamily="34" charset="0"/>
+            </a:endParaRPr>
+          </a:p>
+          <a:p>
+            <a:pPr marL="571500" indent="-571500">
+              <a:buFont typeface="Arial" panose="020B0604020202020204" pitchFamily="34" charset="0"/>
+              <a:buChar char="•"/>
+            </a:pPr>
+            <a:endParaRPr lang="en-US" sz="2800" dirty="0">
+              <a:latin typeface="Arial" panose="020B0604020202020204" pitchFamily="34" charset="0"/>
+              <a:cs typeface="Arial" panose="020B0604020202020204" pitchFamily="34" charset="0"/>
+            </a:endParaRPr>
+          </a:p>
+          <a:p>
+            <a:pPr marL="571500" indent="-571500">
+              <a:buFont typeface="Arial" panose="020B0604020202020204" pitchFamily="34" charset="0"/>
+              <a:buChar char="•"/>
+            </a:pPr>
+            <a:endParaRPr lang="en-US" sz="2800" dirty="0">
+              <a:latin typeface="Arial" panose="020B0604020202020204" pitchFamily="34" charset="0"/>
+              <a:cs typeface="Arial" panose="020B0604020202020204" pitchFamily="34" charset="0"/>
+            </a:endParaRPr>
+          </a:p>
+          <a:p>
+            <a:pPr marL="571500" indent="-571500">
+              <a:buFont typeface="Arial" panose="020B0604020202020204" pitchFamily="34" charset="0"/>
+              <a:buChar char="•"/>
+            </a:pPr>
+            <a:endParaRPr lang="en-US" sz="2800" dirty="0">
+              <a:latin typeface="Arial" panose="020B0604020202020204" pitchFamily="34" charset="0"/>
+              <a:cs typeface="Arial" panose="020B0604020202020204" pitchFamily="34" charset="0"/>
+            </a:endParaRPr>
+          </a:p>
+          <a:p>
+            <a:pPr marL="571500" indent="-571500">
+              <a:buFont typeface="Arial" panose="020B0604020202020204" pitchFamily="34" charset="0"/>
+              <a:buChar char="•"/>
+            </a:pPr>
+            <a:endParaRPr lang="en-US" sz="2800" dirty="0">
+              <a:latin typeface="Arial" panose="020B0604020202020204" pitchFamily="34" charset="0"/>
+              <a:cs typeface="Arial" panose="020B0604020202020204" pitchFamily="34" charset="0"/>
+            </a:endParaRPr>
+          </a:p>
+          <a:p>
+            <a:pPr marL="571500" indent="-571500">
+              <a:buFont typeface="Arial" panose="020B0604020202020204" pitchFamily="34" charset="0"/>
+              <a:buChar char="•"/>
+            </a:pPr>
+            <a:endParaRPr lang="en-US" sz="2800" dirty="0">
+              <a:latin typeface="Arial" panose="020B0604020202020204" pitchFamily="34" charset="0"/>
+              <a:cs typeface="Arial" panose="020B0604020202020204" pitchFamily="34" charset="0"/>
+            </a:endParaRPr>
+          </a:p>
+          <a:p>
+            <a:pPr marL="571500" indent="-571500">
+              <a:buFont typeface="Arial" panose="020B0604020202020204" pitchFamily="34" charset="0"/>
+              <a:buChar char="•"/>
+            </a:pPr>
+            <a:endParaRPr lang="en-US" sz="2800" dirty="0">
+              <a:latin typeface="Arial" panose="020B0604020202020204" pitchFamily="34" charset="0"/>
+              <a:cs typeface="Arial" panose="020B0604020202020204" pitchFamily="34" charset="0"/>
+            </a:endParaRPr>
+          </a:p>
+          <a:p>
+            <a:pPr marL="571500" indent="-571500">
+              <a:buFont typeface="Arial" panose="020B0604020202020204" pitchFamily="34" charset="0"/>
+              <a:buChar char="•"/>
+            </a:pPr>
+            <a:endParaRPr lang="en-US" sz="2800" dirty="0">
+              <a:latin typeface="Arial" panose="020B0604020202020204" pitchFamily="34" charset="0"/>
+              <a:cs typeface="Arial" panose="020B0604020202020204" pitchFamily="34" charset="0"/>
+            </a:endParaRPr>
+          </a:p>
+          <a:p>
+            <a:pPr marL="571500" indent="-571500">
+              <a:buFont typeface="Arial" panose="020B0604020202020204" pitchFamily="34" charset="0"/>
+              <a:buChar char="•"/>
+            </a:pPr>
+            <a:endParaRPr lang="en-US" sz="2800" dirty="0">
+              <a:latin typeface="Arial" panose="020B0604020202020204" pitchFamily="34" charset="0"/>
+              <a:cs typeface="Arial" panose="020B0604020202020204" pitchFamily="34" charset="0"/>
+            </a:endParaRPr>
+          </a:p>
+          <a:p>
+            <a:pPr marL="571500" indent="-571500">
+              <a:buFont typeface="Arial" panose="020B0604020202020204" pitchFamily="34" charset="0"/>
+              <a:buChar char="•"/>
+            </a:pPr>
+            <a:endParaRPr lang="en-US" sz="2800" dirty="0">
+              <a:latin typeface="Arial" panose="020B0604020202020204" pitchFamily="34" charset="0"/>
+              <a:cs typeface="Arial" panose="020B0604020202020204" pitchFamily="34" charset="0"/>
+            </a:endParaRPr>
+          </a:p>
+          <a:p>
+            <a:endParaRPr lang="en-US" sz="2800" dirty="0">
+              <a:latin typeface="Arial" panose="020B0604020202020204" pitchFamily="34" charset="0"/>
+              <a:cs typeface="Arial" panose="020B0604020202020204" pitchFamily="34" charset="0"/>
+            </a:endParaRPr>
+          </a:p>
+          <a:p>
+            <a:pPr marL="571500" indent="-571500">
+              <a:buFont typeface="Arial" panose="020B0604020202020204" pitchFamily="34" charset="0"/>
+              <a:buChar char="•"/>
+            </a:pPr>
+            <a:endParaRPr lang="en-US" sz="2800" dirty="0">
+              <a:latin typeface="Arial" panose="020B0604020202020204" pitchFamily="34" charset="0"/>
+              <a:cs typeface="Arial" panose="020B0604020202020204" pitchFamily="34" charset="0"/>
+            </a:endParaRPr>
+          </a:p>
+          <a:p>
+            <a:pPr marL="571500" indent="-571500">
+              <a:buFont typeface="Arial" panose="020B0604020202020204" pitchFamily="34" charset="0"/>
+              <a:buChar char="•"/>
+            </a:pPr>
+            <a:r>
+              <a:rPr lang="en-US" sz="2800" dirty="0">
+                <a:latin typeface="Arial" panose="020B0604020202020204" pitchFamily="34" charset="0"/>
+                <a:cs typeface="Arial" panose="020B0604020202020204" pitchFamily="34" charset="0"/>
+              </a:rPr>
+              <a:t>We supply the blackbody temperature T</a:t>
+            </a:r>
+            <a:r>
+              <a:rPr lang="en-US" sz="2800" baseline="-25000" dirty="0">
+                <a:latin typeface="Arial" panose="020B0604020202020204" pitchFamily="34" charset="0"/>
+                <a:cs typeface="Arial" panose="020B0604020202020204" pitchFamily="34" charset="0"/>
+              </a:rPr>
+              <a:t>BB</a:t>
+            </a:r>
+            <a:r>
+              <a:rPr lang="en-US" sz="2800" dirty="0">
+                <a:latin typeface="Arial" panose="020B0604020202020204" pitchFamily="34" charset="0"/>
+                <a:cs typeface="Arial" panose="020B0604020202020204" pitchFamily="34" charset="0"/>
+              </a:rPr>
+              <a:t>, initial hydrogen number density </a:t>
+            </a:r>
+            <a:r>
+              <a:rPr lang="en-US" sz="2800" dirty="0" err="1">
+                <a:latin typeface="Arial" panose="020B0604020202020204" pitchFamily="34" charset="0"/>
+                <a:cs typeface="Arial" panose="020B0604020202020204" pitchFamily="34" charset="0"/>
+              </a:rPr>
+              <a:t>n</a:t>
+            </a:r>
+            <a:r>
+              <a:rPr lang="en-US" sz="2800" baseline="-25000" dirty="0" err="1">
+                <a:latin typeface="Arial" panose="020B0604020202020204" pitchFamily="34" charset="0"/>
+                <a:cs typeface="Arial" panose="020B0604020202020204" pitchFamily="34" charset="0"/>
+              </a:rPr>
+              <a:t>H</a:t>
+            </a:r>
+            <a:r>
+              <a:rPr lang="en-US" sz="2800" baseline="-25000" dirty="0">
+                <a:latin typeface="Arial" panose="020B0604020202020204" pitchFamily="34" charset="0"/>
+                <a:cs typeface="Arial" panose="020B0604020202020204" pitchFamily="34" charset="0"/>
+              </a:rPr>
+              <a:t> </a:t>
+            </a:r>
+            <a:r>
+              <a:rPr lang="en-US" sz="2800" dirty="0">
+                <a:latin typeface="Arial" panose="020B0604020202020204" pitchFamily="34" charset="0"/>
+                <a:cs typeface="Arial" panose="020B0604020202020204" pitchFamily="34" charset="0"/>
+              </a:rPr>
+              <a:t>(10</a:t>
             </a:r>
             <a:r>
               <a:rPr lang="en-US" sz="2800" baseline="30000" dirty="0">
@@ -3784,7 +4198,35 @@
                 <a:latin typeface="Arial" panose="020B0604020202020204" pitchFamily="34" charset="0"/>
                 <a:cs typeface="Arial" panose="020B0604020202020204" pitchFamily="34" charset="0"/>
               </a:rPr>
-              <a:t>:</a:t>
+              <a:t> cm</a:t>
+            </a:r>
+            <a:r>
+              <a:rPr lang="en-US" sz="2800" baseline="30000" dirty="0">
+                <a:latin typeface="Arial" panose="020B0604020202020204" pitchFamily="34" charset="0"/>
+                <a:cs typeface="Arial" panose="020B0604020202020204" pitchFamily="34" charset="0"/>
+              </a:rPr>
+              <a:t>-3</a:t>
+            </a:r>
+            <a:r>
+              <a:rPr lang="en-US" sz="2800" dirty="0">
+                <a:latin typeface="Arial" panose="020B0604020202020204" pitchFamily="34" charset="0"/>
+                <a:cs typeface="Arial" panose="020B0604020202020204" pitchFamily="34" charset="0"/>
+              </a:rPr>
+              <a:t>), log of photon flux per unit area </a:t>
+            </a:r>
+            <a:r>
+              <a:rPr lang="el-GR" sz="2800" dirty="0">
+                <a:latin typeface="Arial" panose="020B0604020202020204" pitchFamily="34" charset="0"/>
+                <a:cs typeface="Arial" panose="020B0604020202020204" pitchFamily="34" charset="0"/>
+              </a:rPr>
+              <a:t>φ</a:t>
+            </a:r>
+            <a:r>
+              <a:rPr lang="en-US" sz="2800" dirty="0">
+                <a:latin typeface="Arial" panose="020B0604020202020204" pitchFamily="34" charset="0"/>
+                <a:cs typeface="Arial" panose="020B0604020202020204" pitchFamily="34" charset="0"/>
+              </a:rPr>
+              <a:t>(H)  (13.5), element abundances, metal depletion, dust grains, and cosmic background radiation to CLOUDY.</a:t>
             </a:r>
           </a:p>
           <a:p>
@@ -3792,244 +4234,12 @@
               <a:buFont typeface="Arial" panose="020B0604020202020204" pitchFamily="34" charset="0"/>
               <a:buChar char="•"/>
             </a:pPr>
-            <a:endParaRPr lang="en-US" sz="2800" dirty="0">
-              <a:latin typeface="Arial" panose="020B0604020202020204" pitchFamily="34" charset="0"/>
-              <a:cs typeface="Arial" panose="020B0604020202020204" pitchFamily="34" charset="0"/>
-            </a:endParaRPr>
-          </a:p>
-          <a:p>
-            <a:endParaRPr lang="en-US" sz="2800" dirty="0">
-              <a:latin typeface="Arial" panose="020B0604020202020204" pitchFamily="34" charset="0"/>
-              <a:cs typeface="Arial" panose="020B0604020202020204" pitchFamily="34" charset="0"/>
-            </a:endParaRPr>
-          </a:p>
-          <a:p>
-            <a:pPr marL="571500" indent="-571500">
-              <a:buFont typeface="Arial" panose="020B0604020202020204" pitchFamily="34" charset="0"/>
-              <a:buChar char="•"/>
-            </a:pPr>
-            <a:endParaRPr lang="en-US" sz="2800" dirty="0">
-              <a:latin typeface="Arial" panose="020B0604020202020204" pitchFamily="34" charset="0"/>
-              <a:cs typeface="Arial" panose="020B0604020202020204" pitchFamily="34" charset="0"/>
-            </a:endParaRPr>
-          </a:p>
-          <a:p>
-            <a:pPr marL="571500" indent="-571500">
-              <a:buFont typeface="Arial" panose="020B0604020202020204" pitchFamily="34" charset="0"/>
-              <a:buChar char="•"/>
-            </a:pPr>
-            <a:endParaRPr lang="en-US" sz="2800" dirty="0">
-              <a:latin typeface="Arial" panose="020B0604020202020204" pitchFamily="34" charset="0"/>
-              <a:cs typeface="Arial" panose="020B0604020202020204" pitchFamily="34" charset="0"/>
-            </a:endParaRPr>
-          </a:p>
-          <a:p>
-            <a:pPr marL="571500" indent="-571500">
-              <a:buFont typeface="Arial" panose="020B0604020202020204" pitchFamily="34" charset="0"/>
-              <a:buChar char="•"/>
-            </a:pPr>
-            <a:endParaRPr lang="en-US" sz="2800" dirty="0">
-              <a:latin typeface="Arial" panose="020B0604020202020204" pitchFamily="34" charset="0"/>
-              <a:cs typeface="Arial" panose="020B0604020202020204" pitchFamily="34" charset="0"/>
-            </a:endParaRPr>
-          </a:p>
-          <a:p>
-            <a:pPr marL="571500" indent="-571500">
-              <a:buFont typeface="Arial" panose="020B0604020202020204" pitchFamily="34" charset="0"/>
-              <a:buChar char="•"/>
-            </a:pPr>
-            <a:endParaRPr lang="en-US" sz="2800" dirty="0">
-              <a:latin typeface="Arial" panose="020B0604020202020204" pitchFamily="34" charset="0"/>
-              <a:cs typeface="Arial" panose="020B0604020202020204" pitchFamily="34" charset="0"/>
-            </a:endParaRPr>
-          </a:p>
-          <a:p>
-            <a:pPr marL="571500" indent="-571500">
-              <a:buFont typeface="Arial" panose="020B0604020202020204" pitchFamily="34" charset="0"/>
-              <a:buChar char="•"/>
-            </a:pPr>
-            <a:endParaRPr lang="en-US" sz="2800" dirty="0">
-              <a:latin typeface="Arial" panose="020B0604020202020204" pitchFamily="34" charset="0"/>
-              <a:cs typeface="Arial" panose="020B0604020202020204" pitchFamily="34" charset="0"/>
-            </a:endParaRPr>
-          </a:p>
-          <a:p>
-            <a:pPr marL="571500" indent="-571500">
-              <a:buFont typeface="Arial" panose="020B0604020202020204" pitchFamily="34" charset="0"/>
-              <a:buChar char="•"/>
-            </a:pPr>
-            <a:endParaRPr lang="en-US" sz="2800" dirty="0">
-              <a:latin typeface="Arial" panose="020B0604020202020204" pitchFamily="34" charset="0"/>
-              <a:cs typeface="Arial" panose="020B0604020202020204" pitchFamily="34" charset="0"/>
-            </a:endParaRPr>
-          </a:p>
-          <a:p>
-            <a:pPr marL="571500" indent="-571500">
-              <a:buFont typeface="Arial" panose="020B0604020202020204" pitchFamily="34" charset="0"/>
-              <a:buChar char="•"/>
-            </a:pPr>
-            <a:endParaRPr lang="en-US" sz="2800" dirty="0">
-              <a:latin typeface="Arial" panose="020B0604020202020204" pitchFamily="34" charset="0"/>
-              <a:cs typeface="Arial" panose="020B0604020202020204" pitchFamily="34" charset="0"/>
-            </a:endParaRPr>
-          </a:p>
-          <a:p>
-            <a:pPr marL="571500" indent="-571500">
-              <a:buFont typeface="Arial" panose="020B0604020202020204" pitchFamily="34" charset="0"/>
-              <a:buChar char="•"/>
-            </a:pPr>
-            <a:endParaRPr lang="en-US" sz="2800" dirty="0">
-              <a:latin typeface="Arial" panose="020B0604020202020204" pitchFamily="34" charset="0"/>
-              <a:cs typeface="Arial" panose="020B0604020202020204" pitchFamily="34" charset="0"/>
-            </a:endParaRPr>
-          </a:p>
-          <a:p>
-            <a:pPr marL="571500" indent="-571500">
-              <a:buFont typeface="Arial" panose="020B0604020202020204" pitchFamily="34" charset="0"/>
-              <a:buChar char="•"/>
-            </a:pPr>
-            <a:endParaRPr lang="en-US" sz="2800" dirty="0">
-              <a:latin typeface="Arial" panose="020B0604020202020204" pitchFamily="34" charset="0"/>
-              <a:cs typeface="Arial" panose="020B0604020202020204" pitchFamily="34" charset="0"/>
-            </a:endParaRPr>
-          </a:p>
-          <a:p>
-            <a:pPr marL="571500" indent="-571500">
-              <a:buFont typeface="Arial" panose="020B0604020202020204" pitchFamily="34" charset="0"/>
-              <a:buChar char="•"/>
-            </a:pPr>
-            <a:endParaRPr lang="en-US" sz="2800" dirty="0">
-              <a:latin typeface="Arial" panose="020B0604020202020204" pitchFamily="34" charset="0"/>
-              <a:cs typeface="Arial" panose="020B0604020202020204" pitchFamily="34" charset="0"/>
-            </a:endParaRPr>
-          </a:p>
-          <a:p>
-            <a:pPr marL="571500" indent="-571500">
-              <a:buFont typeface="Arial" panose="020B0604020202020204" pitchFamily="34" charset="0"/>
-              <a:buChar char="•"/>
-            </a:pPr>
-            <a:endParaRPr lang="en-US" sz="2800" dirty="0">
-              <a:latin typeface="Arial" panose="020B0604020202020204" pitchFamily="34" charset="0"/>
-              <a:cs typeface="Arial" panose="020B0604020202020204" pitchFamily="34" charset="0"/>
-            </a:endParaRPr>
-          </a:p>
-          <a:p>
-            <a:pPr marL="571500" indent="-571500">
-              <a:buFont typeface="Arial" panose="020B0604020202020204" pitchFamily="34" charset="0"/>
-              <a:buChar char="•"/>
-            </a:pPr>
-            <a:endParaRPr lang="en-US" sz="2800" dirty="0">
-              <a:latin typeface="Arial" panose="020B0604020202020204" pitchFamily="34" charset="0"/>
-              <a:cs typeface="Arial" panose="020B0604020202020204" pitchFamily="34" charset="0"/>
-            </a:endParaRPr>
-          </a:p>
-          <a:p>
-            <a:pPr marL="571500" indent="-571500">
-              <a:buFont typeface="Arial" panose="020B0604020202020204" pitchFamily="34" charset="0"/>
-              <a:buChar char="•"/>
-            </a:pPr>
-            <a:endParaRPr lang="en-US" sz="2800" dirty="0">
-              <a:latin typeface="Arial" panose="020B0604020202020204" pitchFamily="34" charset="0"/>
-              <a:cs typeface="Arial" panose="020B0604020202020204" pitchFamily="34" charset="0"/>
-            </a:endParaRPr>
-          </a:p>
-          <a:p>
-            <a:pPr marL="571500" indent="-571500">
-              <a:buFont typeface="Arial" panose="020B0604020202020204" pitchFamily="34" charset="0"/>
-              <a:buChar char="•"/>
-            </a:pPr>
-            <a:endParaRPr lang="en-US" sz="2800" dirty="0">
-              <a:latin typeface="Arial" panose="020B0604020202020204" pitchFamily="34" charset="0"/>
-              <a:cs typeface="Arial" panose="020B0604020202020204" pitchFamily="34" charset="0"/>
-            </a:endParaRPr>
-          </a:p>
-          <a:p>
-            <a:pPr marL="571500" indent="-571500">
-              <a:buFont typeface="Arial" panose="020B0604020202020204" pitchFamily="34" charset="0"/>
-              <a:buChar char="•"/>
-            </a:pPr>
-            <a:endParaRPr lang="en-US" sz="2800" dirty="0">
-              <a:latin typeface="Arial" panose="020B0604020202020204" pitchFamily="34" charset="0"/>
-              <a:cs typeface="Arial" panose="020B0604020202020204" pitchFamily="34" charset="0"/>
-            </a:endParaRPr>
-          </a:p>
-          <a:p>
-            <a:pPr marL="571500" indent="-571500">
-              <a:buFont typeface="Arial" panose="020B0604020202020204" pitchFamily="34" charset="0"/>
-              <a:buChar char="•"/>
-            </a:pPr>
-            <a:endParaRPr lang="en-US" sz="2800" dirty="0">
-              <a:latin typeface="Arial" panose="020B0604020202020204" pitchFamily="34" charset="0"/>
-              <a:cs typeface="Arial" panose="020B0604020202020204" pitchFamily="34" charset="0"/>
-            </a:endParaRPr>
-          </a:p>
-          <a:p>
-            <a:pPr marL="571500" indent="-571500">
-              <a:buFont typeface="Arial" panose="020B0604020202020204" pitchFamily="34" charset="0"/>
-              <a:buChar char="•"/>
-            </a:pPr>
-            <a:endParaRPr lang="en-US" sz="2800" dirty="0">
-              <a:latin typeface="Arial" panose="020B0604020202020204" pitchFamily="34" charset="0"/>
-              <a:cs typeface="Arial" panose="020B0604020202020204" pitchFamily="34" charset="0"/>
-            </a:endParaRPr>
-          </a:p>
-          <a:p>
-            <a:pPr marL="571500" indent="-571500">
-              <a:buFont typeface="Arial" panose="020B0604020202020204" pitchFamily="34" charset="0"/>
-              <a:buChar char="•"/>
-            </a:pPr>
-            <a:endParaRPr lang="en-US" sz="2800" dirty="0">
-              <a:latin typeface="Arial" panose="020B0604020202020204" pitchFamily="34" charset="0"/>
-              <a:cs typeface="Arial" panose="020B0604020202020204" pitchFamily="34" charset="0"/>
-            </a:endParaRPr>
-          </a:p>
-          <a:p>
-            <a:pPr marL="571500" indent="-571500">
-              <a:buFont typeface="Arial" panose="020B0604020202020204" pitchFamily="34" charset="0"/>
-              <a:buChar char="•"/>
-            </a:pPr>
-            <a:endParaRPr lang="en-US" sz="2800" dirty="0">
-              <a:latin typeface="Arial" panose="020B0604020202020204" pitchFamily="34" charset="0"/>
-              <a:cs typeface="Arial" panose="020B0604020202020204" pitchFamily="34" charset="0"/>
-            </a:endParaRPr>
-          </a:p>
-          <a:p>
-            <a:pPr marL="571500" indent="-571500">
-              <a:buFont typeface="Arial" panose="020B0604020202020204" pitchFamily="34" charset="0"/>
-              <a:buChar char="•"/>
-            </a:pPr>
-            <a:endParaRPr lang="en-US" sz="2800" dirty="0">
-              <a:latin typeface="Arial" panose="020B0604020202020204" pitchFamily="34" charset="0"/>
-              <a:cs typeface="Arial" panose="020B0604020202020204" pitchFamily="34" charset="0"/>
-            </a:endParaRPr>
-          </a:p>
-          <a:p>
-            <a:pPr marL="571500" indent="-571500">
-              <a:buFont typeface="Arial" panose="020B0604020202020204" pitchFamily="34" charset="0"/>
-              <a:buChar char="•"/>
-            </a:pPr>
-            <a:endParaRPr lang="en-US" sz="2800" dirty="0">
-              <a:latin typeface="Arial" panose="020B0604020202020204" pitchFamily="34" charset="0"/>
-              <a:cs typeface="Arial" panose="020B0604020202020204" pitchFamily="34" charset="0"/>
-            </a:endParaRPr>
-          </a:p>
-          <a:p>
-            <a:endParaRPr lang="en-US" sz="2800" dirty="0">
-              <a:latin typeface="Arial" panose="020B0604020202020204" pitchFamily="34" charset="0"/>
-              <a:cs typeface="Arial" panose="020B0604020202020204" pitchFamily="34" charset="0"/>
-            </a:endParaRPr>
-          </a:p>
-          <a:p>
-            <a:pPr marL="571500" indent="-571500">
-              <a:buFont typeface="Arial" panose="020B0604020202020204" pitchFamily="34" charset="0"/>
-              <a:buChar char="•"/>
-            </a:pPr>
             <a:r>
               <a:rPr lang="en-US" sz="2800" dirty="0">
                 <a:latin typeface="Arial" panose="020B0604020202020204" pitchFamily="34" charset="0"/>
                 <a:cs typeface="Arial" panose="020B0604020202020204" pitchFamily="34" charset="0"/>
               </a:rPr>
-              <a:t>Using Cloudy, model the AGN cloud and produce emission lines.</a:t>
+              <a:t>CLOUDY produces a list of emission lines that we plot over data provided by Groves et al. 2004 to determine if the simulations are a good predictor of emission. </a:t>
             </a:r>
           </a:p>
           <a:p>
@@ -4058,8 +4268,8 @@
         </p:nvSpPr>
         <p:spPr>
           <a:xfrm>
-            <a:off x="17166648" y="20473637"/>
-            <a:ext cx="11811000" cy="3293209"/>
+            <a:off x="16973202" y="21726414"/>
+            <a:ext cx="12438222" cy="3724096"/>
           </a:xfrm>
           <a:prstGeom prst="rect">
             <a:avLst/>
@@ -4094,56 +4304,77 @@
                 <a:latin typeface="Arial" panose="020B0604020202020204" pitchFamily="34" charset="0"/>
                 <a:cs typeface="Arial" panose="020B0604020202020204" pitchFamily="34" charset="0"/>
               </a:rPr>
-              <a:t>We produce residual plots of our observed values of </a:t>
+              <a:t>We perform a linear regression on the data from </a:t>
             </a:r>
             <a:r>
               <a:rPr lang="en-US" sz="2800" dirty="0" err="1">
                 <a:latin typeface="Arial" panose="020B0604020202020204" pitchFamily="34" charset="0"/>
                 <a:cs typeface="Arial" panose="020B0604020202020204" pitchFamily="34" charset="0"/>
               </a:rPr>
-              <a:t>alphax</a:t>
+              <a:t>Grupe</a:t>
             </a:r>
             <a:r>
               <a:rPr lang="en-US" sz="2800" dirty="0">
                 <a:latin typeface="Arial" panose="020B0604020202020204" pitchFamily="34" charset="0"/>
                 <a:cs typeface="Arial" panose="020B0604020202020204" pitchFamily="34" charset="0"/>
               </a:rPr>
-              <a:t> vs expected </a:t>
-            </a:r>
-            <a:r>
-              <a:rPr lang="en-US" sz="2800" dirty="0" err="1">
-                <a:latin typeface="Arial" panose="020B0604020202020204" pitchFamily="34" charset="0"/>
-                <a:cs typeface="Arial" panose="020B0604020202020204" pitchFamily="34" charset="0"/>
-              </a:rPr>
-              <a:t>alphax</a:t>
+              <a:t> et al. 2010 and plot it over the observed values of </a:t>
+            </a:r>
+            <a:r>
+              <a:rPr lang="el-GR" sz="2800" dirty="0">
+                <a:latin typeface="Arial" panose="020B0604020202020204" pitchFamily="34" charset="0"/>
+                <a:cs typeface="Arial" panose="020B0604020202020204" pitchFamily="34" charset="0"/>
+              </a:rPr>
+              <a:t>α</a:t>
+            </a:r>
+            <a:r>
+              <a:rPr lang="en-US" sz="2800" baseline="-25000" dirty="0">
+                <a:latin typeface="Arial" panose="020B0604020202020204" pitchFamily="34" charset="0"/>
+                <a:cs typeface="Arial" panose="020B0604020202020204" pitchFamily="34" charset="0"/>
+              </a:rPr>
+              <a:t>x</a:t>
             </a:r>
             <a:r>
               <a:rPr lang="en-US" sz="2800" dirty="0">
                 <a:latin typeface="Arial" panose="020B0604020202020204" pitchFamily="34" charset="0"/>
                 <a:cs typeface="Arial" panose="020B0604020202020204" pitchFamily="34" charset="0"/>
               </a:rPr>
-              <a:t> and observed </a:t>
-            </a:r>
-            <a:r>
-              <a:rPr lang="en-US" sz="2800" dirty="0" err="1">
-                <a:latin typeface="Arial" panose="020B0604020202020204" pitchFamily="34" charset="0"/>
-                <a:cs typeface="Arial" panose="020B0604020202020204" pitchFamily="34" charset="0"/>
-              </a:rPr>
-              <a:t>alphauv</a:t>
+              <a:t> and </a:t>
+            </a:r>
+            <a:r>
+              <a:rPr lang="el-GR" sz="2800" dirty="0">
+                <a:latin typeface="Arial" panose="020B0604020202020204" pitchFamily="34" charset="0"/>
+                <a:cs typeface="Arial" panose="020B0604020202020204" pitchFamily="34" charset="0"/>
+              </a:rPr>
+              <a:t>α</a:t>
+            </a:r>
+            <a:r>
+              <a:rPr lang="en-US" sz="2800" baseline="-25000" dirty="0" err="1">
+                <a:latin typeface="Arial" panose="020B0604020202020204" pitchFamily="34" charset="0"/>
+                <a:cs typeface="Arial" panose="020B0604020202020204" pitchFamily="34" charset="0"/>
+              </a:rPr>
+              <a:t>uv</a:t>
             </a:r>
             <a:r>
               <a:rPr lang="en-US" sz="2800" dirty="0">
                 <a:latin typeface="Arial" panose="020B0604020202020204" pitchFamily="34" charset="0"/>
                 <a:cs typeface="Arial" panose="020B0604020202020204" pitchFamily="34" charset="0"/>
               </a:rPr>
-              <a:t> vs expected </a:t>
-            </a:r>
-            <a:r>
-              <a:rPr lang="en-US" sz="2800" dirty="0" err="1">
-                <a:latin typeface="Arial" panose="020B0604020202020204" pitchFamily="34" charset="0"/>
-                <a:cs typeface="Arial" panose="020B0604020202020204" pitchFamily="34" charset="0"/>
-              </a:rPr>
-              <a:t>alphauv</a:t>
+              <a:t>, as well as plot the residuals of </a:t>
+            </a:r>
+            <a:r>
+              <a:rPr lang="el-GR" sz="2800" dirty="0">
+                <a:latin typeface="Arial" panose="020B0604020202020204" pitchFamily="34" charset="0"/>
+                <a:cs typeface="Arial" panose="020B0604020202020204" pitchFamily="34" charset="0"/>
+              </a:rPr>
+              <a:t>α</a:t>
+            </a:r>
+            <a:r>
+              <a:rPr lang="en-US" sz="2800" baseline="-25000" dirty="0" err="1">
+                <a:latin typeface="Arial" panose="020B0604020202020204" pitchFamily="34" charset="0"/>
+                <a:cs typeface="Arial" panose="020B0604020202020204" pitchFamily="34" charset="0"/>
+              </a:rPr>
+              <a:t>uv</a:t>
             </a:r>
             <a:r>
               <a:rPr lang="en-US" sz="2800" dirty="0">
@@ -4217,8 +4448,8 @@
         </p:blipFill>
         <p:spPr>
           <a:xfrm>
-            <a:off x="2328125" y="9448033"/>
-            <a:ext cx="9906000" cy="6276612"/>
+            <a:off x="3626530" y="9901073"/>
+            <a:ext cx="8881324" cy="5627360"/>
           </a:xfrm>
           <a:prstGeom prst="rect">
             <a:avLst/>
@@ -4227,7 +4458,7 @@
       </p:pic>
       <p:pic>
         <p:nvPicPr>
-          <p:cNvPr id="6" name="Picture 5"/>
+          <p:cNvPr id="18" name="Picture 17"/>
           <p:cNvPicPr>
             <a:picLocks noChangeAspect="1"/>
           </p:cNvPicPr>
@@ -4247,68 +4478,8 @@
         </p:blipFill>
         <p:spPr>
           <a:xfrm>
-            <a:off x="33680400" y="748145"/>
-            <a:ext cx="8298263" cy="6191426"/>
-          </a:xfrm>
-          <a:prstGeom prst="rect">
-            <a:avLst/>
-          </a:prstGeom>
-        </p:spPr>
-      </p:pic>
-      <p:pic>
-        <p:nvPicPr>
-          <p:cNvPr id="14" name="Picture 13"/>
-          <p:cNvPicPr>
-            <a:picLocks noChangeAspect="1"/>
-          </p:cNvPicPr>
-          <p:nvPr/>
-        </p:nvPicPr>
-        <p:blipFill>
-          <a:blip r:embed="rId5">
-            <a:extLst>
-              <a:ext uri="{28A0092B-C50C-407E-A947-70E740481C1C}">
-                <a14:useLocalDpi xmlns:a14="http://schemas.microsoft.com/office/drawing/2010/main" val="0"/>
-              </a:ext>
-            </a:extLst>
-          </a:blip>
-          <a:stretch>
-            <a:fillRect/>
-          </a:stretch>
-        </p:blipFill>
-        <p:spPr>
-          <a:xfrm>
-            <a:off x="4343400" y="23318772"/>
-            <a:ext cx="5257800" cy="1181100"/>
-          </a:xfrm>
-          <a:prstGeom prst="rect">
-            <a:avLst/>
-          </a:prstGeom>
-        </p:spPr>
-      </p:pic>
-      <p:pic>
-        <p:nvPicPr>
-          <p:cNvPr id="18" name="Picture 17"/>
-          <p:cNvPicPr>
-            <a:picLocks noChangeAspect="1"/>
-          </p:cNvPicPr>
-          <p:nvPr/>
-        </p:nvPicPr>
-        <p:blipFill>
-          <a:blip r:embed="rId6">
-            <a:extLst>
-              <a:ext uri="{28A0092B-C50C-407E-A947-70E740481C1C}">
-                <a14:useLocalDpi xmlns:a14="http://schemas.microsoft.com/office/drawing/2010/main" val="0"/>
-              </a:ext>
-            </a:extLst>
-          </a:blip>
-          <a:stretch>
-            <a:fillRect/>
-          </a:stretch>
-        </p:blipFill>
-        <p:spPr>
-          <a:xfrm>
-            <a:off x="18704811" y="8794872"/>
-            <a:ext cx="7686921" cy="607282"/>
+            <a:off x="18799503" y="8140352"/>
+            <a:ext cx="8834955" cy="697979"/>
           </a:xfrm>
           <a:prstGeom prst="rect">
             <a:avLst/>
@@ -4323,22 +4494,21 @@
           </p:cNvPicPr>
           <p:nvPr/>
         </p:nvPicPr>
-        <p:blipFill>
-          <a:blip r:embed="rId7">
+        <p:blipFill rotWithShape="1">
+          <a:blip r:embed="rId5">
             <a:extLst>
               <a:ext uri="{28A0092B-C50C-407E-A947-70E740481C1C}">
                 <a14:useLocalDpi xmlns:a14="http://schemas.microsoft.com/office/drawing/2010/main" val="0"/>
               </a:ext>
             </a:extLst>
           </a:blip>
-          <a:stretch>
-            <a:fillRect/>
-          </a:stretch>
+          <a:srcRect l="4952" t="7127" r="3639" b="5582"/>
+          <a:stretch/>
         </p:blipFill>
         <p:spPr>
           <a:xfrm>
-            <a:off x="30687818" y="16257892"/>
-            <a:ext cx="9753600" cy="7315200"/>
+            <a:off x="31733251" y="18208224"/>
+            <a:ext cx="8676619" cy="6214232"/>
           </a:xfrm>
           <a:prstGeom prst="rect">
             <a:avLst/>
@@ -4353,22 +4523,21 @@
           </p:cNvPicPr>
           <p:nvPr/>
         </p:nvPicPr>
-        <p:blipFill>
-          <a:blip r:embed="rId8">
+        <p:blipFill rotWithShape="1">
+          <a:blip r:embed="rId6">
             <a:extLst>
               <a:ext uri="{28A0092B-C50C-407E-A947-70E740481C1C}">
                 <a14:useLocalDpi xmlns:a14="http://schemas.microsoft.com/office/drawing/2010/main" val="0"/>
               </a:ext>
             </a:extLst>
           </a:blip>
-          <a:stretch>
-            <a:fillRect/>
-          </a:stretch>
+          <a:srcRect l="4060" t="8608" r="9553" b="5523"/>
+          <a:stretch/>
         </p:blipFill>
         <p:spPr>
           <a:xfrm>
-            <a:off x="30687818" y="9680339"/>
-            <a:ext cx="9753600" cy="7315200"/>
+            <a:off x="32202791" y="12210786"/>
+            <a:ext cx="7976044" cy="5946153"/>
           </a:xfrm>
           <a:prstGeom prst="rect">
             <a:avLst/>
@@ -4383,7 +4552,7 @@
         </p:nvSpPr>
         <p:spPr>
           <a:xfrm>
-            <a:off x="1752600" y="26474495"/>
+            <a:off x="1736558" y="27475728"/>
             <a:ext cx="11963400" cy="4154984"/>
           </a:xfrm>
           <a:prstGeom prst="rect">
@@ -4397,6 +4566,7 @@
           </a:bodyPr>
           <a:lstStyle/>
           <a:p>
+            <a:pPr algn="ctr"/>
             <a:r>
               <a:rPr lang="en-US" sz="4000" b="1" u="sng" dirty="0">
                 <a:solidFill>
@@ -4596,8 +4766,8 @@
         </p:nvSpPr>
         <p:spPr>
           <a:xfrm>
-            <a:off x="31114554" y="23573092"/>
-            <a:ext cx="8537749" cy="7663636"/>
+            <a:off x="32202791" y="24500990"/>
+            <a:ext cx="10025847" cy="7048083"/>
           </a:xfrm>
           <a:prstGeom prst="rect">
             <a:avLst/>
@@ -4610,6 +4780,7 @@
           </a:bodyPr>
           <a:lstStyle/>
           <a:p>
+            <a:pPr algn="ctr"/>
             <a:r>
               <a:rPr lang="en-US" sz="4000" b="1" u="sng" dirty="0">
                 <a:solidFill>
@@ -4627,11 +4798,11 @@
               <a:buChar char="•"/>
             </a:pPr>
             <a:r>
-              <a:rPr lang="en-US" sz="3200" dirty="0">
-                <a:latin typeface="Arial" panose="020B0604020202020204" pitchFamily="34" charset="0"/>
-                <a:cs typeface="Arial" panose="020B0604020202020204" pitchFamily="34" charset="0"/>
-              </a:rPr>
-              <a:t>Our regression model is statistically significant.</a:t>
+              <a:rPr lang="en-US" sz="2800" dirty="0">
+                <a:latin typeface="Arial" panose="020B0604020202020204" pitchFamily="34" charset="0"/>
+                <a:cs typeface="Arial" panose="020B0604020202020204" pitchFamily="34" charset="0"/>
+              </a:rPr>
+              <a:t>The residual plots appear to be random, indicating that our model is a good fit. </a:t>
             </a:r>
           </a:p>
           <a:p>
@@ -4640,37 +4811,47 @@
               <a:buChar char="•"/>
             </a:pPr>
             <a:r>
-              <a:rPr lang="en-US" sz="3200" dirty="0">
-                <a:latin typeface="Arial" panose="020B0604020202020204" pitchFamily="34" charset="0"/>
-                <a:cs typeface="Arial" panose="020B0604020202020204" pitchFamily="34" charset="0"/>
-              </a:rPr>
-              <a:t>Our line ratios match closely with those produced by Groves.</a:t>
-            </a:r>
-          </a:p>
-          <a:p>
-            <a:pPr marL="457200" indent="-457200">
-              <a:buFont typeface="Arial" panose="020B0604020202020204" pitchFamily="34" charset="0"/>
-              <a:buChar char="•"/>
-            </a:pPr>
-            <a:r>
-              <a:rPr lang="en-US" sz="3200" dirty="0">
-                <a:latin typeface="Arial" panose="020B0604020202020204" pitchFamily="34" charset="0"/>
-                <a:cs typeface="Arial" panose="020B0604020202020204" pitchFamily="34" charset="0"/>
-              </a:rPr>
-              <a:t>We can model our SED by constraining the spectral indices. </a:t>
-            </a:r>
-          </a:p>
-          <a:p>
-            <a:pPr marL="457200" indent="-457200">
-              <a:buFont typeface="Arial" panose="020B0604020202020204" pitchFamily="34" charset="0"/>
-              <a:buChar char="•"/>
-            </a:pPr>
+              <a:rPr lang="en-US" sz="2800" dirty="0">
+                <a:latin typeface="Arial" panose="020B0604020202020204" pitchFamily="34" charset="0"/>
+                <a:cs typeface="Arial" panose="020B0604020202020204" pitchFamily="34" charset="0"/>
+              </a:rPr>
+              <a:t>Our line ratios do not fall along the data as strongly as we would like, especially [O III]/H</a:t>
+            </a:r>
+            <a:r>
+              <a:rPr lang="el-GR" sz="2800" dirty="0">
+                <a:latin typeface="Arial" panose="020B0604020202020204" pitchFamily="34" charset="0"/>
+                <a:cs typeface="Arial" panose="020B0604020202020204" pitchFamily="34" charset="0"/>
+              </a:rPr>
+              <a:t>β</a:t>
+            </a:r>
+            <a:r>
+              <a:rPr lang="en-US" sz="2800" dirty="0">
+                <a:latin typeface="Arial" panose="020B0604020202020204" pitchFamily="34" charset="0"/>
+                <a:cs typeface="Arial" panose="020B0604020202020204" pitchFamily="34" charset="0"/>
+              </a:rPr>
+              <a:t> vs [O I]/H</a:t>
+            </a:r>
+            <a:r>
+              <a:rPr lang="el-GR" sz="2800" dirty="0">
+                <a:latin typeface="Arial" panose="020B0604020202020204" pitchFamily="34" charset="0"/>
+                <a:cs typeface="Arial" panose="020B0604020202020204" pitchFamily="34" charset="0"/>
+              </a:rPr>
+              <a:t>α</a:t>
+            </a:r>
+            <a:r>
+              <a:rPr lang="en-US" sz="2800" dirty="0">
+                <a:latin typeface="Arial" panose="020B0604020202020204" pitchFamily="34" charset="0"/>
+                <a:cs typeface="Arial" panose="020B0604020202020204" pitchFamily="34" charset="0"/>
+              </a:rPr>
+              <a:t>, indicating that we need to adjust the model.   </a:t>
+            </a:r>
             <a:endParaRPr lang="en-US" sz="3200" dirty="0">
               <a:latin typeface="Arial" panose="020B0604020202020204" pitchFamily="34" charset="0"/>
               <a:cs typeface="Arial" panose="020B0604020202020204" pitchFamily="34" charset="0"/>
             </a:endParaRPr>
           </a:p>
           <a:p>
+            <a:pPr algn="ctr"/>
             <a:r>
               <a:rPr lang="en-US" sz="4000" b="1" u="sng" dirty="0">
                 <a:solidFill>
@@ -4708,11 +4889,24 @@
               <a:buChar char="•"/>
             </a:pPr>
             <a:r>
-              <a:rPr lang="en-US" sz="3200" dirty="0">
-                <a:latin typeface="Arial" panose="020B0604020202020204" pitchFamily="34" charset="0"/>
-                <a:cs typeface="Arial" panose="020B0604020202020204" pitchFamily="34" charset="0"/>
-              </a:rPr>
-              <a:t>Vary the spectral indices of the incident radiation curve according to our regression models.</a:t>
+              <a:rPr lang="en-US" sz="2800" dirty="0">
+                <a:latin typeface="Arial" panose="020B0604020202020204" pitchFamily="34" charset="0"/>
+                <a:cs typeface="Arial" panose="020B0604020202020204" pitchFamily="34" charset="0"/>
+              </a:rPr>
+              <a:t>Complete statistical analysis of our model, namely our chi square test. </a:t>
+            </a:r>
+          </a:p>
+          <a:p>
+            <a:pPr marL="457200" indent="-457200">
+              <a:buFont typeface="Arial" panose="020B0604020202020204" pitchFamily="34" charset="0"/>
+              <a:buChar char="•"/>
+            </a:pPr>
+            <a:r>
+              <a:rPr lang="en-US" sz="2800" dirty="0">
+                <a:latin typeface="Arial" panose="020B0604020202020204" pitchFamily="34" charset="0"/>
+                <a:cs typeface="Arial" panose="020B0604020202020204" pitchFamily="34" charset="0"/>
+              </a:rPr>
+              <a:t>Consider using an isobaric (constant pressure) model as opposed to an isochoric (constant density) model to help match our produced line ratios to the data. </a:t>
             </a:r>
           </a:p>
           <a:p>
@@ -4752,7 +4946,7 @@
         <p:spPr>
           <a:xfrm>
             <a:off x="30524082" y="8015606"/>
-            <a:ext cx="10370126" cy="1754326"/>
+            <a:ext cx="10370126" cy="892552"/>
           </a:xfrm>
           <a:prstGeom prst="rect">
             <a:avLst/>
@@ -4765,17 +4959,10 @@
           </a:bodyPr>
           <a:lstStyle/>
           <a:p>
-            <a:pPr marL="285750" indent="-285750">
-              <a:buFont typeface="Arial" panose="020B0604020202020204" pitchFamily="34" charset="0"/>
-              <a:buChar char="•"/>
-            </a:pPr>
-            <a:r>
-              <a:rPr lang="en-US" sz="2800" dirty="0">
-                <a:latin typeface="Arial" panose="020B0604020202020204" pitchFamily="34" charset="0"/>
-                <a:cs typeface="Arial" panose="020B0604020202020204" pitchFamily="34" charset="0"/>
-              </a:rPr>
-              <a:t>From our simulations varying the blackbody temperature, we plot the line ratios produced by CLOUDY over the data produced by Groves et al. 2004.</a:t>
-            </a:r>
+            <a:endParaRPr lang="en-US" sz="2800" dirty="0">
+              <a:latin typeface="Arial" panose="020B0604020202020204" pitchFamily="34" charset="0"/>
+              <a:cs typeface="Arial" panose="020B0604020202020204" pitchFamily="34" charset="0"/>
+            </a:endParaRPr>
           </a:p>
           <a:p>
             <a:pPr marL="285750" indent="-285750">
@@ -4797,7 +4984,7 @@
         </p:nvSpPr>
         <p:spPr>
           <a:xfrm>
-            <a:off x="5707449" y="14857130"/>
+            <a:off x="3962400" y="15894450"/>
             <a:ext cx="6734664" cy="369332"/>
           </a:xfrm>
           <a:prstGeom prst="rect">
@@ -4849,36 +5036,6 @@
           </a:p>
         </p:txBody>
       </p:sp>
-      <p:pic>
-        <p:nvPicPr>
-          <p:cNvPr id="29" name="Picture 28"/>
-          <p:cNvPicPr>
-            <a:picLocks noChangeAspect="1"/>
-          </p:cNvPicPr>
-          <p:nvPr/>
-        </p:nvPicPr>
-        <p:blipFill>
-          <a:blip r:embed="rId9">
-            <a:extLst>
-              <a:ext uri="{28A0092B-C50C-407E-A947-70E740481C1C}">
-                <a14:useLocalDpi xmlns:a14="http://schemas.microsoft.com/office/drawing/2010/main" val="0"/>
-              </a:ext>
-            </a:extLst>
-          </a:blip>
-          <a:stretch>
-            <a:fillRect/>
-          </a:stretch>
-        </p:blipFill>
-        <p:spPr>
-          <a:xfrm>
-            <a:off x="16490034" y="22321491"/>
-            <a:ext cx="12843660" cy="9584580"/>
-          </a:xfrm>
-          <a:prstGeom prst="rect">
-            <a:avLst/>
-          </a:prstGeom>
-        </p:spPr>
-      </p:pic>
       <p:sp>
         <p:nvSpPr>
           <p:cNvPr id="30" name="TextBox 29"/>
@@ -4887,8 +5044,8 @@
         </p:nvSpPr>
         <p:spPr>
           <a:xfrm>
-            <a:off x="1117025" y="21766298"/>
-            <a:ext cx="14339452" cy="4001095"/>
+            <a:off x="1039091" y="23970390"/>
+            <a:ext cx="14339452" cy="3139321"/>
           </a:xfrm>
           <a:prstGeom prst="rect">
             <a:avLst/>
@@ -5002,22 +5159,7 @@
             </a:endParaRPr>
           </a:p>
           <a:p>
-            <a:pPr marL="457200" lvl="0" indent="-457200">
-              <a:buFont typeface="Arial" panose="020B0604020202020204" pitchFamily="34" charset="0"/>
-              <a:buChar char="•"/>
-            </a:pPr>
-            <a:r>
-              <a:rPr lang="en-US" sz="2800" dirty="0">
-                <a:solidFill>
-                  <a:prstClr val="black"/>
-                </a:solidFill>
-                <a:latin typeface="Arial" panose="020B0604020202020204" pitchFamily="34" charset="0"/>
-                <a:cs typeface="Arial" panose="020B0604020202020204" pitchFamily="34" charset="0"/>
-              </a:rPr>
-              <a:t> Supply the incident spectral energy   distribution, element abundances, dust grains, and initial  density to CLOUDY. </a:t>
-            </a:r>
-          </a:p>
-          <a:p>
+            <a:pPr lvl="0"/>
             <a:endParaRPr lang="en-US" dirty="0"/>
           </a:p>
         </p:txBody>
@@ -5030,8 +5172,8 @@
         </p:nvSpPr>
         <p:spPr>
           <a:xfrm>
-            <a:off x="31063551" y="30061052"/>
-            <a:ext cx="11492344" cy="1569660"/>
+            <a:off x="32202790" y="30184162"/>
+            <a:ext cx="10290434" cy="1446550"/>
           </a:xfrm>
           <a:prstGeom prst="rect">
             <a:avLst/>
@@ -5044,6 +5186,7 @@
           </a:bodyPr>
           <a:lstStyle/>
           <a:p>
+            <a:pPr algn="ctr"/>
             <a:r>
               <a:rPr lang="en-US" sz="4000" b="1" u="sng" dirty="0">
                 <a:solidFill>
@@ -5057,11 +5200,18 @@
           </a:p>
           <a:p>
             <a:r>
-              <a:rPr lang="en-US" sz="2800" dirty="0">
-                <a:latin typeface="Arial" panose="020B0604020202020204" pitchFamily="34" charset="0"/>
-                <a:cs typeface="Arial" panose="020B0604020202020204" pitchFamily="34" charset="0"/>
-              </a:rPr>
-              <a:t>I would like to thank the Elon College Fellows program and my research mentor Dr. Chris Richardson.  </a:t>
+              <a:rPr lang="en-US" sz="2400" dirty="0">
+                <a:latin typeface="Arial" panose="020B0604020202020204" pitchFamily="34" charset="0"/>
+                <a:cs typeface="Arial" panose="020B0604020202020204" pitchFamily="34" charset="0"/>
+              </a:rPr>
+              <a:t>I would like to thank the Elon College Fellows program and my research mentor Dr. Chris Richardson</a:t>
+            </a:r>
+            <a:r>
+              <a:rPr lang="en-US" sz="2000" dirty="0">
+                <a:latin typeface="Arial" panose="020B0604020202020204" pitchFamily="34" charset="0"/>
+                <a:cs typeface="Arial" panose="020B0604020202020204" pitchFamily="34" charset="0"/>
+              </a:rPr>
+              <a:t>.  </a:t>
             </a:r>
           </a:p>
         </p:txBody>
@@ -5074,8 +5224,8 @@
         </p:nvCxnSpPr>
         <p:spPr>
           <a:xfrm flipH="1" flipV="1">
-            <a:off x="15577700" y="7442573"/>
-            <a:ext cx="20053" cy="23582859"/>
+            <a:off x="15960341" y="6298532"/>
+            <a:ext cx="18288" cy="24688800"/>
           </a:xfrm>
           <a:prstGeom prst="line">
             <a:avLst/>
@@ -5109,8 +5259,8 @@
         </p:nvCxnSpPr>
         <p:spPr>
           <a:xfrm flipH="1" flipV="1">
-            <a:off x="30155792" y="7430539"/>
-            <a:ext cx="85661" cy="23582861"/>
+            <a:off x="30608745" y="6390787"/>
+            <a:ext cx="18288" cy="24688800"/>
           </a:xfrm>
           <a:prstGeom prst="line">
             <a:avLst/>
@@ -5145,7 +5295,7 @@
           <p:nvPr/>
         </p:nvPicPr>
         <p:blipFill>
-          <a:blip r:embed="rId10">
+          <a:blip r:embed="rId7">
             <a:extLst>
               <a:ext uri="{28A0092B-C50C-407E-A947-70E740481C1C}">
                 <a14:useLocalDpi xmlns:a14="http://schemas.microsoft.com/office/drawing/2010/main" val="0"/>
@@ -5174,7 +5324,7 @@
         </p:nvSpPr>
         <p:spPr>
           <a:xfrm>
-            <a:off x="33770924" y="6329720"/>
+            <a:off x="42228639" y="7582432"/>
             <a:ext cx="7950703" cy="369332"/>
           </a:xfrm>
           <a:prstGeom prst="rect">
@@ -5198,6 +5348,155 @@
           </a:p>
         </p:txBody>
       </p:sp>
+      <p:pic>
+        <p:nvPicPr>
+          <p:cNvPr id="13" name="Picture 12"/>
+          <p:cNvPicPr>
+            <a:picLocks noChangeAspect="1"/>
+          </p:cNvPicPr>
+          <p:nvPr/>
+        </p:nvPicPr>
+        <p:blipFill rotWithShape="1">
+          <a:blip r:embed="rId8">
+            <a:extLst>
+              <a:ext uri="{28A0092B-C50C-407E-A947-70E740481C1C}">
+                <a14:useLocalDpi xmlns:a14="http://schemas.microsoft.com/office/drawing/2010/main" val="0"/>
+              </a:ext>
+            </a:extLst>
+          </a:blip>
+          <a:srcRect l="8927" t="6986" r="4634" b="5371"/>
+          <a:stretch/>
+        </p:blipFill>
+        <p:spPr>
+          <a:xfrm>
+            <a:off x="31824354" y="5764828"/>
+            <a:ext cx="8476480" cy="6445958"/>
+          </a:xfrm>
+          <a:prstGeom prst="rect">
+            <a:avLst/>
+          </a:prstGeom>
+        </p:spPr>
+      </p:pic>
+      <p:pic>
+        <p:nvPicPr>
+          <p:cNvPr id="12" name="Picture 11"/>
+          <p:cNvPicPr>
+            <a:picLocks noChangeAspect="1"/>
+          </p:cNvPicPr>
+          <p:nvPr/>
+        </p:nvPicPr>
+        <p:blipFill>
+          <a:blip r:embed="rId9">
+            <a:extLst>
+              <a:ext uri="{28A0092B-C50C-407E-A947-70E740481C1C}">
+                <a14:useLocalDpi xmlns:a14="http://schemas.microsoft.com/office/drawing/2010/main" val="0"/>
+              </a:ext>
+            </a:extLst>
+          </a:blip>
+          <a:stretch>
+            <a:fillRect/>
+          </a:stretch>
+        </p:blipFill>
+        <p:spPr>
+          <a:xfrm>
+            <a:off x="3962400" y="25930737"/>
+            <a:ext cx="6611923" cy="1109383"/>
+          </a:xfrm>
+          <a:prstGeom prst="rect">
+            <a:avLst/>
+          </a:prstGeom>
+        </p:spPr>
+      </p:pic>
+      <p:pic>
+        <p:nvPicPr>
+          <p:cNvPr id="16" name="Picture 15"/>
+          <p:cNvPicPr>
+            <a:picLocks noChangeAspect="1"/>
+          </p:cNvPicPr>
+          <p:nvPr/>
+        </p:nvPicPr>
+        <p:blipFill>
+          <a:blip r:embed="rId10">
+            <a:extLst>
+              <a:ext uri="{28A0092B-C50C-407E-A947-70E740481C1C}">
+                <a14:useLocalDpi xmlns:a14="http://schemas.microsoft.com/office/drawing/2010/main" val="0"/>
+              </a:ext>
+            </a:extLst>
+          </a:blip>
+          <a:stretch>
+            <a:fillRect/>
+          </a:stretch>
+        </p:blipFill>
+        <p:spPr>
+          <a:xfrm>
+            <a:off x="33523989" y="1130951"/>
+            <a:ext cx="4047744" cy="2276856"/>
+          </a:xfrm>
+          <a:prstGeom prst="rect">
+            <a:avLst/>
+          </a:prstGeom>
+        </p:spPr>
+      </p:pic>
+      <p:pic>
+        <p:nvPicPr>
+          <p:cNvPr id="23" name="Picture 22"/>
+          <p:cNvPicPr>
+            <a:picLocks noChangeAspect="1"/>
+          </p:cNvPicPr>
+          <p:nvPr/>
+        </p:nvPicPr>
+        <p:blipFill>
+          <a:blip r:embed="rId11">
+            <a:extLst>
+              <a:ext uri="{28A0092B-C50C-407E-A947-70E740481C1C}">
+                <a14:useLocalDpi xmlns:a14="http://schemas.microsoft.com/office/drawing/2010/main" val="0"/>
+              </a:ext>
+            </a:extLst>
+          </a:blip>
+          <a:stretch>
+            <a:fillRect/>
+          </a:stretch>
+        </p:blipFill>
+        <p:spPr>
+          <a:xfrm>
+            <a:off x="37527929" y="1120127"/>
+            <a:ext cx="4062791" cy="2276856"/>
+          </a:xfrm>
+          <a:prstGeom prst="rect">
+            <a:avLst/>
+          </a:prstGeom>
+        </p:spPr>
+      </p:pic>
+      <p:pic>
+        <p:nvPicPr>
+          <p:cNvPr id="29" name="Picture 28"/>
+          <p:cNvPicPr>
+            <a:picLocks noChangeAspect="1"/>
+          </p:cNvPicPr>
+          <p:nvPr/>
+        </p:nvPicPr>
+        <p:blipFill>
+          <a:blip r:embed="rId12">
+            <a:extLst>
+              <a:ext uri="{28A0092B-C50C-407E-A947-70E740481C1C}">
+                <a14:useLocalDpi xmlns:a14="http://schemas.microsoft.com/office/drawing/2010/main" val="0"/>
+              </a:ext>
+            </a:extLst>
+          </a:blip>
+          <a:stretch>
+            <a:fillRect/>
+          </a:stretch>
+        </p:blipFill>
+        <p:spPr>
+          <a:xfrm>
+            <a:off x="18004916" y="23704401"/>
+            <a:ext cx="10325158" cy="7705149"/>
+          </a:xfrm>
+          <a:prstGeom prst="rect">
+            <a:avLst/>
+          </a:prstGeom>
+        </p:spPr>
+      </p:pic>
     </p:spTree>
     <p:extLst>
       <p:ext uri="{BB962C8B-B14F-4D97-AF65-F5344CB8AC3E}">

--- a/PosterDesign.pptx
+++ b/PosterDesign.pptx
@@ -289,7 +289,7 @@
           <a:p>
             <a:fld id="{26F4659F-BCAD-4F49-8558-2B5CFF0DE5F8}" type="datetimeFigureOut">
               <a:rPr lang="en-US" smtClean="0"/>
-              <a:t>4/19/2016</a:t>
+              <a:t>4/20/2016</a:t>
             </a:fld>
             <a:endParaRPr lang="en-US"/>
           </a:p>
@@ -459,7 +459,7 @@
           <a:p>
             <a:fld id="{26F4659F-BCAD-4F49-8558-2B5CFF0DE5F8}" type="datetimeFigureOut">
               <a:rPr lang="en-US" smtClean="0"/>
-              <a:t>4/19/2016</a:t>
+              <a:t>4/20/2016</a:t>
             </a:fld>
             <a:endParaRPr lang="en-US"/>
           </a:p>
@@ -639,7 +639,7 @@
           <a:p>
             <a:fld id="{26F4659F-BCAD-4F49-8558-2B5CFF0DE5F8}" type="datetimeFigureOut">
               <a:rPr lang="en-US" smtClean="0"/>
-              <a:t>4/19/2016</a:t>
+              <a:t>4/20/2016</a:t>
             </a:fld>
             <a:endParaRPr lang="en-US"/>
           </a:p>
@@ -809,7 +809,7 @@
           <a:p>
             <a:fld id="{26F4659F-BCAD-4F49-8558-2B5CFF0DE5F8}" type="datetimeFigureOut">
               <a:rPr lang="en-US" smtClean="0"/>
-              <a:t>4/19/2016</a:t>
+              <a:t>4/20/2016</a:t>
             </a:fld>
             <a:endParaRPr lang="en-US"/>
           </a:p>
@@ -1053,7 +1053,7 @@
           <a:p>
             <a:fld id="{26F4659F-BCAD-4F49-8558-2B5CFF0DE5F8}" type="datetimeFigureOut">
               <a:rPr lang="en-US" smtClean="0"/>
-              <a:t>4/19/2016</a:t>
+              <a:t>4/20/2016</a:t>
             </a:fld>
             <a:endParaRPr lang="en-US"/>
           </a:p>
@@ -1285,7 +1285,7 @@
           <a:p>
             <a:fld id="{26F4659F-BCAD-4F49-8558-2B5CFF0DE5F8}" type="datetimeFigureOut">
               <a:rPr lang="en-US" smtClean="0"/>
-              <a:t>4/19/2016</a:t>
+              <a:t>4/20/2016</a:t>
             </a:fld>
             <a:endParaRPr lang="en-US"/>
           </a:p>
@@ -1652,7 +1652,7 @@
           <a:p>
             <a:fld id="{26F4659F-BCAD-4F49-8558-2B5CFF0DE5F8}" type="datetimeFigureOut">
               <a:rPr lang="en-US" smtClean="0"/>
-              <a:t>4/19/2016</a:t>
+              <a:t>4/20/2016</a:t>
             </a:fld>
             <a:endParaRPr lang="en-US"/>
           </a:p>
@@ -1770,7 +1770,7 @@
           <a:p>
             <a:fld id="{26F4659F-BCAD-4F49-8558-2B5CFF0DE5F8}" type="datetimeFigureOut">
               <a:rPr lang="en-US" smtClean="0"/>
-              <a:t>4/19/2016</a:t>
+              <a:t>4/20/2016</a:t>
             </a:fld>
             <a:endParaRPr lang="en-US"/>
           </a:p>
@@ -1865,7 +1865,7 @@
           <a:p>
             <a:fld id="{26F4659F-BCAD-4F49-8558-2B5CFF0DE5F8}" type="datetimeFigureOut">
               <a:rPr lang="en-US" smtClean="0"/>
-              <a:t>4/19/2016</a:t>
+              <a:t>4/20/2016</a:t>
             </a:fld>
             <a:endParaRPr lang="en-US"/>
           </a:p>
@@ -2142,7 +2142,7 @@
           <a:p>
             <a:fld id="{26F4659F-BCAD-4F49-8558-2B5CFF0DE5F8}" type="datetimeFigureOut">
               <a:rPr lang="en-US" smtClean="0"/>
-              <a:t>4/19/2016</a:t>
+              <a:t>4/20/2016</a:t>
             </a:fld>
             <a:endParaRPr lang="en-US"/>
           </a:p>
@@ -2399,7 +2399,7 @@
           <a:p>
             <a:fld id="{26F4659F-BCAD-4F49-8558-2B5CFF0DE5F8}" type="datetimeFigureOut">
               <a:rPr lang="en-US" smtClean="0"/>
-              <a:t>4/19/2016</a:t>
+              <a:t>4/20/2016</a:t>
             </a:fld>
             <a:endParaRPr lang="en-US"/>
           </a:p>
@@ -2612,7 +2612,7 @@
           <a:p>
             <a:fld id="{26F4659F-BCAD-4F49-8558-2B5CFF0DE5F8}" type="datetimeFigureOut">
               <a:rPr lang="en-US" smtClean="0"/>
-              <a:t>4/19/2016</a:t>
+              <a:t>4/20/2016</a:t>
             </a:fld>
             <a:endParaRPr lang="en-US"/>
           </a:p>
@@ -3750,7 +3750,7 @@
                 <a:latin typeface="Arial" panose="020B0604020202020204" pitchFamily="34" charset="0"/>
                 <a:cs typeface="Arial" panose="020B0604020202020204" pitchFamily="34" charset="0"/>
               </a:rPr>
-              <a:t>How does constraining the spectral indices with regression models of past data affect simulations of the Spectral Energy Distribution (SED) of the Narrow Line Region of an Active Galactic Nuclei?</a:t>
+              <a:t>How does constraining the spectral indices with regression models of past data affect simulations of the emission ratios of the Narrow Line Region of an Active Galactic Nuclei?</a:t>
             </a:r>
           </a:p>
           <a:p>
@@ -4486,64 +4486,6 @@
           </a:prstGeom>
         </p:spPr>
       </p:pic>
-      <p:pic>
-        <p:nvPicPr>
-          <p:cNvPr id="19" name="Picture 18"/>
-          <p:cNvPicPr>
-            <a:picLocks noChangeAspect="1"/>
-          </p:cNvPicPr>
-          <p:nvPr/>
-        </p:nvPicPr>
-        <p:blipFill rotWithShape="1">
-          <a:blip r:embed="rId5">
-            <a:extLst>
-              <a:ext uri="{28A0092B-C50C-407E-A947-70E740481C1C}">
-                <a14:useLocalDpi xmlns:a14="http://schemas.microsoft.com/office/drawing/2010/main" val="0"/>
-              </a:ext>
-            </a:extLst>
-          </a:blip>
-          <a:srcRect l="4952" t="7127" r="3639" b="5582"/>
-          <a:stretch/>
-        </p:blipFill>
-        <p:spPr>
-          <a:xfrm>
-            <a:off x="31733251" y="18208224"/>
-            <a:ext cx="8676619" cy="6214232"/>
-          </a:xfrm>
-          <a:prstGeom prst="rect">
-            <a:avLst/>
-          </a:prstGeom>
-        </p:spPr>
-      </p:pic>
-      <p:pic>
-        <p:nvPicPr>
-          <p:cNvPr id="20" name="Picture 19"/>
-          <p:cNvPicPr>
-            <a:picLocks noChangeAspect="1"/>
-          </p:cNvPicPr>
-          <p:nvPr/>
-        </p:nvPicPr>
-        <p:blipFill rotWithShape="1">
-          <a:blip r:embed="rId6">
-            <a:extLst>
-              <a:ext uri="{28A0092B-C50C-407E-A947-70E740481C1C}">
-                <a14:useLocalDpi xmlns:a14="http://schemas.microsoft.com/office/drawing/2010/main" val="0"/>
-              </a:ext>
-            </a:extLst>
-          </a:blip>
-          <a:srcRect l="4060" t="8608" r="9553" b="5523"/>
-          <a:stretch/>
-        </p:blipFill>
-        <p:spPr>
-          <a:xfrm>
-            <a:off x="32202791" y="12210786"/>
-            <a:ext cx="7976044" cy="5946153"/>
-          </a:xfrm>
-          <a:prstGeom prst="rect">
-            <a:avLst/>
-          </a:prstGeom>
-        </p:spPr>
-      </p:pic>
       <p:sp>
         <p:nvSpPr>
           <p:cNvPr id="21" name="TextBox 20"/>
@@ -4766,7 +4708,7 @@
         </p:nvSpPr>
         <p:spPr>
           <a:xfrm>
-            <a:off x="32202791" y="24500990"/>
+            <a:off x="32004988" y="24582629"/>
             <a:ext cx="10025847" cy="7048083"/>
           </a:xfrm>
           <a:prstGeom prst="rect">
@@ -5172,7 +5114,7 @@
         </p:nvSpPr>
         <p:spPr>
           <a:xfrm>
-            <a:off x="32202790" y="30184162"/>
+            <a:off x="32004988" y="30184162"/>
             <a:ext cx="10290434" cy="1446550"/>
           </a:xfrm>
           <a:prstGeom prst="rect">
@@ -5295,7 +5237,7 @@
           <p:nvPr/>
         </p:nvPicPr>
         <p:blipFill>
-          <a:blip r:embed="rId7">
+          <a:blip r:embed="rId5">
             <a:extLst>
               <a:ext uri="{28A0092B-C50C-407E-A947-70E740481C1C}">
                 <a14:useLocalDpi xmlns:a14="http://schemas.microsoft.com/office/drawing/2010/main" val="0"/>
@@ -5316,67 +5258,6 @@
           </a:prstGeom>
         </p:spPr>
       </p:pic>
-      <p:sp>
-        <p:nvSpPr>
-          <p:cNvPr id="52" name="Rectangle 51"/>
-          <p:cNvSpPr/>
-          <p:nvPr/>
-        </p:nvSpPr>
-        <p:spPr>
-          <a:xfrm>
-            <a:off x="42228639" y="7582432"/>
-            <a:ext cx="7950703" cy="369332"/>
-          </a:xfrm>
-          <a:prstGeom prst="rect">
-            <a:avLst/>
-          </a:prstGeom>
-        </p:spPr>
-        <p:txBody>
-          <a:bodyPr wrap="none">
-            <a:spAutoFit/>
-          </a:bodyPr>
-          <a:lstStyle/>
-          <a:p>
-            <a:r>
-              <a:rPr lang="en-US" dirty="0">
-                <a:solidFill>
-                  <a:schemeClr val="bg1"/>
-                </a:solidFill>
-              </a:rPr>
-              <a:t>http://www.nasa.gov/mission_pages/chandra/multimedia/galaxy-centaurusA.html</a:t>
-            </a:r>
-          </a:p>
-        </p:txBody>
-      </p:sp>
-      <p:pic>
-        <p:nvPicPr>
-          <p:cNvPr id="13" name="Picture 12"/>
-          <p:cNvPicPr>
-            <a:picLocks noChangeAspect="1"/>
-          </p:cNvPicPr>
-          <p:nvPr/>
-        </p:nvPicPr>
-        <p:blipFill rotWithShape="1">
-          <a:blip r:embed="rId8">
-            <a:extLst>
-              <a:ext uri="{28A0092B-C50C-407E-A947-70E740481C1C}">
-                <a14:useLocalDpi xmlns:a14="http://schemas.microsoft.com/office/drawing/2010/main" val="0"/>
-              </a:ext>
-            </a:extLst>
-          </a:blip>
-          <a:srcRect l="8927" t="6986" r="4634" b="5371"/>
-          <a:stretch/>
-        </p:blipFill>
-        <p:spPr>
-          <a:xfrm>
-            <a:off x="31824354" y="5764828"/>
-            <a:ext cx="8476480" cy="6445958"/>
-          </a:xfrm>
-          <a:prstGeom prst="rect">
-            <a:avLst/>
-          </a:prstGeom>
-        </p:spPr>
-      </p:pic>
       <p:pic>
         <p:nvPicPr>
           <p:cNvPr id="12" name="Picture 11"/>
@@ -5386,7 +5267,7 @@
           <p:nvPr/>
         </p:nvPicPr>
         <p:blipFill>
-          <a:blip r:embed="rId9">
+          <a:blip r:embed="rId6">
             <a:extLst>
               <a:ext uri="{28A0092B-C50C-407E-A947-70E740481C1C}">
                 <a14:useLocalDpi xmlns:a14="http://schemas.microsoft.com/office/drawing/2010/main" val="0"/>
@@ -5416,7 +5297,7 @@
           <p:nvPr/>
         </p:nvPicPr>
         <p:blipFill>
-          <a:blip r:embed="rId10">
+          <a:blip r:embed="rId7">
             <a:extLst>
               <a:ext uri="{28A0092B-C50C-407E-A947-70E740481C1C}">
                 <a14:useLocalDpi xmlns:a14="http://schemas.microsoft.com/office/drawing/2010/main" val="0"/>
@@ -5446,7 +5327,7 @@
           <p:nvPr/>
         </p:nvPicPr>
         <p:blipFill>
-          <a:blip r:embed="rId11">
+          <a:blip r:embed="rId8">
             <a:extLst>
               <a:ext uri="{28A0092B-C50C-407E-A947-70E740481C1C}">
                 <a14:useLocalDpi xmlns:a14="http://schemas.microsoft.com/office/drawing/2010/main" val="0"/>
@@ -5469,7 +5350,94 @@
       </p:pic>
       <p:pic>
         <p:nvPicPr>
-          <p:cNvPr id="29" name="Picture 28"/>
+          <p:cNvPr id="2" name="Picture 1"/>
+          <p:cNvPicPr>
+            <a:picLocks noChangeAspect="1"/>
+          </p:cNvPicPr>
+          <p:nvPr/>
+        </p:nvPicPr>
+        <p:blipFill rotWithShape="1">
+          <a:blip r:embed="rId9">
+            <a:extLst>
+              <a:ext uri="{28A0092B-C50C-407E-A947-70E740481C1C}">
+                <a14:useLocalDpi xmlns:a14="http://schemas.microsoft.com/office/drawing/2010/main" val="0"/>
+              </a:ext>
+            </a:extLst>
+          </a:blip>
+          <a:srcRect l="4697" t="8095" r="8781" b="3159"/>
+          <a:stretch/>
+        </p:blipFill>
+        <p:spPr>
+          <a:xfrm>
+            <a:off x="32004988" y="18100312"/>
+            <a:ext cx="8439078" cy="6491985"/>
+          </a:xfrm>
+          <a:prstGeom prst="rect">
+            <a:avLst/>
+          </a:prstGeom>
+        </p:spPr>
+      </p:pic>
+      <p:pic>
+        <p:nvPicPr>
+          <p:cNvPr id="6" name="Picture 5"/>
+          <p:cNvPicPr>
+            <a:picLocks noChangeAspect="1"/>
+          </p:cNvPicPr>
+          <p:nvPr/>
+        </p:nvPicPr>
+        <p:blipFill rotWithShape="1">
+          <a:blip r:embed="rId10">
+            <a:extLst>
+              <a:ext uri="{28A0092B-C50C-407E-A947-70E740481C1C}">
+                <a14:useLocalDpi xmlns:a14="http://schemas.microsoft.com/office/drawing/2010/main" val="0"/>
+              </a:ext>
+            </a:extLst>
+          </a:blip>
+          <a:srcRect l="4644" t="8496" r="7855" b="2536"/>
+          <a:stretch/>
+        </p:blipFill>
+        <p:spPr>
+          <a:xfrm>
+            <a:off x="31890840" y="11587076"/>
+            <a:ext cx="8667373" cy="6609591"/>
+          </a:xfrm>
+          <a:prstGeom prst="rect">
+            <a:avLst/>
+          </a:prstGeom>
+        </p:spPr>
+      </p:pic>
+      <p:pic>
+        <p:nvPicPr>
+          <p:cNvPr id="14" name="Picture 13"/>
+          <p:cNvPicPr>
+            <a:picLocks noChangeAspect="1"/>
+          </p:cNvPicPr>
+          <p:nvPr/>
+        </p:nvPicPr>
+        <p:blipFill rotWithShape="1">
+          <a:blip r:embed="rId11">
+            <a:extLst>
+              <a:ext uri="{28A0092B-C50C-407E-A947-70E740481C1C}">
+                <a14:useLocalDpi xmlns:a14="http://schemas.microsoft.com/office/drawing/2010/main" val="0"/>
+              </a:ext>
+            </a:extLst>
+          </a:blip>
+          <a:srcRect l="4469" t="9935" r="8637" b="4958"/>
+          <a:stretch/>
+        </p:blipFill>
+        <p:spPr>
+          <a:xfrm>
+            <a:off x="31986854" y="5457660"/>
+            <a:ext cx="8475346" cy="6225771"/>
+          </a:xfrm>
+          <a:prstGeom prst="rect">
+            <a:avLst/>
+          </a:prstGeom>
+        </p:spPr>
+      </p:pic>
+      <p:pic>
+        <p:nvPicPr>
+          <p:cNvPr id="26" name="Picture 25"/>
           <p:cNvPicPr>
             <a:picLocks noChangeAspect="1"/>
           </p:cNvPicPr>
@@ -5489,8 +5457,8 @@
         </p:blipFill>
         <p:spPr>
           <a:xfrm>
-            <a:off x="18004916" y="23704401"/>
-            <a:ext cx="10325158" cy="7705149"/>
+            <a:off x="18258062" y="23951340"/>
+            <a:ext cx="9779613" cy="7298036"/>
           </a:xfrm>
           <a:prstGeom prst="rect">
             <a:avLst/>
